--- a/notes/csc402-ln019.pptx
+++ b/notes/csc402-ln019.pptx
@@ -11959,6 +11959,46 @@
           </a:p>
         </p:txBody>
       </p:sp>
+      <p:sp>
+        <p:nvSpPr>
+          <p:cNvPr id="2" name="TextBox 1">
+            <a:extLst>
+              <a:ext uri="{FF2B5EF4-FFF2-40B4-BE49-F238E27FC236}">
+                <a16:creationId xmlns:a16="http://schemas.microsoft.com/office/drawing/2014/main" id="{C83C630D-E8B2-BE42-9E08-685F66CEF804}"/>
+              </a:ext>
+            </a:extLst>
+          </p:cNvPr>
+          <p:cNvSpPr txBox="1"/>
+          <p:nvPr/>
+        </p:nvSpPr>
+        <p:spPr>
+          <a:xfrm>
+            <a:off x="6340839" y="584616"/>
+            <a:ext cx="1056700" cy="369332"/>
+          </a:xfrm>
+          <a:prstGeom prst="rect">
+            <a:avLst/>
+          </a:prstGeom>
+          <a:noFill/>
+          <a:ln>
+            <a:solidFill>
+              <a:schemeClr val="tx1"/>
+            </a:solidFill>
+          </a:ln>
+        </p:spPr>
+        <p:txBody>
+          <a:bodyPr wrap="none" rtlCol="0">
+            <a:spAutoFit/>
+          </a:bodyPr>
+          <a:lstStyle/>
+          <a:p>
+            <a:r>
+              <a:rPr lang="en-US" sz="1800" dirty="0"/>
+              <a:t>Chap 12</a:t>
+            </a:r>
+          </a:p>
+        </p:txBody>
+      </p:sp>
     </p:spTree>
   </p:cSld>
   <p:clrMapOvr>

--- a/notes/csc402-ln019.pptx
+++ b/notes/csc402-ln019.pptx
@@ -5,7 +5,7 @@
     <p:sldMasterId id="2147483649" r:id="rId1"/>
   </p:sldMasterIdLst>
   <p:notesMasterIdLst>
-    <p:notesMasterId r:id="rId37"/>
+    <p:notesMasterId r:id="rId35"/>
   </p:notesMasterIdLst>
   <p:sldIdLst>
     <p:sldId id="256" r:id="rId2"/>
@@ -41,8 +41,6 @@
     <p:sldId id="291" r:id="rId32"/>
     <p:sldId id="292" r:id="rId33"/>
     <p:sldId id="261" r:id="rId34"/>
-    <p:sldId id="263" r:id="rId35"/>
-    <p:sldId id="264" r:id="rId36"/>
   </p:sldIdLst>
   <p:sldSz cx="9144000" cy="6858000" type="screen4x3"/>
   <p:notesSz cx="6858000" cy="9144000"/>
@@ -239,17 +237,17 @@
           </a:ln>
           <a:extLst>
             <a:ext uri="{FAA26D3D-D897-4be2-8F04-BA451C77F1D7}">
-              <ma14:placeholderFlag xmlns:ma14="http://schemas.microsoft.com/office/mac/drawingml/2011/main" xmlns="" val="1"/>
+              <ma14:placeholderFlag xmlns="" xmlns:ma14="http://schemas.microsoft.com/office/mac/drawingml/2011/main" val="1"/>
             </a:ext>
             <a:ext uri="{909E8E84-426E-40dd-AFC4-6F175D3DCCD1}">
-              <a14:hiddenFill xmlns:a14="http://schemas.microsoft.com/office/drawing/2010/main" xmlns="">
+              <a14:hiddenFill xmlns="" xmlns:a14="http://schemas.microsoft.com/office/drawing/2010/main">
                 <a:solidFill>
                   <a:schemeClr val="accent1"/>
                 </a:solidFill>
               </a14:hiddenFill>
             </a:ext>
             <a:ext uri="{91240B29-F687-4f45-9708-019B960494DF}">
-              <a14:hiddenLine xmlns:a14="http://schemas.microsoft.com/office/drawing/2010/main" xmlns="" w="9525">
+              <a14:hiddenLine xmlns="" xmlns:a14="http://schemas.microsoft.com/office/drawing/2010/main" w="9525">
                 <a:solidFill>
                   <a:schemeClr val="tx1"/>
                 </a:solidFill>
@@ -300,17 +298,17 @@
           </a:ln>
           <a:extLst>
             <a:ext uri="{FAA26D3D-D897-4be2-8F04-BA451C77F1D7}">
-              <ma14:placeholderFlag xmlns:ma14="http://schemas.microsoft.com/office/mac/drawingml/2011/main" xmlns="" val="1"/>
+              <ma14:placeholderFlag xmlns="" xmlns:ma14="http://schemas.microsoft.com/office/mac/drawingml/2011/main" val="1"/>
             </a:ext>
             <a:ext uri="{909E8E84-426E-40dd-AFC4-6F175D3DCCD1}">
-              <a14:hiddenFill xmlns:a14="http://schemas.microsoft.com/office/drawing/2010/main" xmlns="">
+              <a14:hiddenFill xmlns="" xmlns:a14="http://schemas.microsoft.com/office/drawing/2010/main">
                 <a:solidFill>
                   <a:schemeClr val="accent1"/>
                 </a:solidFill>
               </a14:hiddenFill>
             </a:ext>
             <a:ext uri="{91240B29-F687-4f45-9708-019B960494DF}">
-              <a14:hiddenLine xmlns:a14="http://schemas.microsoft.com/office/drawing/2010/main" xmlns="" w="9525">
+              <a14:hiddenLine xmlns="" xmlns:a14="http://schemas.microsoft.com/office/drawing/2010/main" w="9525">
                 <a:solidFill>
                   <a:schemeClr val="tx1"/>
                 </a:solidFill>
@@ -367,7 +365,7 @@
           <a:effectLst/>
           <a:extLst>
             <a:ext uri="{AF507438-7753-43e0-B8FC-AC1667EBCBE1}">
-              <a14:hiddenEffects xmlns:a14="http://schemas.microsoft.com/office/drawing/2010/main" xmlns="">
+              <a14:hiddenEffects xmlns="" xmlns:a14="http://schemas.microsoft.com/office/drawing/2010/main">
                 <a:effectLst>
                   <a:outerShdw blurRad="63500" dist="38099" dir="2700000" algn="ctr" rotWithShape="0">
                     <a:srgbClr val="000000">
@@ -378,7 +376,7 @@
               </a14:hiddenEffects>
             </a:ext>
             <a:ext uri="{53640926-AAD7-44d8-BBD7-CCE9431645EC}">
-              <a14:shadowObscured xmlns:a14="http://schemas.microsoft.com/office/drawing/2010/main" xmlns="" val="1"/>
+              <a14:shadowObscured xmlns="" xmlns:a14="http://schemas.microsoft.com/office/drawing/2010/main" val="1"/>
             </a:ext>
           </a:extLst>
         </p:spPr>
@@ -407,17 +405,17 @@
           </a:ln>
           <a:extLst>
             <a:ext uri="{FAA26D3D-D897-4be2-8F04-BA451C77F1D7}">
-              <ma14:placeholderFlag xmlns:ma14="http://schemas.microsoft.com/office/mac/drawingml/2011/main" xmlns="" val="1"/>
+              <ma14:placeholderFlag xmlns="" xmlns:ma14="http://schemas.microsoft.com/office/mac/drawingml/2011/main" val="1"/>
             </a:ext>
             <a:ext uri="{909E8E84-426E-40dd-AFC4-6F175D3DCCD1}">
-              <a14:hiddenFill xmlns:a14="http://schemas.microsoft.com/office/drawing/2010/main" xmlns="">
+              <a14:hiddenFill xmlns="" xmlns:a14="http://schemas.microsoft.com/office/drawing/2010/main">
                 <a:solidFill>
                   <a:schemeClr val="accent1"/>
                 </a:solidFill>
               </a14:hiddenFill>
             </a:ext>
             <a:ext uri="{91240B29-F687-4f45-9708-019B960494DF}">
-              <a14:hiddenLine xmlns:a14="http://schemas.microsoft.com/office/drawing/2010/main" xmlns="" w="9525">
+              <a14:hiddenLine xmlns="" xmlns:a14="http://schemas.microsoft.com/office/drawing/2010/main" w="9525">
                 <a:solidFill>
                   <a:schemeClr val="tx1"/>
                 </a:solidFill>
@@ -496,17 +494,17 @@
           </a:ln>
           <a:extLst>
             <a:ext uri="{FAA26D3D-D897-4be2-8F04-BA451C77F1D7}">
-              <ma14:placeholderFlag xmlns:ma14="http://schemas.microsoft.com/office/mac/drawingml/2011/main" xmlns="" val="1"/>
+              <ma14:placeholderFlag xmlns="" xmlns:ma14="http://schemas.microsoft.com/office/mac/drawingml/2011/main" val="1"/>
             </a:ext>
             <a:ext uri="{909E8E84-426E-40dd-AFC4-6F175D3DCCD1}">
-              <a14:hiddenFill xmlns:a14="http://schemas.microsoft.com/office/drawing/2010/main" xmlns="">
+              <a14:hiddenFill xmlns="" xmlns:a14="http://schemas.microsoft.com/office/drawing/2010/main">
                 <a:solidFill>
                   <a:schemeClr val="accent1"/>
                 </a:solidFill>
               </a14:hiddenFill>
             </a:ext>
             <a:ext uri="{91240B29-F687-4f45-9708-019B960494DF}">
-              <a14:hiddenLine xmlns:a14="http://schemas.microsoft.com/office/drawing/2010/main" xmlns="" w="9525">
+              <a14:hiddenLine xmlns="" xmlns:a14="http://schemas.microsoft.com/office/drawing/2010/main" w="9525">
                 <a:solidFill>
                   <a:schemeClr val="tx1"/>
                 </a:solidFill>
@@ -557,17 +555,17 @@
           </a:ln>
           <a:extLst>
             <a:ext uri="{FAA26D3D-D897-4be2-8F04-BA451C77F1D7}">
-              <ma14:placeholderFlag xmlns:ma14="http://schemas.microsoft.com/office/mac/drawingml/2011/main" xmlns="" val="1"/>
+              <ma14:placeholderFlag xmlns="" xmlns:ma14="http://schemas.microsoft.com/office/mac/drawingml/2011/main" val="1"/>
             </a:ext>
             <a:ext uri="{909E8E84-426E-40dd-AFC4-6F175D3DCCD1}">
-              <a14:hiddenFill xmlns:a14="http://schemas.microsoft.com/office/drawing/2010/main" xmlns="">
+              <a14:hiddenFill xmlns="" xmlns:a14="http://schemas.microsoft.com/office/drawing/2010/main">
                 <a:solidFill>
                   <a:schemeClr val="accent1"/>
                 </a:solidFill>
               </a14:hiddenFill>
             </a:ext>
             <a:ext uri="{91240B29-F687-4f45-9708-019B960494DF}">
-              <a14:hiddenLine xmlns:a14="http://schemas.microsoft.com/office/drawing/2010/main" xmlns="" w="9525">
+              <a14:hiddenLine xmlns="" xmlns:a14="http://schemas.microsoft.com/office/drawing/2010/main" w="9525">
                 <a:solidFill>
                   <a:schemeClr val="tx1"/>
                 </a:solidFill>
@@ -789,7 +787,7 @@
           <a:ln/>
           <a:extLst>
             <a:ext uri="{FAA26D3D-D897-4be2-8F04-BA451C77F1D7}">
-              <ma14:placeholderFlag xmlns:ma14="http://schemas.microsoft.com/office/mac/drawingml/2011/main" xmlns="" val="1"/>
+              <ma14:placeholderFlag xmlns="" xmlns:ma14="http://schemas.microsoft.com/office/mac/drawingml/2011/main" val="1"/>
             </a:ext>
           </a:extLst>
         </p:spPr>
@@ -895,7 +893,7 @@
           </a:ln>
           <a:extLst>
             <a:ext uri="{FAA26D3D-D897-4be2-8F04-BA451C77F1D7}">
-              <ma14:placeholderFlag xmlns:ma14="http://schemas.microsoft.com/office/mac/drawingml/2011/main" xmlns="" val="1"/>
+              <ma14:placeholderFlag xmlns="" xmlns:ma14="http://schemas.microsoft.com/office/mac/drawingml/2011/main" val="1"/>
             </a:ext>
           </a:extLst>
         </p:spPr>
@@ -931,7 +929,7 @@
           </a:ln>
           <a:extLst>
             <a:ext uri="{FAA26D3D-D897-4be2-8F04-BA451C77F1D7}">
-              <ma14:placeholderFlag xmlns:ma14="http://schemas.microsoft.com/office/mac/drawingml/2011/main" xmlns="" val="1"/>
+              <ma14:placeholderFlag xmlns="" xmlns:ma14="http://schemas.microsoft.com/office/mac/drawingml/2011/main" val="1"/>
             </a:ext>
           </a:extLst>
         </p:spPr>
@@ -1025,7 +1023,7 @@
           </a:ln>
           <a:extLst>
             <a:ext uri="{FAA26D3D-D897-4be2-8F04-BA451C77F1D7}">
-              <ma14:placeholderFlag xmlns:ma14="http://schemas.microsoft.com/office/mac/drawingml/2011/main" xmlns="" val="1"/>
+              <ma14:placeholderFlag xmlns="" xmlns:ma14="http://schemas.microsoft.com/office/mac/drawingml/2011/main" val="1"/>
             </a:ext>
           </a:extLst>
         </p:spPr>
@@ -1061,7 +1059,7 @@
           </a:ln>
           <a:extLst>
             <a:ext uri="{FAA26D3D-D897-4be2-8F04-BA451C77F1D7}">
-              <ma14:placeholderFlag xmlns:ma14="http://schemas.microsoft.com/office/mac/drawingml/2011/main" xmlns="" val="1"/>
+              <ma14:placeholderFlag xmlns="" xmlns:ma14="http://schemas.microsoft.com/office/mac/drawingml/2011/main" val="1"/>
             </a:ext>
           </a:extLst>
         </p:spPr>
@@ -1155,7 +1153,7 @@
           </a:ln>
           <a:extLst>
             <a:ext uri="{FAA26D3D-D897-4be2-8F04-BA451C77F1D7}">
-              <ma14:placeholderFlag xmlns:ma14="http://schemas.microsoft.com/office/mac/drawingml/2011/main" xmlns="" val="1"/>
+              <ma14:placeholderFlag xmlns="" xmlns:ma14="http://schemas.microsoft.com/office/mac/drawingml/2011/main" val="1"/>
             </a:ext>
           </a:extLst>
         </p:spPr>
@@ -1191,7 +1189,7 @@
           </a:ln>
           <a:extLst>
             <a:ext uri="{FAA26D3D-D897-4be2-8F04-BA451C77F1D7}">
-              <ma14:placeholderFlag xmlns:ma14="http://schemas.microsoft.com/office/mac/drawingml/2011/main" xmlns="" val="1"/>
+              <ma14:placeholderFlag xmlns="" xmlns:ma14="http://schemas.microsoft.com/office/mac/drawingml/2011/main" val="1"/>
             </a:ext>
           </a:extLst>
         </p:spPr>
@@ -1285,7 +1283,7 @@
           </a:ln>
           <a:extLst>
             <a:ext uri="{FAA26D3D-D897-4be2-8F04-BA451C77F1D7}">
-              <ma14:placeholderFlag xmlns:ma14="http://schemas.microsoft.com/office/mac/drawingml/2011/main" xmlns="" val="1"/>
+              <ma14:placeholderFlag xmlns="" xmlns:ma14="http://schemas.microsoft.com/office/mac/drawingml/2011/main" val="1"/>
             </a:ext>
           </a:extLst>
         </p:spPr>
@@ -1321,7 +1319,7 @@
           </a:ln>
           <a:extLst>
             <a:ext uri="{FAA26D3D-D897-4be2-8F04-BA451C77F1D7}">
-              <ma14:placeholderFlag xmlns:ma14="http://schemas.microsoft.com/office/mac/drawingml/2011/main" xmlns="" val="1"/>
+              <ma14:placeholderFlag xmlns="" xmlns:ma14="http://schemas.microsoft.com/office/mac/drawingml/2011/main" val="1"/>
             </a:ext>
           </a:extLst>
         </p:spPr>
@@ -1415,7 +1413,7 @@
           </a:ln>
           <a:extLst>
             <a:ext uri="{FAA26D3D-D897-4be2-8F04-BA451C77F1D7}">
-              <ma14:placeholderFlag xmlns:ma14="http://schemas.microsoft.com/office/mac/drawingml/2011/main" xmlns="" val="1"/>
+              <ma14:placeholderFlag xmlns="" xmlns:ma14="http://schemas.microsoft.com/office/mac/drawingml/2011/main" val="1"/>
             </a:ext>
           </a:extLst>
         </p:spPr>
@@ -1451,7 +1449,7 @@
           </a:ln>
           <a:extLst>
             <a:ext uri="{FAA26D3D-D897-4be2-8F04-BA451C77F1D7}">
-              <ma14:placeholderFlag xmlns:ma14="http://schemas.microsoft.com/office/mac/drawingml/2011/main" xmlns="" val="1"/>
+              <ma14:placeholderFlag xmlns="" xmlns:ma14="http://schemas.microsoft.com/office/mac/drawingml/2011/main" val="1"/>
             </a:ext>
           </a:extLst>
         </p:spPr>
@@ -1545,7 +1543,7 @@
           </a:ln>
           <a:extLst>
             <a:ext uri="{FAA26D3D-D897-4be2-8F04-BA451C77F1D7}">
-              <ma14:placeholderFlag xmlns:ma14="http://schemas.microsoft.com/office/mac/drawingml/2011/main" xmlns="" val="1"/>
+              <ma14:placeholderFlag xmlns="" xmlns:ma14="http://schemas.microsoft.com/office/mac/drawingml/2011/main" val="1"/>
             </a:ext>
           </a:extLst>
         </p:spPr>
@@ -1581,7 +1579,7 @@
           </a:ln>
           <a:extLst>
             <a:ext uri="{FAA26D3D-D897-4be2-8F04-BA451C77F1D7}">
-              <ma14:placeholderFlag xmlns:ma14="http://schemas.microsoft.com/office/mac/drawingml/2011/main" xmlns="" val="1"/>
+              <ma14:placeholderFlag xmlns="" xmlns:ma14="http://schemas.microsoft.com/office/mac/drawingml/2011/main" val="1"/>
             </a:ext>
           </a:extLst>
         </p:spPr>
@@ -1675,7 +1673,7 @@
           </a:ln>
           <a:extLst>
             <a:ext uri="{FAA26D3D-D897-4be2-8F04-BA451C77F1D7}">
-              <ma14:placeholderFlag xmlns:ma14="http://schemas.microsoft.com/office/mac/drawingml/2011/main" xmlns="" val="1"/>
+              <ma14:placeholderFlag xmlns="" xmlns:ma14="http://schemas.microsoft.com/office/mac/drawingml/2011/main" val="1"/>
             </a:ext>
           </a:extLst>
         </p:spPr>
@@ -1711,7 +1709,7 @@
           </a:ln>
           <a:extLst>
             <a:ext uri="{FAA26D3D-D897-4be2-8F04-BA451C77F1D7}">
-              <ma14:placeholderFlag xmlns:ma14="http://schemas.microsoft.com/office/mac/drawingml/2011/main" xmlns="" val="1"/>
+              <ma14:placeholderFlag xmlns="" xmlns:ma14="http://schemas.microsoft.com/office/mac/drawingml/2011/main" val="1"/>
             </a:ext>
           </a:extLst>
         </p:spPr>
@@ -1805,7 +1803,7 @@
           </a:ln>
           <a:extLst>
             <a:ext uri="{FAA26D3D-D897-4be2-8F04-BA451C77F1D7}">
-              <ma14:placeholderFlag xmlns:ma14="http://schemas.microsoft.com/office/mac/drawingml/2011/main" xmlns="" val="1"/>
+              <ma14:placeholderFlag xmlns="" xmlns:ma14="http://schemas.microsoft.com/office/mac/drawingml/2011/main" val="1"/>
             </a:ext>
           </a:extLst>
         </p:spPr>
@@ -1841,7 +1839,7 @@
           </a:ln>
           <a:extLst>
             <a:ext uri="{FAA26D3D-D897-4be2-8F04-BA451C77F1D7}">
-              <ma14:placeholderFlag xmlns:ma14="http://schemas.microsoft.com/office/mac/drawingml/2011/main" xmlns="" val="1"/>
+              <ma14:placeholderFlag xmlns="" xmlns:ma14="http://schemas.microsoft.com/office/mac/drawingml/2011/main" val="1"/>
             </a:ext>
           </a:extLst>
         </p:spPr>
@@ -1935,7 +1933,7 @@
           </a:ln>
           <a:extLst>
             <a:ext uri="{FAA26D3D-D897-4be2-8F04-BA451C77F1D7}">
-              <ma14:placeholderFlag xmlns:ma14="http://schemas.microsoft.com/office/mac/drawingml/2011/main" xmlns="" val="1"/>
+              <ma14:placeholderFlag xmlns="" xmlns:ma14="http://schemas.microsoft.com/office/mac/drawingml/2011/main" val="1"/>
             </a:ext>
           </a:extLst>
         </p:spPr>
@@ -1971,7 +1969,7 @@
           </a:ln>
           <a:extLst>
             <a:ext uri="{FAA26D3D-D897-4be2-8F04-BA451C77F1D7}">
-              <ma14:placeholderFlag xmlns:ma14="http://schemas.microsoft.com/office/mac/drawingml/2011/main" xmlns="" val="1"/>
+              <ma14:placeholderFlag xmlns="" xmlns:ma14="http://schemas.microsoft.com/office/mac/drawingml/2011/main" val="1"/>
             </a:ext>
           </a:extLst>
         </p:spPr>
@@ -2065,7 +2063,7 @@
           </a:ln>
           <a:extLst>
             <a:ext uri="{FAA26D3D-D897-4be2-8F04-BA451C77F1D7}">
-              <ma14:placeholderFlag xmlns:ma14="http://schemas.microsoft.com/office/mac/drawingml/2011/main" xmlns="" val="1"/>
+              <ma14:placeholderFlag xmlns="" xmlns:ma14="http://schemas.microsoft.com/office/mac/drawingml/2011/main" val="1"/>
             </a:ext>
           </a:extLst>
         </p:spPr>
@@ -2101,7 +2099,7 @@
           </a:ln>
           <a:extLst>
             <a:ext uri="{FAA26D3D-D897-4be2-8F04-BA451C77F1D7}">
-              <ma14:placeholderFlag xmlns:ma14="http://schemas.microsoft.com/office/mac/drawingml/2011/main" xmlns="" val="1"/>
+              <ma14:placeholderFlag xmlns="" xmlns:ma14="http://schemas.microsoft.com/office/mac/drawingml/2011/main" val="1"/>
             </a:ext>
           </a:extLst>
         </p:spPr>
@@ -2178,7 +2176,7 @@
           <a:ln/>
           <a:extLst>
             <a:ext uri="{FAA26D3D-D897-4be2-8F04-BA451C77F1D7}">
-              <ma14:placeholderFlag xmlns:ma14="http://schemas.microsoft.com/office/mac/drawingml/2011/main" xmlns="" val="1"/>
+              <ma14:placeholderFlag xmlns="" xmlns:ma14="http://schemas.microsoft.com/office/mac/drawingml/2011/main" val="1"/>
             </a:ext>
           </a:extLst>
         </p:spPr>
@@ -2284,7 +2282,7 @@
           </a:ln>
           <a:extLst>
             <a:ext uri="{FAA26D3D-D897-4be2-8F04-BA451C77F1D7}">
-              <ma14:placeholderFlag xmlns:ma14="http://schemas.microsoft.com/office/mac/drawingml/2011/main" xmlns="" val="1"/>
+              <ma14:placeholderFlag xmlns="" xmlns:ma14="http://schemas.microsoft.com/office/mac/drawingml/2011/main" val="1"/>
             </a:ext>
           </a:extLst>
         </p:spPr>
@@ -2320,7 +2318,7 @@
           </a:ln>
           <a:extLst>
             <a:ext uri="{FAA26D3D-D897-4be2-8F04-BA451C77F1D7}">
-              <ma14:placeholderFlag xmlns:ma14="http://schemas.microsoft.com/office/mac/drawingml/2011/main" xmlns="" val="1"/>
+              <ma14:placeholderFlag xmlns="" xmlns:ma14="http://schemas.microsoft.com/office/mac/drawingml/2011/main" val="1"/>
             </a:ext>
           </a:extLst>
         </p:spPr>
@@ -2414,7 +2412,7 @@
           </a:ln>
           <a:extLst>
             <a:ext uri="{FAA26D3D-D897-4be2-8F04-BA451C77F1D7}">
-              <ma14:placeholderFlag xmlns:ma14="http://schemas.microsoft.com/office/mac/drawingml/2011/main" xmlns="" val="1"/>
+              <ma14:placeholderFlag xmlns="" xmlns:ma14="http://schemas.microsoft.com/office/mac/drawingml/2011/main" val="1"/>
             </a:ext>
           </a:extLst>
         </p:spPr>
@@ -2450,7 +2448,7 @@
           </a:ln>
           <a:extLst>
             <a:ext uri="{FAA26D3D-D897-4be2-8F04-BA451C77F1D7}">
-              <ma14:placeholderFlag xmlns:ma14="http://schemas.microsoft.com/office/mac/drawingml/2011/main" xmlns="" val="1"/>
+              <ma14:placeholderFlag xmlns="" xmlns:ma14="http://schemas.microsoft.com/office/mac/drawingml/2011/main" val="1"/>
             </a:ext>
           </a:extLst>
         </p:spPr>
@@ -2544,7 +2542,7 @@
           </a:ln>
           <a:extLst>
             <a:ext uri="{FAA26D3D-D897-4be2-8F04-BA451C77F1D7}">
-              <ma14:placeholderFlag xmlns:ma14="http://schemas.microsoft.com/office/mac/drawingml/2011/main" xmlns="" val="1"/>
+              <ma14:placeholderFlag xmlns="" xmlns:ma14="http://schemas.microsoft.com/office/mac/drawingml/2011/main" val="1"/>
             </a:ext>
           </a:extLst>
         </p:spPr>
@@ -2580,7 +2578,7 @@
           </a:ln>
           <a:extLst>
             <a:ext uri="{FAA26D3D-D897-4be2-8F04-BA451C77F1D7}">
-              <ma14:placeholderFlag xmlns:ma14="http://schemas.microsoft.com/office/mac/drawingml/2011/main" xmlns="" val="1"/>
+              <ma14:placeholderFlag xmlns="" xmlns:ma14="http://schemas.microsoft.com/office/mac/drawingml/2011/main" val="1"/>
             </a:ext>
           </a:extLst>
         </p:spPr>
@@ -2674,7 +2672,7 @@
           </a:ln>
           <a:extLst>
             <a:ext uri="{FAA26D3D-D897-4be2-8F04-BA451C77F1D7}">
-              <ma14:placeholderFlag xmlns:ma14="http://schemas.microsoft.com/office/mac/drawingml/2011/main" xmlns="" val="1"/>
+              <ma14:placeholderFlag xmlns="" xmlns:ma14="http://schemas.microsoft.com/office/mac/drawingml/2011/main" val="1"/>
             </a:ext>
           </a:extLst>
         </p:spPr>
@@ -2710,7 +2708,7 @@
           </a:ln>
           <a:extLst>
             <a:ext uri="{FAA26D3D-D897-4be2-8F04-BA451C77F1D7}">
-              <ma14:placeholderFlag xmlns:ma14="http://schemas.microsoft.com/office/mac/drawingml/2011/main" xmlns="" val="1"/>
+              <ma14:placeholderFlag xmlns="" xmlns:ma14="http://schemas.microsoft.com/office/mac/drawingml/2011/main" val="1"/>
             </a:ext>
           </a:extLst>
         </p:spPr>
@@ -2787,7 +2785,7 @@
           <a:ln/>
           <a:extLst>
             <a:ext uri="{FAA26D3D-D897-4be2-8F04-BA451C77F1D7}">
-              <ma14:placeholderFlag xmlns:ma14="http://schemas.microsoft.com/office/mac/drawingml/2011/main" xmlns="" val="1"/>
+              <ma14:placeholderFlag xmlns="" xmlns:ma14="http://schemas.microsoft.com/office/mac/drawingml/2011/main" val="1"/>
             </a:ext>
           </a:extLst>
         </p:spPr>
@@ -2893,7 +2891,7 @@
           </a:ln>
           <a:extLst>
             <a:ext uri="{FAA26D3D-D897-4be2-8F04-BA451C77F1D7}">
-              <ma14:placeholderFlag xmlns:ma14="http://schemas.microsoft.com/office/mac/drawingml/2011/main" xmlns="" val="1"/>
+              <ma14:placeholderFlag xmlns="" xmlns:ma14="http://schemas.microsoft.com/office/mac/drawingml/2011/main" val="1"/>
             </a:ext>
           </a:extLst>
         </p:spPr>
@@ -2929,7 +2927,7 @@
           </a:ln>
           <a:extLst>
             <a:ext uri="{FAA26D3D-D897-4be2-8F04-BA451C77F1D7}">
-              <ma14:placeholderFlag xmlns:ma14="http://schemas.microsoft.com/office/mac/drawingml/2011/main" xmlns="" val="1"/>
+              <ma14:placeholderFlag xmlns="" xmlns:ma14="http://schemas.microsoft.com/office/mac/drawingml/2011/main" val="1"/>
             </a:ext>
           </a:extLst>
         </p:spPr>
@@ -3023,7 +3021,7 @@
           </a:ln>
           <a:extLst>
             <a:ext uri="{FAA26D3D-D897-4be2-8F04-BA451C77F1D7}">
-              <ma14:placeholderFlag xmlns:ma14="http://schemas.microsoft.com/office/mac/drawingml/2011/main" xmlns="" val="1"/>
+              <ma14:placeholderFlag xmlns="" xmlns:ma14="http://schemas.microsoft.com/office/mac/drawingml/2011/main" val="1"/>
             </a:ext>
           </a:extLst>
         </p:spPr>
@@ -3059,7 +3057,7 @@
           </a:ln>
           <a:extLst>
             <a:ext uri="{FAA26D3D-D897-4be2-8F04-BA451C77F1D7}">
-              <ma14:placeholderFlag xmlns:ma14="http://schemas.microsoft.com/office/mac/drawingml/2011/main" xmlns="" val="1"/>
+              <ma14:placeholderFlag xmlns="" xmlns:ma14="http://schemas.microsoft.com/office/mac/drawingml/2011/main" val="1"/>
             </a:ext>
           </a:extLst>
         </p:spPr>
@@ -3153,7 +3151,7 @@
           </a:ln>
           <a:extLst>
             <a:ext uri="{FAA26D3D-D897-4be2-8F04-BA451C77F1D7}">
-              <ma14:placeholderFlag xmlns:ma14="http://schemas.microsoft.com/office/mac/drawingml/2011/main" xmlns="" val="1"/>
+              <ma14:placeholderFlag xmlns="" xmlns:ma14="http://schemas.microsoft.com/office/mac/drawingml/2011/main" val="1"/>
             </a:ext>
           </a:extLst>
         </p:spPr>
@@ -3189,7 +3187,7 @@
           </a:ln>
           <a:extLst>
             <a:ext uri="{FAA26D3D-D897-4be2-8F04-BA451C77F1D7}">
-              <ma14:placeholderFlag xmlns:ma14="http://schemas.microsoft.com/office/mac/drawingml/2011/main" xmlns="" val="1"/>
+              <ma14:placeholderFlag xmlns="" xmlns:ma14="http://schemas.microsoft.com/office/mac/drawingml/2011/main" val="1"/>
             </a:ext>
           </a:extLst>
         </p:spPr>
@@ -3283,7 +3281,7 @@
           </a:ln>
           <a:extLst>
             <a:ext uri="{FAA26D3D-D897-4be2-8F04-BA451C77F1D7}">
-              <ma14:placeholderFlag xmlns:ma14="http://schemas.microsoft.com/office/mac/drawingml/2011/main" xmlns="" val="1"/>
+              <ma14:placeholderFlag xmlns="" xmlns:ma14="http://schemas.microsoft.com/office/mac/drawingml/2011/main" val="1"/>
             </a:ext>
           </a:extLst>
         </p:spPr>
@@ -3319,7 +3317,7 @@
           </a:ln>
           <a:extLst>
             <a:ext uri="{FAA26D3D-D897-4be2-8F04-BA451C77F1D7}">
-              <ma14:placeholderFlag xmlns:ma14="http://schemas.microsoft.com/office/mac/drawingml/2011/main" xmlns="" val="1"/>
+              <ma14:placeholderFlag xmlns="" xmlns:ma14="http://schemas.microsoft.com/office/mac/drawingml/2011/main" val="1"/>
             </a:ext>
           </a:extLst>
         </p:spPr>
@@ -3413,7 +3411,7 @@
           </a:ln>
           <a:extLst>
             <a:ext uri="{FAA26D3D-D897-4be2-8F04-BA451C77F1D7}">
-              <ma14:placeholderFlag xmlns:ma14="http://schemas.microsoft.com/office/mac/drawingml/2011/main" xmlns="" val="1"/>
+              <ma14:placeholderFlag xmlns="" xmlns:ma14="http://schemas.microsoft.com/office/mac/drawingml/2011/main" val="1"/>
             </a:ext>
           </a:extLst>
         </p:spPr>
@@ -3449,7 +3447,7 @@
           </a:ln>
           <a:extLst>
             <a:ext uri="{FAA26D3D-D897-4be2-8F04-BA451C77F1D7}">
-              <ma14:placeholderFlag xmlns:ma14="http://schemas.microsoft.com/office/mac/drawingml/2011/main" xmlns="" val="1"/>
+              <ma14:placeholderFlag xmlns="" xmlns:ma14="http://schemas.microsoft.com/office/mac/drawingml/2011/main" val="1"/>
             </a:ext>
           </a:extLst>
         </p:spPr>
@@ -3526,7 +3524,7 @@
           <a:ln/>
           <a:extLst>
             <a:ext uri="{FAA26D3D-D897-4be2-8F04-BA451C77F1D7}">
-              <ma14:placeholderFlag xmlns:ma14="http://schemas.microsoft.com/office/mac/drawingml/2011/main" xmlns="" val="1"/>
+              <ma14:placeholderFlag xmlns="" xmlns:ma14="http://schemas.microsoft.com/office/mac/drawingml/2011/main" val="1"/>
             </a:ext>
           </a:extLst>
         </p:spPr>
@@ -3632,7 +3630,7 @@
           </a:ln>
           <a:extLst>
             <a:ext uri="{FAA26D3D-D897-4be2-8F04-BA451C77F1D7}">
-              <ma14:placeholderFlag xmlns:ma14="http://schemas.microsoft.com/office/mac/drawingml/2011/main" xmlns="" val="1"/>
+              <ma14:placeholderFlag xmlns="" xmlns:ma14="http://schemas.microsoft.com/office/mac/drawingml/2011/main" val="1"/>
             </a:ext>
           </a:extLst>
         </p:spPr>
@@ -3668,7 +3666,7 @@
           </a:ln>
           <a:extLst>
             <a:ext uri="{FAA26D3D-D897-4be2-8F04-BA451C77F1D7}">
-              <ma14:placeholderFlag xmlns:ma14="http://schemas.microsoft.com/office/mac/drawingml/2011/main" xmlns="" val="1"/>
+              <ma14:placeholderFlag xmlns="" xmlns:ma14="http://schemas.microsoft.com/office/mac/drawingml/2011/main" val="1"/>
             </a:ext>
           </a:extLst>
         </p:spPr>
@@ -3762,7 +3760,7 @@
           </a:ln>
           <a:extLst>
             <a:ext uri="{FAA26D3D-D897-4be2-8F04-BA451C77F1D7}">
-              <ma14:placeholderFlag xmlns:ma14="http://schemas.microsoft.com/office/mac/drawingml/2011/main" xmlns="" val="1"/>
+              <ma14:placeholderFlag xmlns="" xmlns:ma14="http://schemas.microsoft.com/office/mac/drawingml/2011/main" val="1"/>
             </a:ext>
           </a:extLst>
         </p:spPr>
@@ -3798,7 +3796,7 @@
           </a:ln>
           <a:extLst>
             <a:ext uri="{FAA26D3D-D897-4be2-8F04-BA451C77F1D7}">
-              <ma14:placeholderFlag xmlns:ma14="http://schemas.microsoft.com/office/mac/drawingml/2011/main" xmlns="" val="1"/>
+              <ma14:placeholderFlag xmlns="" xmlns:ma14="http://schemas.microsoft.com/office/mac/drawingml/2011/main" val="1"/>
             </a:ext>
           </a:extLst>
         </p:spPr>
@@ -3892,7 +3890,7 @@
           </a:ln>
           <a:extLst>
             <a:ext uri="{FAA26D3D-D897-4be2-8F04-BA451C77F1D7}">
-              <ma14:placeholderFlag xmlns:ma14="http://schemas.microsoft.com/office/mac/drawingml/2011/main" xmlns="" val="1"/>
+              <ma14:placeholderFlag xmlns="" xmlns:ma14="http://schemas.microsoft.com/office/mac/drawingml/2011/main" val="1"/>
             </a:ext>
           </a:extLst>
         </p:spPr>
@@ -3928,7 +3926,7 @@
           </a:ln>
           <a:extLst>
             <a:ext uri="{FAA26D3D-D897-4be2-8F04-BA451C77F1D7}">
-              <ma14:placeholderFlag xmlns:ma14="http://schemas.microsoft.com/office/mac/drawingml/2011/main" xmlns="" val="1"/>
+              <ma14:placeholderFlag xmlns="" xmlns:ma14="http://schemas.microsoft.com/office/mac/drawingml/2011/main" val="1"/>
             </a:ext>
           </a:extLst>
         </p:spPr>
@@ -4005,7 +4003,7 @@
           <a:ln/>
           <a:extLst>
             <a:ext uri="{FAA26D3D-D897-4be2-8F04-BA451C77F1D7}">
-              <ma14:placeholderFlag xmlns:ma14="http://schemas.microsoft.com/office/mac/drawingml/2011/main" xmlns="" val="1"/>
+              <ma14:placeholderFlag xmlns="" xmlns:ma14="http://schemas.microsoft.com/office/mac/drawingml/2011/main" val="1"/>
             </a:ext>
           </a:extLst>
         </p:spPr>
@@ -4013,184 +4011,6 @@
       <p:sp>
         <p:nvSpPr>
           <p:cNvPr id="16387" name="Rectangle 3"/>
-          <p:cNvSpPr>
-            <a:spLocks noGrp="1" noChangeArrowheads="1"/>
-          </p:cNvSpPr>
-          <p:nvPr>
-            <p:ph type="body" idx="1"/>
-          </p:nvPr>
-        </p:nvSpPr>
-        <p:spPr/>
-        <p:txBody>
-          <a:bodyPr/>
-          <a:lstStyle/>
-          <a:p>
-            <a:endParaRPr lang="en-US"/>
-          </a:p>
-        </p:txBody>
-      </p:sp>
-    </p:spTree>
-  </p:cSld>
-  <p:clrMapOvr>
-    <a:masterClrMapping/>
-  </p:clrMapOvr>
-</p:notes>
-</file>
-
-<file path=ppt/notesSlides/notesSlide34.xml><?xml version="1.0" encoding="utf-8"?>
-<p:notes xmlns:a="http://schemas.openxmlformats.org/drawingml/2006/main" xmlns:r="http://schemas.openxmlformats.org/officeDocument/2006/relationships" xmlns:p="http://schemas.openxmlformats.org/presentationml/2006/main">
-  <p:cSld>
-    <p:spTree>
-      <p:nvGrpSpPr>
-        <p:cNvPr id="1" name=""/>
-        <p:cNvGrpSpPr/>
-        <p:nvPr/>
-      </p:nvGrpSpPr>
-      <p:grpSpPr>
-        <a:xfrm>
-          <a:off x="0" y="0"/>
-          <a:ext cx="0" cy="0"/>
-          <a:chOff x="0" y="0"/>
-          <a:chExt cx="0" cy="0"/>
-        </a:xfrm>
-      </p:grpSpPr>
-      <p:sp>
-        <p:nvSpPr>
-          <p:cNvPr id="7" name="Rectangle 7"/>
-          <p:cNvSpPr>
-            <a:spLocks noGrp="1" noChangeArrowheads="1"/>
-          </p:cNvSpPr>
-          <p:nvPr>
-            <p:ph type="sldNum" sz="quarter" idx="5"/>
-          </p:nvPr>
-        </p:nvSpPr>
-        <p:spPr>
-          <a:ln/>
-        </p:spPr>
-        <p:txBody>
-          <a:bodyPr/>
-          <a:lstStyle/>
-          <a:p>
-            <a:fld id="{E34D9020-DED1-7849-9B77-9DEC0F805D14}" type="slidenum">
-              <a:rPr lang="en-US"/>
-              <a:pPr/>
-              <a:t>34</a:t>
-            </a:fld>
-            <a:endParaRPr lang="en-US"/>
-          </a:p>
-        </p:txBody>
-      </p:sp>
-      <p:sp>
-        <p:nvSpPr>
-          <p:cNvPr id="52226" name="Rectangle 2"/>
-          <p:cNvSpPr>
-            <a:spLocks noGrp="1" noRot="1" noChangeAspect="1" noChangeArrowheads="1" noTextEdit="1"/>
-          </p:cNvSpPr>
-          <p:nvPr>
-            <p:ph type="sldImg"/>
-          </p:nvPr>
-        </p:nvSpPr>
-        <p:spPr>
-          <a:ln/>
-          <a:extLst>
-            <a:ext uri="{FAA26D3D-D897-4be2-8F04-BA451C77F1D7}">
-              <ma14:placeholderFlag xmlns:ma14="http://schemas.microsoft.com/office/mac/drawingml/2011/main" xmlns="" val="1"/>
-            </a:ext>
-          </a:extLst>
-        </p:spPr>
-      </p:sp>
-      <p:sp>
-        <p:nvSpPr>
-          <p:cNvPr id="52227" name="Rectangle 3"/>
-          <p:cNvSpPr>
-            <a:spLocks noGrp="1" noChangeArrowheads="1"/>
-          </p:cNvSpPr>
-          <p:nvPr>
-            <p:ph type="body" idx="1"/>
-          </p:nvPr>
-        </p:nvSpPr>
-        <p:spPr/>
-        <p:txBody>
-          <a:bodyPr/>
-          <a:lstStyle/>
-          <a:p>
-            <a:endParaRPr lang="en-US"/>
-          </a:p>
-        </p:txBody>
-      </p:sp>
-    </p:spTree>
-  </p:cSld>
-  <p:clrMapOvr>
-    <a:masterClrMapping/>
-  </p:clrMapOvr>
-</p:notes>
-</file>
-
-<file path=ppt/notesSlides/notesSlide35.xml><?xml version="1.0" encoding="utf-8"?>
-<p:notes xmlns:a="http://schemas.openxmlformats.org/drawingml/2006/main" xmlns:r="http://schemas.openxmlformats.org/officeDocument/2006/relationships" xmlns:p="http://schemas.openxmlformats.org/presentationml/2006/main">
-  <p:cSld>
-    <p:spTree>
-      <p:nvGrpSpPr>
-        <p:cNvPr id="1" name=""/>
-        <p:cNvGrpSpPr/>
-        <p:nvPr/>
-      </p:nvGrpSpPr>
-      <p:grpSpPr>
-        <a:xfrm>
-          <a:off x="0" y="0"/>
-          <a:ext cx="0" cy="0"/>
-          <a:chOff x="0" y="0"/>
-          <a:chExt cx="0" cy="0"/>
-        </a:xfrm>
-      </p:grpSpPr>
-      <p:sp>
-        <p:nvSpPr>
-          <p:cNvPr id="7" name="Rectangle 7"/>
-          <p:cNvSpPr>
-            <a:spLocks noGrp="1" noChangeArrowheads="1"/>
-          </p:cNvSpPr>
-          <p:nvPr>
-            <p:ph type="sldNum" sz="quarter" idx="5"/>
-          </p:nvPr>
-        </p:nvSpPr>
-        <p:spPr>
-          <a:ln/>
-        </p:spPr>
-        <p:txBody>
-          <a:bodyPr/>
-          <a:lstStyle/>
-          <a:p>
-            <a:fld id="{540D22DA-6392-8B4A-91BB-ACB239B1D284}" type="slidenum">
-              <a:rPr lang="en-US"/>
-              <a:pPr/>
-              <a:t>35</a:t>
-            </a:fld>
-            <a:endParaRPr lang="en-US"/>
-          </a:p>
-        </p:txBody>
-      </p:sp>
-      <p:sp>
-        <p:nvSpPr>
-          <p:cNvPr id="53250" name="Rectangle 2"/>
-          <p:cNvSpPr>
-            <a:spLocks noGrp="1" noRot="1" noChangeAspect="1" noChangeArrowheads="1" noTextEdit="1"/>
-          </p:cNvSpPr>
-          <p:nvPr>
-            <p:ph type="sldImg"/>
-          </p:nvPr>
-        </p:nvSpPr>
-        <p:spPr>
-          <a:ln/>
-          <a:extLst>
-            <a:ext uri="{FAA26D3D-D897-4be2-8F04-BA451C77F1D7}">
-              <ma14:placeholderFlag xmlns:ma14="http://schemas.microsoft.com/office/mac/drawingml/2011/main" xmlns="" val="1"/>
-            </a:ext>
-          </a:extLst>
-        </p:spPr>
-      </p:sp>
-      <p:sp>
-        <p:nvSpPr>
-          <p:cNvPr id="53251" name="Rectangle 3"/>
           <p:cNvSpPr>
             <a:spLocks noGrp="1" noChangeArrowheads="1"/>
           </p:cNvSpPr>
@@ -4289,7 +4109,7 @@
           </a:ln>
           <a:extLst>
             <a:ext uri="{FAA26D3D-D897-4be2-8F04-BA451C77F1D7}">
-              <ma14:placeholderFlag xmlns:ma14="http://schemas.microsoft.com/office/mac/drawingml/2011/main" xmlns="" val="1"/>
+              <ma14:placeholderFlag xmlns="" xmlns:ma14="http://schemas.microsoft.com/office/mac/drawingml/2011/main" val="1"/>
             </a:ext>
           </a:extLst>
         </p:spPr>
@@ -4325,7 +4145,7 @@
           </a:ln>
           <a:extLst>
             <a:ext uri="{FAA26D3D-D897-4be2-8F04-BA451C77F1D7}">
-              <ma14:placeholderFlag xmlns:ma14="http://schemas.microsoft.com/office/mac/drawingml/2011/main" xmlns="" val="1"/>
+              <ma14:placeholderFlag xmlns="" xmlns:ma14="http://schemas.microsoft.com/office/mac/drawingml/2011/main" val="1"/>
             </a:ext>
           </a:extLst>
         </p:spPr>
@@ -4419,7 +4239,7 @@
           </a:ln>
           <a:extLst>
             <a:ext uri="{FAA26D3D-D897-4be2-8F04-BA451C77F1D7}">
-              <ma14:placeholderFlag xmlns:ma14="http://schemas.microsoft.com/office/mac/drawingml/2011/main" xmlns="" val="1"/>
+              <ma14:placeholderFlag xmlns="" xmlns:ma14="http://schemas.microsoft.com/office/mac/drawingml/2011/main" val="1"/>
             </a:ext>
           </a:extLst>
         </p:spPr>
@@ -4455,7 +4275,7 @@
           </a:ln>
           <a:extLst>
             <a:ext uri="{FAA26D3D-D897-4be2-8F04-BA451C77F1D7}">
-              <ma14:placeholderFlag xmlns:ma14="http://schemas.microsoft.com/office/mac/drawingml/2011/main" xmlns="" val="1"/>
+              <ma14:placeholderFlag xmlns="" xmlns:ma14="http://schemas.microsoft.com/office/mac/drawingml/2011/main" val="1"/>
             </a:ext>
           </a:extLst>
         </p:spPr>
@@ -4549,7 +4369,7 @@
           </a:ln>
           <a:extLst>
             <a:ext uri="{FAA26D3D-D897-4be2-8F04-BA451C77F1D7}">
-              <ma14:placeholderFlag xmlns:ma14="http://schemas.microsoft.com/office/mac/drawingml/2011/main" xmlns="" val="1"/>
+              <ma14:placeholderFlag xmlns="" xmlns:ma14="http://schemas.microsoft.com/office/mac/drawingml/2011/main" val="1"/>
             </a:ext>
           </a:extLst>
         </p:spPr>
@@ -4585,7 +4405,7 @@
           </a:ln>
           <a:extLst>
             <a:ext uri="{FAA26D3D-D897-4be2-8F04-BA451C77F1D7}">
-              <ma14:placeholderFlag xmlns:ma14="http://schemas.microsoft.com/office/mac/drawingml/2011/main" xmlns="" val="1"/>
+              <ma14:placeholderFlag xmlns="" xmlns:ma14="http://schemas.microsoft.com/office/mac/drawingml/2011/main" val="1"/>
             </a:ext>
           </a:extLst>
         </p:spPr>
@@ -4679,7 +4499,7 @@
           </a:ln>
           <a:extLst>
             <a:ext uri="{FAA26D3D-D897-4be2-8F04-BA451C77F1D7}">
-              <ma14:placeholderFlag xmlns="" xmlns:ma14="http://schemas.microsoft.com/office/mac/drawingml/2011/main" val="1"/>
+              <ma14:placeholderFlag xmlns:ma14="http://schemas.microsoft.com/office/mac/drawingml/2011/main" xmlns="" val="1"/>
             </a:ext>
           </a:extLst>
         </p:spPr>
@@ -4715,7 +4535,7 @@
           </a:ln>
           <a:extLst>
             <a:ext uri="{FAA26D3D-D897-4be2-8F04-BA451C77F1D7}">
-              <ma14:placeholderFlag xmlns="" xmlns:ma14="http://schemas.microsoft.com/office/mac/drawingml/2011/main" val="1"/>
+              <ma14:placeholderFlag xmlns:ma14="http://schemas.microsoft.com/office/mac/drawingml/2011/main" xmlns="" val="1"/>
             </a:ext>
           </a:extLst>
         </p:spPr>
@@ -4797,7 +4617,7 @@
           <a:ln/>
           <a:extLst>
             <a:ext uri="{FAA26D3D-D897-4be2-8F04-BA451C77F1D7}">
-              <ma14:placeholderFlag xmlns:ma14="http://schemas.microsoft.com/office/mac/drawingml/2011/main" xmlns="" val="1"/>
+              <ma14:placeholderFlag xmlns="" xmlns:ma14="http://schemas.microsoft.com/office/mac/drawingml/2011/main" val="1"/>
             </a:ext>
           </a:extLst>
         </p:spPr>
@@ -4886,7 +4706,7 @@
           <a:ln/>
           <a:extLst>
             <a:ext uri="{FAA26D3D-D897-4be2-8F04-BA451C77F1D7}">
-              <ma14:placeholderFlag xmlns:ma14="http://schemas.microsoft.com/office/mac/drawingml/2011/main" xmlns="" val="1"/>
+              <ma14:placeholderFlag xmlns="" xmlns:ma14="http://schemas.microsoft.com/office/mac/drawingml/2011/main" val="1"/>
             </a:ext>
           </a:extLst>
         </p:spPr>
@@ -4963,12 +4783,12 @@
           <a:effectLst/>
           <a:extLst>
             <a:ext uri="{909E8E84-426E-40dd-AFC4-6F175D3DCCD1}">
-              <a14:hiddenFill xmlns:a14="http://schemas.microsoft.com/office/drawing/2010/main" xmlns="">
+              <a14:hiddenFill xmlns="" xmlns:a14="http://schemas.microsoft.com/office/drawing/2010/main">
                 <a:noFill/>
               </a14:hiddenFill>
             </a:ext>
             <a:ext uri="{AF507438-7753-43e0-B8FC-AC1667EBCBE1}">
-              <a14:hiddenEffects xmlns:a14="http://schemas.microsoft.com/office/drawing/2010/main" xmlns="">
+              <a14:hiddenEffects xmlns="" xmlns:a14="http://schemas.microsoft.com/office/drawing/2010/main">
                 <a:effectLst>
                   <a:outerShdw blurRad="63500" dist="38099" dir="2700000" algn="ctr" rotWithShape="0">
                     <a:schemeClr val="bg2">
@@ -5169,7 +4989,7 @@
             <a:effectLst/>
             <a:extLst>
               <a:ext uri="{91240B29-F687-4f45-9708-019B960494DF}">
-                <a14:hiddenLine xmlns:a14="http://schemas.microsoft.com/office/drawing/2010/main" xmlns="" w="9525">
+                <a14:hiddenLine xmlns="" xmlns:a14="http://schemas.microsoft.com/office/drawing/2010/main" w="9525">
                   <a:solidFill>
                     <a:schemeClr val="tx1"/>
                   </a:solidFill>
@@ -5179,7 +4999,7 @@
                 </a14:hiddenLine>
               </a:ext>
               <a:ext uri="{AF507438-7753-43e0-B8FC-AC1667EBCBE1}">
-                <a14:hiddenEffects xmlns:a14="http://schemas.microsoft.com/office/drawing/2010/main" xmlns="">
+                <a14:hiddenEffects xmlns="" xmlns:a14="http://schemas.microsoft.com/office/drawing/2010/main">
                   <a:effectLst>
                     <a:outerShdw blurRad="63500" dist="38099" dir="2700000" algn="ctr" rotWithShape="0">
                       <a:schemeClr val="bg2">
@@ -5224,7 +5044,7 @@
             <a:effectLst/>
             <a:extLst>
               <a:ext uri="{91240B29-F687-4f45-9708-019B960494DF}">
-                <a14:hiddenLine xmlns:a14="http://schemas.microsoft.com/office/drawing/2010/main" xmlns="" w="9525">
+                <a14:hiddenLine xmlns="" xmlns:a14="http://schemas.microsoft.com/office/drawing/2010/main" w="9525">
                   <a:solidFill>
                     <a:schemeClr val="tx1"/>
                   </a:solidFill>
@@ -5234,7 +5054,7 @@
                 </a14:hiddenLine>
               </a:ext>
               <a:ext uri="{AF507438-7753-43e0-B8FC-AC1667EBCBE1}">
-                <a14:hiddenEffects xmlns:a14="http://schemas.microsoft.com/office/drawing/2010/main" xmlns="">
+                <a14:hiddenEffects xmlns="" xmlns:a14="http://schemas.microsoft.com/office/drawing/2010/main">
                   <a:effectLst>
                     <a:outerShdw blurRad="63500" dist="38099" dir="2700000" algn="ctr" rotWithShape="0">
                       <a:schemeClr val="bg2">
@@ -5279,7 +5099,7 @@
             <a:effectLst/>
             <a:extLst>
               <a:ext uri="{91240B29-F687-4f45-9708-019B960494DF}">
-                <a14:hiddenLine xmlns:a14="http://schemas.microsoft.com/office/drawing/2010/main" xmlns="" w="9525">
+                <a14:hiddenLine xmlns="" xmlns:a14="http://schemas.microsoft.com/office/drawing/2010/main" w="9525">
                   <a:solidFill>
                     <a:schemeClr val="tx1"/>
                   </a:solidFill>
@@ -5289,7 +5109,7 @@
                 </a14:hiddenLine>
               </a:ext>
               <a:ext uri="{AF507438-7753-43e0-B8FC-AC1667EBCBE1}">
-                <a14:hiddenEffects xmlns:a14="http://schemas.microsoft.com/office/drawing/2010/main" xmlns="">
+                <a14:hiddenEffects xmlns="" xmlns:a14="http://schemas.microsoft.com/office/drawing/2010/main">
                   <a:effectLst>
                     <a:outerShdw blurRad="63500" dist="38099" dir="2700000" algn="ctr" rotWithShape="0">
                       <a:schemeClr val="bg2">
@@ -5334,7 +5154,7 @@
             <a:effectLst/>
             <a:extLst>
               <a:ext uri="{91240B29-F687-4f45-9708-019B960494DF}">
-                <a14:hiddenLine xmlns:a14="http://schemas.microsoft.com/office/drawing/2010/main" xmlns="" w="9525">
+                <a14:hiddenLine xmlns="" xmlns:a14="http://schemas.microsoft.com/office/drawing/2010/main" w="9525">
                   <a:solidFill>
                     <a:schemeClr val="tx1"/>
                   </a:solidFill>
@@ -5344,7 +5164,7 @@
                 </a14:hiddenLine>
               </a:ext>
               <a:ext uri="{AF507438-7753-43e0-B8FC-AC1667EBCBE1}">
-                <a14:hiddenEffects xmlns:a14="http://schemas.microsoft.com/office/drawing/2010/main" xmlns="">
+                <a14:hiddenEffects xmlns="" xmlns:a14="http://schemas.microsoft.com/office/drawing/2010/main">
                   <a:effectLst>
                     <a:outerShdw blurRad="63500" dist="38099" dir="2700000" algn="ctr" rotWithShape="0">
                       <a:schemeClr val="bg2">
@@ -5389,7 +5209,7 @@
             <a:effectLst/>
             <a:extLst>
               <a:ext uri="{91240B29-F687-4f45-9708-019B960494DF}">
-                <a14:hiddenLine xmlns:a14="http://schemas.microsoft.com/office/drawing/2010/main" xmlns="" w="9525">
+                <a14:hiddenLine xmlns="" xmlns:a14="http://schemas.microsoft.com/office/drawing/2010/main" w="9525">
                   <a:solidFill>
                     <a:schemeClr val="tx1"/>
                   </a:solidFill>
@@ -5399,7 +5219,7 @@
                 </a14:hiddenLine>
               </a:ext>
               <a:ext uri="{AF507438-7753-43e0-B8FC-AC1667EBCBE1}">
-                <a14:hiddenEffects xmlns:a14="http://schemas.microsoft.com/office/drawing/2010/main" xmlns="">
+                <a14:hiddenEffects xmlns="" xmlns:a14="http://schemas.microsoft.com/office/drawing/2010/main">
                   <a:effectLst>
                     <a:outerShdw blurRad="63500" dist="38099" dir="2700000" algn="ctr" rotWithShape="0">
                       <a:schemeClr val="bg2">
@@ -5444,7 +5264,7 @@
             <a:effectLst/>
             <a:extLst>
               <a:ext uri="{91240B29-F687-4f45-9708-019B960494DF}">
-                <a14:hiddenLine xmlns:a14="http://schemas.microsoft.com/office/drawing/2010/main" xmlns="" w="9525">
+                <a14:hiddenLine xmlns="" xmlns:a14="http://schemas.microsoft.com/office/drawing/2010/main" w="9525">
                   <a:solidFill>
                     <a:schemeClr val="tx1"/>
                   </a:solidFill>
@@ -5454,7 +5274,7 @@
                 </a14:hiddenLine>
               </a:ext>
               <a:ext uri="{AF507438-7753-43e0-B8FC-AC1667EBCBE1}">
-                <a14:hiddenEffects xmlns:a14="http://schemas.microsoft.com/office/drawing/2010/main" xmlns="">
+                <a14:hiddenEffects xmlns="" xmlns:a14="http://schemas.microsoft.com/office/drawing/2010/main">
                   <a:effectLst>
                     <a:outerShdw blurRad="63500" dist="38099" dir="2700000" algn="ctr" rotWithShape="0">
                       <a:schemeClr val="bg2">
@@ -5499,7 +5319,7 @@
             <a:effectLst/>
             <a:extLst>
               <a:ext uri="{91240B29-F687-4f45-9708-019B960494DF}">
-                <a14:hiddenLine xmlns:a14="http://schemas.microsoft.com/office/drawing/2010/main" xmlns="" w="9525">
+                <a14:hiddenLine xmlns="" xmlns:a14="http://schemas.microsoft.com/office/drawing/2010/main" w="9525">
                   <a:solidFill>
                     <a:schemeClr val="tx1"/>
                   </a:solidFill>
@@ -5509,7 +5329,7 @@
                 </a14:hiddenLine>
               </a:ext>
               <a:ext uri="{AF507438-7753-43e0-B8FC-AC1667EBCBE1}">
-                <a14:hiddenEffects xmlns:a14="http://schemas.microsoft.com/office/drawing/2010/main" xmlns="">
+                <a14:hiddenEffects xmlns="" xmlns:a14="http://schemas.microsoft.com/office/drawing/2010/main">
                   <a:effectLst>
                     <a:outerShdw blurRad="63500" dist="38099" dir="2700000" algn="ctr" rotWithShape="0">
                       <a:schemeClr val="bg2">
@@ -5554,7 +5374,7 @@
             <a:effectLst/>
             <a:extLst>
               <a:ext uri="{91240B29-F687-4f45-9708-019B960494DF}">
-                <a14:hiddenLine xmlns:a14="http://schemas.microsoft.com/office/drawing/2010/main" xmlns="" w="9525">
+                <a14:hiddenLine xmlns="" xmlns:a14="http://schemas.microsoft.com/office/drawing/2010/main" w="9525">
                   <a:solidFill>
                     <a:schemeClr val="tx1"/>
                   </a:solidFill>
@@ -5564,7 +5384,7 @@
                 </a14:hiddenLine>
               </a:ext>
               <a:ext uri="{AF507438-7753-43e0-B8FC-AC1667EBCBE1}">
-                <a14:hiddenEffects xmlns:a14="http://schemas.microsoft.com/office/drawing/2010/main" xmlns="">
+                <a14:hiddenEffects xmlns="" xmlns:a14="http://schemas.microsoft.com/office/drawing/2010/main">
                   <a:effectLst>
                     <a:outerShdw blurRad="63500" dist="38099" dir="2700000" algn="ctr" rotWithShape="0">
                       <a:schemeClr val="bg2">
@@ -5609,7 +5429,7 @@
             <a:effectLst/>
             <a:extLst>
               <a:ext uri="{91240B29-F687-4f45-9708-019B960494DF}">
-                <a14:hiddenLine xmlns:a14="http://schemas.microsoft.com/office/drawing/2010/main" xmlns="" w="9525">
+                <a14:hiddenLine xmlns="" xmlns:a14="http://schemas.microsoft.com/office/drawing/2010/main" w="9525">
                   <a:solidFill>
                     <a:schemeClr val="tx1"/>
                   </a:solidFill>
@@ -5619,7 +5439,7 @@
                 </a14:hiddenLine>
               </a:ext>
               <a:ext uri="{AF507438-7753-43e0-B8FC-AC1667EBCBE1}">
-                <a14:hiddenEffects xmlns:a14="http://schemas.microsoft.com/office/drawing/2010/main" xmlns="">
+                <a14:hiddenEffects xmlns="" xmlns:a14="http://schemas.microsoft.com/office/drawing/2010/main">
                   <a:effectLst>
                     <a:outerShdw blurRad="63500" dist="38099" dir="2700000" algn="ctr" rotWithShape="0">
                       <a:schemeClr val="bg2">
@@ -5664,7 +5484,7 @@
             <a:effectLst/>
             <a:extLst>
               <a:ext uri="{91240B29-F687-4f45-9708-019B960494DF}">
-                <a14:hiddenLine xmlns:a14="http://schemas.microsoft.com/office/drawing/2010/main" xmlns="" w="9525">
+                <a14:hiddenLine xmlns="" xmlns:a14="http://schemas.microsoft.com/office/drawing/2010/main" w="9525">
                   <a:solidFill>
                     <a:schemeClr val="tx1"/>
                   </a:solidFill>
@@ -5674,7 +5494,7 @@
                 </a14:hiddenLine>
               </a:ext>
               <a:ext uri="{AF507438-7753-43e0-B8FC-AC1667EBCBE1}">
-                <a14:hiddenEffects xmlns:a14="http://schemas.microsoft.com/office/drawing/2010/main" xmlns="">
+                <a14:hiddenEffects xmlns="" xmlns:a14="http://schemas.microsoft.com/office/drawing/2010/main">
                   <a:effectLst>
                     <a:outerShdw blurRad="63500" dist="38099" dir="2700000" algn="ctr" rotWithShape="0">
                       <a:schemeClr val="bg2">
@@ -5719,7 +5539,7 @@
             <a:effectLst/>
             <a:extLst>
               <a:ext uri="{91240B29-F687-4f45-9708-019B960494DF}">
-                <a14:hiddenLine xmlns:a14="http://schemas.microsoft.com/office/drawing/2010/main" xmlns="" w="9525">
+                <a14:hiddenLine xmlns="" xmlns:a14="http://schemas.microsoft.com/office/drawing/2010/main" w="9525">
                   <a:solidFill>
                     <a:schemeClr val="tx1"/>
                   </a:solidFill>
@@ -5729,7 +5549,7 @@
                 </a14:hiddenLine>
               </a:ext>
               <a:ext uri="{AF507438-7753-43e0-B8FC-AC1667EBCBE1}">
-                <a14:hiddenEffects xmlns:a14="http://schemas.microsoft.com/office/drawing/2010/main" xmlns="">
+                <a14:hiddenEffects xmlns="" xmlns:a14="http://schemas.microsoft.com/office/drawing/2010/main">
                   <a:effectLst>
                     <a:outerShdw blurRad="63500" dist="38099" dir="2700000" algn="ctr" rotWithShape="0">
                       <a:schemeClr val="bg2">
@@ -5774,7 +5594,7 @@
             <a:effectLst/>
             <a:extLst>
               <a:ext uri="{91240B29-F687-4f45-9708-019B960494DF}">
-                <a14:hiddenLine xmlns:a14="http://schemas.microsoft.com/office/drawing/2010/main" xmlns="" w="9525">
+                <a14:hiddenLine xmlns="" xmlns:a14="http://schemas.microsoft.com/office/drawing/2010/main" w="9525">
                   <a:solidFill>
                     <a:schemeClr val="tx1"/>
                   </a:solidFill>
@@ -5784,7 +5604,7 @@
                 </a14:hiddenLine>
               </a:ext>
               <a:ext uri="{AF507438-7753-43e0-B8FC-AC1667EBCBE1}">
-                <a14:hiddenEffects xmlns:a14="http://schemas.microsoft.com/office/drawing/2010/main" xmlns="">
+                <a14:hiddenEffects xmlns="" xmlns:a14="http://schemas.microsoft.com/office/drawing/2010/main">
                   <a:effectLst>
                     <a:outerShdw blurRad="63500" dist="38099" dir="2700000" algn="ctr" rotWithShape="0">
                       <a:schemeClr val="bg2">
@@ -5829,7 +5649,7 @@
             <a:effectLst/>
             <a:extLst>
               <a:ext uri="{91240B29-F687-4f45-9708-019B960494DF}">
-                <a14:hiddenLine xmlns:a14="http://schemas.microsoft.com/office/drawing/2010/main" xmlns="" w="9525">
+                <a14:hiddenLine xmlns="" xmlns:a14="http://schemas.microsoft.com/office/drawing/2010/main" w="9525">
                   <a:solidFill>
                     <a:schemeClr val="tx1"/>
                   </a:solidFill>
@@ -5839,7 +5659,7 @@
                 </a14:hiddenLine>
               </a:ext>
               <a:ext uri="{AF507438-7753-43e0-B8FC-AC1667EBCBE1}">
-                <a14:hiddenEffects xmlns:a14="http://schemas.microsoft.com/office/drawing/2010/main" xmlns="">
+                <a14:hiddenEffects xmlns="" xmlns:a14="http://schemas.microsoft.com/office/drawing/2010/main">
                   <a:effectLst>
                     <a:outerShdw blurRad="63500" dist="38099" dir="2700000" algn="ctr" rotWithShape="0">
                       <a:schemeClr val="bg2">
@@ -5884,7 +5704,7 @@
             <a:effectLst/>
             <a:extLst>
               <a:ext uri="{91240B29-F687-4f45-9708-019B960494DF}">
-                <a14:hiddenLine xmlns:a14="http://schemas.microsoft.com/office/drawing/2010/main" xmlns="" w="9525">
+                <a14:hiddenLine xmlns="" xmlns:a14="http://schemas.microsoft.com/office/drawing/2010/main" w="9525">
                   <a:solidFill>
                     <a:schemeClr val="tx1"/>
                   </a:solidFill>
@@ -5894,7 +5714,7 @@
                 </a14:hiddenLine>
               </a:ext>
               <a:ext uri="{AF507438-7753-43e0-B8FC-AC1667EBCBE1}">
-                <a14:hiddenEffects xmlns:a14="http://schemas.microsoft.com/office/drawing/2010/main" xmlns="">
+                <a14:hiddenEffects xmlns="" xmlns:a14="http://schemas.microsoft.com/office/drawing/2010/main">
                   <a:effectLst>
                     <a:outerShdw blurRad="63500" dist="38099" dir="2700000" algn="ctr" rotWithShape="0">
                       <a:schemeClr val="bg2">
@@ -5939,7 +5759,7 @@
             <a:effectLst/>
             <a:extLst>
               <a:ext uri="{91240B29-F687-4f45-9708-019B960494DF}">
-                <a14:hiddenLine xmlns:a14="http://schemas.microsoft.com/office/drawing/2010/main" xmlns="" w="9525">
+                <a14:hiddenLine xmlns="" xmlns:a14="http://schemas.microsoft.com/office/drawing/2010/main" w="9525">
                   <a:solidFill>
                     <a:schemeClr val="tx1"/>
                   </a:solidFill>
@@ -5949,7 +5769,7 @@
                 </a14:hiddenLine>
               </a:ext>
               <a:ext uri="{AF507438-7753-43e0-B8FC-AC1667EBCBE1}">
-                <a14:hiddenEffects xmlns:a14="http://schemas.microsoft.com/office/drawing/2010/main" xmlns="">
+                <a14:hiddenEffects xmlns="" xmlns:a14="http://schemas.microsoft.com/office/drawing/2010/main">
                   <a:effectLst>
                     <a:outerShdw blurRad="63500" dist="38099" dir="2700000" algn="ctr" rotWithShape="0">
                       <a:schemeClr val="bg2">
@@ -5994,7 +5814,7 @@
             <a:effectLst/>
             <a:extLst>
               <a:ext uri="{91240B29-F687-4f45-9708-019B960494DF}">
-                <a14:hiddenLine xmlns:a14="http://schemas.microsoft.com/office/drawing/2010/main" xmlns="" w="9525">
+                <a14:hiddenLine xmlns="" xmlns:a14="http://schemas.microsoft.com/office/drawing/2010/main" w="9525">
                   <a:solidFill>
                     <a:schemeClr val="tx1"/>
                   </a:solidFill>
@@ -6004,7 +5824,7 @@
                 </a14:hiddenLine>
               </a:ext>
               <a:ext uri="{AF507438-7753-43e0-B8FC-AC1667EBCBE1}">
-                <a14:hiddenEffects xmlns:a14="http://schemas.microsoft.com/office/drawing/2010/main" xmlns="">
+                <a14:hiddenEffects xmlns="" xmlns:a14="http://schemas.microsoft.com/office/drawing/2010/main">
                   <a:effectLst>
                     <a:outerShdw blurRad="63500" dist="38099" dir="2700000" algn="ctr" rotWithShape="0">
                       <a:schemeClr val="bg2">
@@ -6049,7 +5869,7 @@
             <a:effectLst/>
             <a:extLst>
               <a:ext uri="{91240B29-F687-4f45-9708-019B960494DF}">
-                <a14:hiddenLine xmlns:a14="http://schemas.microsoft.com/office/drawing/2010/main" xmlns="" w="9525">
+                <a14:hiddenLine xmlns="" xmlns:a14="http://schemas.microsoft.com/office/drawing/2010/main" w="9525">
                   <a:solidFill>
                     <a:schemeClr val="tx1"/>
                   </a:solidFill>
@@ -6059,7 +5879,7 @@
                 </a14:hiddenLine>
               </a:ext>
               <a:ext uri="{AF507438-7753-43e0-B8FC-AC1667EBCBE1}">
-                <a14:hiddenEffects xmlns:a14="http://schemas.microsoft.com/office/drawing/2010/main" xmlns="">
+                <a14:hiddenEffects xmlns="" xmlns:a14="http://schemas.microsoft.com/office/drawing/2010/main">
                   <a:effectLst>
                     <a:outerShdw blurRad="63500" dist="38099" dir="2700000" algn="ctr" rotWithShape="0">
                       <a:schemeClr val="bg2">
@@ -6104,7 +5924,7 @@
             <a:effectLst/>
             <a:extLst>
               <a:ext uri="{91240B29-F687-4f45-9708-019B960494DF}">
-                <a14:hiddenLine xmlns:a14="http://schemas.microsoft.com/office/drawing/2010/main" xmlns="" w="9525">
+                <a14:hiddenLine xmlns="" xmlns:a14="http://schemas.microsoft.com/office/drawing/2010/main" w="9525">
                   <a:solidFill>
                     <a:schemeClr val="tx1"/>
                   </a:solidFill>
@@ -6114,7 +5934,7 @@
                 </a14:hiddenLine>
               </a:ext>
               <a:ext uri="{AF507438-7753-43e0-B8FC-AC1667EBCBE1}">
-                <a14:hiddenEffects xmlns:a14="http://schemas.microsoft.com/office/drawing/2010/main" xmlns="">
+                <a14:hiddenEffects xmlns="" xmlns:a14="http://schemas.microsoft.com/office/drawing/2010/main">
                   <a:effectLst>
                     <a:outerShdw blurRad="63500" dist="38099" dir="2700000" algn="ctr" rotWithShape="0">
                       <a:schemeClr val="bg2">
@@ -6159,7 +5979,7 @@
             <a:effectLst/>
             <a:extLst>
               <a:ext uri="{91240B29-F687-4f45-9708-019B960494DF}">
-                <a14:hiddenLine xmlns:a14="http://schemas.microsoft.com/office/drawing/2010/main" xmlns="" w="9525">
+                <a14:hiddenLine xmlns="" xmlns:a14="http://schemas.microsoft.com/office/drawing/2010/main" w="9525">
                   <a:solidFill>
                     <a:schemeClr val="tx1"/>
                   </a:solidFill>
@@ -6169,7 +5989,7 @@
                 </a14:hiddenLine>
               </a:ext>
               <a:ext uri="{AF507438-7753-43e0-B8FC-AC1667EBCBE1}">
-                <a14:hiddenEffects xmlns:a14="http://schemas.microsoft.com/office/drawing/2010/main" xmlns="">
+                <a14:hiddenEffects xmlns="" xmlns:a14="http://schemas.microsoft.com/office/drawing/2010/main">
                   <a:effectLst>
                     <a:outerShdw blurRad="63500" dist="38099" dir="2700000" algn="ctr" rotWithShape="0">
                       <a:schemeClr val="bg2">
@@ -6214,7 +6034,7 @@
             <a:effectLst/>
             <a:extLst>
               <a:ext uri="{91240B29-F687-4f45-9708-019B960494DF}">
-                <a14:hiddenLine xmlns:a14="http://schemas.microsoft.com/office/drawing/2010/main" xmlns="" w="9525">
+                <a14:hiddenLine xmlns="" xmlns:a14="http://schemas.microsoft.com/office/drawing/2010/main" w="9525">
                   <a:solidFill>
                     <a:schemeClr val="tx1"/>
                   </a:solidFill>
@@ -6224,7 +6044,7 @@
                 </a14:hiddenLine>
               </a:ext>
               <a:ext uri="{AF507438-7753-43e0-B8FC-AC1667EBCBE1}">
-                <a14:hiddenEffects xmlns:a14="http://schemas.microsoft.com/office/drawing/2010/main" xmlns="">
+                <a14:hiddenEffects xmlns="" xmlns:a14="http://schemas.microsoft.com/office/drawing/2010/main">
                   <a:effectLst>
                     <a:outerShdw blurRad="63500" dist="38099" dir="2700000" algn="ctr" rotWithShape="0">
                       <a:schemeClr val="bg2">
@@ -6269,7 +6089,7 @@
             <a:effectLst/>
             <a:extLst>
               <a:ext uri="{91240B29-F687-4f45-9708-019B960494DF}">
-                <a14:hiddenLine xmlns:a14="http://schemas.microsoft.com/office/drawing/2010/main" xmlns="" w="9525">
+                <a14:hiddenLine xmlns="" xmlns:a14="http://schemas.microsoft.com/office/drawing/2010/main" w="9525">
                   <a:solidFill>
                     <a:schemeClr val="tx1"/>
                   </a:solidFill>
@@ -6279,7 +6099,7 @@
                 </a14:hiddenLine>
               </a:ext>
               <a:ext uri="{AF507438-7753-43e0-B8FC-AC1667EBCBE1}">
-                <a14:hiddenEffects xmlns:a14="http://schemas.microsoft.com/office/drawing/2010/main" xmlns="">
+                <a14:hiddenEffects xmlns="" xmlns:a14="http://schemas.microsoft.com/office/drawing/2010/main">
                   <a:effectLst>
                     <a:outerShdw blurRad="63500" dist="38099" dir="2700000" algn="ctr" rotWithShape="0">
                       <a:schemeClr val="bg2">
@@ -6324,7 +6144,7 @@
             <a:effectLst/>
             <a:extLst>
               <a:ext uri="{91240B29-F687-4f45-9708-019B960494DF}">
-                <a14:hiddenLine xmlns:a14="http://schemas.microsoft.com/office/drawing/2010/main" xmlns="" w="9525">
+                <a14:hiddenLine xmlns="" xmlns:a14="http://schemas.microsoft.com/office/drawing/2010/main" w="9525">
                   <a:solidFill>
                     <a:schemeClr val="tx1"/>
                   </a:solidFill>
@@ -6334,7 +6154,7 @@
                 </a14:hiddenLine>
               </a:ext>
               <a:ext uri="{AF507438-7753-43e0-B8FC-AC1667EBCBE1}">
-                <a14:hiddenEffects xmlns:a14="http://schemas.microsoft.com/office/drawing/2010/main" xmlns="">
+                <a14:hiddenEffects xmlns="" xmlns:a14="http://schemas.microsoft.com/office/drawing/2010/main">
                   <a:effectLst>
                     <a:outerShdw blurRad="63500" dist="38099" dir="2700000" algn="ctr" rotWithShape="0">
                       <a:schemeClr val="bg2">
@@ -6379,7 +6199,7 @@
             <a:effectLst/>
             <a:extLst>
               <a:ext uri="{91240B29-F687-4f45-9708-019B960494DF}">
-                <a14:hiddenLine xmlns:a14="http://schemas.microsoft.com/office/drawing/2010/main" xmlns="" w="9525">
+                <a14:hiddenLine xmlns="" xmlns:a14="http://schemas.microsoft.com/office/drawing/2010/main" w="9525">
                   <a:solidFill>
                     <a:schemeClr val="tx1"/>
                   </a:solidFill>
@@ -6389,7 +6209,7 @@
                 </a14:hiddenLine>
               </a:ext>
               <a:ext uri="{AF507438-7753-43e0-B8FC-AC1667EBCBE1}">
-                <a14:hiddenEffects xmlns:a14="http://schemas.microsoft.com/office/drawing/2010/main" xmlns="">
+                <a14:hiddenEffects xmlns="" xmlns:a14="http://schemas.microsoft.com/office/drawing/2010/main">
                   <a:effectLst>
                     <a:outerShdw blurRad="63500" dist="38099" dir="2700000" algn="ctr" rotWithShape="0">
                       <a:schemeClr val="bg2">
@@ -6434,7 +6254,7 @@
             <a:effectLst/>
             <a:extLst>
               <a:ext uri="{91240B29-F687-4f45-9708-019B960494DF}">
-                <a14:hiddenLine xmlns:a14="http://schemas.microsoft.com/office/drawing/2010/main" xmlns="" w="9525">
+                <a14:hiddenLine xmlns="" xmlns:a14="http://schemas.microsoft.com/office/drawing/2010/main" w="9525">
                   <a:solidFill>
                     <a:schemeClr val="tx1"/>
                   </a:solidFill>
@@ -6444,7 +6264,7 @@
                 </a14:hiddenLine>
               </a:ext>
               <a:ext uri="{AF507438-7753-43e0-B8FC-AC1667EBCBE1}">
-                <a14:hiddenEffects xmlns:a14="http://schemas.microsoft.com/office/drawing/2010/main" xmlns="">
+                <a14:hiddenEffects xmlns="" xmlns:a14="http://schemas.microsoft.com/office/drawing/2010/main">
                   <a:effectLst>
                     <a:outerShdw blurRad="63500" dist="38099" dir="2700000" algn="ctr" rotWithShape="0">
                       <a:schemeClr val="bg2">
@@ -6489,7 +6309,7 @@
             <a:effectLst/>
             <a:extLst>
               <a:ext uri="{91240B29-F687-4f45-9708-019B960494DF}">
-                <a14:hiddenLine xmlns:a14="http://schemas.microsoft.com/office/drawing/2010/main" xmlns="" w="9525">
+                <a14:hiddenLine xmlns="" xmlns:a14="http://schemas.microsoft.com/office/drawing/2010/main" w="9525">
                   <a:solidFill>
                     <a:schemeClr val="tx1"/>
                   </a:solidFill>
@@ -6499,7 +6319,7 @@
                 </a14:hiddenLine>
               </a:ext>
               <a:ext uri="{AF507438-7753-43e0-B8FC-AC1667EBCBE1}">
-                <a14:hiddenEffects xmlns:a14="http://schemas.microsoft.com/office/drawing/2010/main" xmlns="">
+                <a14:hiddenEffects xmlns="" xmlns:a14="http://schemas.microsoft.com/office/drawing/2010/main">
                   <a:effectLst>
                     <a:outerShdw blurRad="63500" dist="38099" dir="2700000" algn="ctr" rotWithShape="0">
                       <a:schemeClr val="bg2">
@@ -6544,7 +6364,7 @@
             <a:effectLst/>
             <a:extLst>
               <a:ext uri="{91240B29-F687-4f45-9708-019B960494DF}">
-                <a14:hiddenLine xmlns:a14="http://schemas.microsoft.com/office/drawing/2010/main" xmlns="" w="9525">
+                <a14:hiddenLine xmlns="" xmlns:a14="http://schemas.microsoft.com/office/drawing/2010/main" w="9525">
                   <a:solidFill>
                     <a:schemeClr val="tx1"/>
                   </a:solidFill>
@@ -6554,7 +6374,7 @@
                 </a14:hiddenLine>
               </a:ext>
               <a:ext uri="{AF507438-7753-43e0-B8FC-AC1667EBCBE1}">
-                <a14:hiddenEffects xmlns:a14="http://schemas.microsoft.com/office/drawing/2010/main" xmlns="">
+                <a14:hiddenEffects xmlns="" xmlns:a14="http://schemas.microsoft.com/office/drawing/2010/main">
                   <a:effectLst>
                     <a:outerShdw blurRad="63500" dist="38099" dir="2700000" algn="ctr" rotWithShape="0">
                       <a:schemeClr val="bg2">
@@ -6599,7 +6419,7 @@
             <a:effectLst/>
             <a:extLst>
               <a:ext uri="{91240B29-F687-4f45-9708-019B960494DF}">
-                <a14:hiddenLine xmlns:a14="http://schemas.microsoft.com/office/drawing/2010/main" xmlns="" w="9525">
+                <a14:hiddenLine xmlns="" xmlns:a14="http://schemas.microsoft.com/office/drawing/2010/main" w="9525">
                   <a:solidFill>
                     <a:schemeClr val="tx1"/>
                   </a:solidFill>
@@ -6609,7 +6429,7 @@
                 </a14:hiddenLine>
               </a:ext>
               <a:ext uri="{AF507438-7753-43e0-B8FC-AC1667EBCBE1}">
-                <a14:hiddenEffects xmlns:a14="http://schemas.microsoft.com/office/drawing/2010/main" xmlns="">
+                <a14:hiddenEffects xmlns="" xmlns:a14="http://schemas.microsoft.com/office/drawing/2010/main">
                   <a:effectLst>
                     <a:outerShdw blurRad="63500" dist="38099" dir="2700000" algn="ctr" rotWithShape="0">
                       <a:schemeClr val="bg2">
@@ -6654,7 +6474,7 @@
             <a:effectLst/>
             <a:extLst>
               <a:ext uri="{91240B29-F687-4f45-9708-019B960494DF}">
-                <a14:hiddenLine xmlns:a14="http://schemas.microsoft.com/office/drawing/2010/main" xmlns="" w="9525">
+                <a14:hiddenLine xmlns="" xmlns:a14="http://schemas.microsoft.com/office/drawing/2010/main" w="9525">
                   <a:solidFill>
                     <a:schemeClr val="tx1"/>
                   </a:solidFill>
@@ -6664,7 +6484,7 @@
                 </a14:hiddenLine>
               </a:ext>
               <a:ext uri="{AF507438-7753-43e0-B8FC-AC1667EBCBE1}">
-                <a14:hiddenEffects xmlns:a14="http://schemas.microsoft.com/office/drawing/2010/main" xmlns="">
+                <a14:hiddenEffects xmlns="" xmlns:a14="http://schemas.microsoft.com/office/drawing/2010/main">
                   <a:effectLst>
                     <a:outerShdw blurRad="63500" dist="38099" dir="2700000" algn="ctr" rotWithShape="0">
                       <a:schemeClr val="bg2">
@@ -6709,7 +6529,7 @@
             <a:effectLst/>
             <a:extLst>
               <a:ext uri="{91240B29-F687-4f45-9708-019B960494DF}">
-                <a14:hiddenLine xmlns:a14="http://schemas.microsoft.com/office/drawing/2010/main" xmlns="" w="9525">
+                <a14:hiddenLine xmlns="" xmlns:a14="http://schemas.microsoft.com/office/drawing/2010/main" w="9525">
                   <a:solidFill>
                     <a:schemeClr val="tx1"/>
                   </a:solidFill>
@@ -6719,7 +6539,7 @@
                 </a14:hiddenLine>
               </a:ext>
               <a:ext uri="{AF507438-7753-43e0-B8FC-AC1667EBCBE1}">
-                <a14:hiddenEffects xmlns:a14="http://schemas.microsoft.com/office/drawing/2010/main" xmlns="">
+                <a14:hiddenEffects xmlns="" xmlns:a14="http://schemas.microsoft.com/office/drawing/2010/main">
                   <a:effectLst>
                     <a:outerShdw blurRad="63500" dist="38099" dir="2700000" algn="ctr" rotWithShape="0">
                       <a:schemeClr val="bg2">
@@ -6764,7 +6584,7 @@
             <a:effectLst/>
             <a:extLst>
               <a:ext uri="{91240B29-F687-4f45-9708-019B960494DF}">
-                <a14:hiddenLine xmlns:a14="http://schemas.microsoft.com/office/drawing/2010/main" xmlns="" w="9525">
+                <a14:hiddenLine xmlns="" xmlns:a14="http://schemas.microsoft.com/office/drawing/2010/main" w="9525">
                   <a:solidFill>
                     <a:schemeClr val="tx1"/>
                   </a:solidFill>
@@ -6774,7 +6594,7 @@
                 </a14:hiddenLine>
               </a:ext>
               <a:ext uri="{AF507438-7753-43e0-B8FC-AC1667EBCBE1}">
-                <a14:hiddenEffects xmlns:a14="http://schemas.microsoft.com/office/drawing/2010/main" xmlns="">
+                <a14:hiddenEffects xmlns="" xmlns:a14="http://schemas.microsoft.com/office/drawing/2010/main">
                   <a:effectLst>
                     <a:outerShdw blurRad="63500" dist="38099" dir="2700000" algn="ctr" rotWithShape="0">
                       <a:schemeClr val="bg2">
@@ -6819,7 +6639,7 @@
             <a:effectLst/>
             <a:extLst>
               <a:ext uri="{91240B29-F687-4f45-9708-019B960494DF}">
-                <a14:hiddenLine xmlns:a14="http://schemas.microsoft.com/office/drawing/2010/main" xmlns="" w="9525">
+                <a14:hiddenLine xmlns="" xmlns:a14="http://schemas.microsoft.com/office/drawing/2010/main" w="9525">
                   <a:solidFill>
                     <a:schemeClr val="tx1"/>
                   </a:solidFill>
@@ -6829,7 +6649,7 @@
                 </a14:hiddenLine>
               </a:ext>
               <a:ext uri="{AF507438-7753-43e0-B8FC-AC1667EBCBE1}">
-                <a14:hiddenEffects xmlns:a14="http://schemas.microsoft.com/office/drawing/2010/main" xmlns="">
+                <a14:hiddenEffects xmlns="" xmlns:a14="http://schemas.microsoft.com/office/drawing/2010/main">
                   <a:effectLst>
                     <a:outerShdw blurRad="63500" dist="38099" dir="2700000" algn="ctr" rotWithShape="0">
                       <a:schemeClr val="bg2">
@@ -6878,12 +6698,12 @@
           <a:effectLst/>
           <a:extLst>
             <a:ext uri="{909E8E84-426E-40dd-AFC4-6F175D3DCCD1}">
-              <a14:hiddenFill xmlns:a14="http://schemas.microsoft.com/office/drawing/2010/main" xmlns="">
+              <a14:hiddenFill xmlns="" xmlns:a14="http://schemas.microsoft.com/office/drawing/2010/main">
                 <a:noFill/>
               </a14:hiddenFill>
             </a:ext>
             <a:ext uri="{AF507438-7753-43e0-B8FC-AC1667EBCBE1}">
-              <a14:hiddenEffects xmlns:a14="http://schemas.microsoft.com/office/drawing/2010/main" xmlns="">
+              <a14:hiddenEffects xmlns="" xmlns:a14="http://schemas.microsoft.com/office/drawing/2010/main">
                 <a:effectLst>
                   <a:outerShdw blurRad="63500" dist="38099" dir="2700000" algn="ctr" rotWithShape="0">
                     <a:schemeClr val="bg2">
@@ -9207,12 +9027,12 @@
           <a:effectLst/>
           <a:extLst>
             <a:ext uri="{909E8E84-426E-40dd-AFC4-6F175D3DCCD1}">
-              <a14:hiddenFill xmlns:a14="http://schemas.microsoft.com/office/drawing/2010/main" xmlns="">
+              <a14:hiddenFill xmlns="" xmlns:a14="http://schemas.microsoft.com/office/drawing/2010/main">
                 <a:noFill/>
               </a14:hiddenFill>
             </a:ext>
             <a:ext uri="{AF507438-7753-43e0-B8FC-AC1667EBCBE1}">
-              <a14:hiddenEffects xmlns:a14="http://schemas.microsoft.com/office/drawing/2010/main" xmlns="">
+              <a14:hiddenEffects xmlns="" xmlns:a14="http://schemas.microsoft.com/office/drawing/2010/main">
                 <a:effectLst>
                   <a:outerShdw blurRad="63500" dist="38099" dir="2700000" algn="ctr" rotWithShape="0">
                     <a:schemeClr val="bg2">
@@ -9257,17 +9077,17 @@
           <a:effectLst/>
           <a:extLst>
             <a:ext uri="{FAA26D3D-D897-4be2-8F04-BA451C77F1D7}">
-              <ma14:placeholderFlag xmlns:ma14="http://schemas.microsoft.com/office/mac/drawingml/2011/main" xmlns="" val="1"/>
+              <ma14:placeholderFlag xmlns="" xmlns:ma14="http://schemas.microsoft.com/office/mac/drawingml/2011/main" val="1"/>
             </a:ext>
             <a:ext uri="{909E8E84-426E-40dd-AFC4-6F175D3DCCD1}">
-              <a14:hiddenFill xmlns:a14="http://schemas.microsoft.com/office/drawing/2010/main" xmlns="">
+              <a14:hiddenFill xmlns="" xmlns:a14="http://schemas.microsoft.com/office/drawing/2010/main">
                 <a:solidFill>
                   <a:schemeClr val="accent1"/>
                 </a:solidFill>
               </a14:hiddenFill>
             </a:ext>
             <a:ext uri="{91240B29-F687-4f45-9708-019B960494DF}">
-              <a14:hiddenLine xmlns:a14="http://schemas.microsoft.com/office/drawing/2010/main" xmlns="" w="9525">
+              <a14:hiddenLine xmlns="" xmlns:a14="http://schemas.microsoft.com/office/drawing/2010/main" w="9525">
                 <a:solidFill>
                   <a:schemeClr val="tx1"/>
                 </a:solidFill>
@@ -9277,7 +9097,7 @@
               </a14:hiddenLine>
             </a:ext>
             <a:ext uri="{AF507438-7753-43e0-B8FC-AC1667EBCBE1}">
-              <a14:hiddenEffects xmlns:a14="http://schemas.microsoft.com/office/drawing/2010/main" xmlns="">
+              <a14:hiddenEffects xmlns="" xmlns:a14="http://schemas.microsoft.com/office/drawing/2010/main">
                 <a:effectLst>
                   <a:outerShdw blurRad="63500" dist="38099" dir="2700000" algn="ctr" rotWithShape="0">
                     <a:schemeClr val="bg2">
@@ -9330,17 +9150,17 @@
           <a:effectLst/>
           <a:extLst>
             <a:ext uri="{FAA26D3D-D897-4be2-8F04-BA451C77F1D7}">
-              <ma14:placeholderFlag xmlns:ma14="http://schemas.microsoft.com/office/mac/drawingml/2011/main" xmlns="" val="1"/>
+              <ma14:placeholderFlag xmlns="" xmlns:ma14="http://schemas.microsoft.com/office/mac/drawingml/2011/main" val="1"/>
             </a:ext>
             <a:ext uri="{909E8E84-426E-40dd-AFC4-6F175D3DCCD1}">
-              <a14:hiddenFill xmlns:a14="http://schemas.microsoft.com/office/drawing/2010/main" xmlns="">
+              <a14:hiddenFill xmlns="" xmlns:a14="http://schemas.microsoft.com/office/drawing/2010/main">
                 <a:solidFill>
                   <a:schemeClr val="accent1"/>
                 </a:solidFill>
               </a14:hiddenFill>
             </a:ext>
             <a:ext uri="{91240B29-F687-4f45-9708-019B960494DF}">
-              <a14:hiddenLine xmlns:a14="http://schemas.microsoft.com/office/drawing/2010/main" xmlns="" w="9525">
+              <a14:hiddenLine xmlns="" xmlns:a14="http://schemas.microsoft.com/office/drawing/2010/main" w="9525">
                 <a:solidFill>
                   <a:schemeClr val="tx1"/>
                 </a:solidFill>
@@ -9350,7 +9170,7 @@
               </a14:hiddenLine>
             </a:ext>
             <a:ext uri="{AF507438-7753-43e0-B8FC-AC1667EBCBE1}">
-              <a14:hiddenEffects xmlns:a14="http://schemas.microsoft.com/office/drawing/2010/main" xmlns="">
+              <a14:hiddenEffects xmlns="" xmlns:a14="http://schemas.microsoft.com/office/drawing/2010/main">
                 <a:effectLst>
                   <a:outerShdw blurRad="63500" dist="38099" dir="2700000" algn="ctr" rotWithShape="0">
                     <a:schemeClr val="bg2">
@@ -9431,17 +9251,17 @@
           <a:effectLst/>
           <a:extLst>
             <a:ext uri="{FAA26D3D-D897-4be2-8F04-BA451C77F1D7}">
-              <ma14:placeholderFlag xmlns:ma14="http://schemas.microsoft.com/office/mac/drawingml/2011/main" xmlns="" val="1"/>
+              <ma14:placeholderFlag xmlns="" xmlns:ma14="http://schemas.microsoft.com/office/mac/drawingml/2011/main" val="1"/>
             </a:ext>
             <a:ext uri="{909E8E84-426E-40dd-AFC4-6F175D3DCCD1}">
-              <a14:hiddenFill xmlns:a14="http://schemas.microsoft.com/office/drawing/2010/main" xmlns="">
+              <a14:hiddenFill xmlns="" xmlns:a14="http://schemas.microsoft.com/office/drawing/2010/main">
                 <a:solidFill>
                   <a:schemeClr val="accent1"/>
                 </a:solidFill>
               </a14:hiddenFill>
             </a:ext>
             <a:ext uri="{91240B29-F687-4f45-9708-019B960494DF}">
-              <a14:hiddenLine xmlns:a14="http://schemas.microsoft.com/office/drawing/2010/main" xmlns="" w="9525">
+              <a14:hiddenLine xmlns="" xmlns:a14="http://schemas.microsoft.com/office/drawing/2010/main" w="9525">
                 <a:solidFill>
                   <a:schemeClr val="tx1"/>
                 </a:solidFill>
@@ -9451,7 +9271,7 @@
               </a14:hiddenLine>
             </a:ext>
             <a:ext uri="{AF507438-7753-43e0-B8FC-AC1667EBCBE1}">
-              <a14:hiddenEffects xmlns:a14="http://schemas.microsoft.com/office/drawing/2010/main" xmlns="">
+              <a14:hiddenEffects xmlns="" xmlns:a14="http://schemas.microsoft.com/office/drawing/2010/main">
                 <a:effectLst>
                   <a:outerShdw blurRad="63500" dist="38099" dir="2700000" algn="ctr" rotWithShape="0">
                     <a:schemeClr val="bg2">
@@ -9504,17 +9324,17 @@
           <a:effectLst/>
           <a:extLst>
             <a:ext uri="{FAA26D3D-D897-4be2-8F04-BA451C77F1D7}">
-              <ma14:placeholderFlag xmlns:ma14="http://schemas.microsoft.com/office/mac/drawingml/2011/main" xmlns="" val="1"/>
+              <ma14:placeholderFlag xmlns="" xmlns:ma14="http://schemas.microsoft.com/office/mac/drawingml/2011/main" val="1"/>
             </a:ext>
             <a:ext uri="{909E8E84-426E-40dd-AFC4-6F175D3DCCD1}">
-              <a14:hiddenFill xmlns:a14="http://schemas.microsoft.com/office/drawing/2010/main" xmlns="">
+              <a14:hiddenFill xmlns="" xmlns:a14="http://schemas.microsoft.com/office/drawing/2010/main">
                 <a:solidFill>
                   <a:schemeClr val="accent1"/>
                 </a:solidFill>
               </a14:hiddenFill>
             </a:ext>
             <a:ext uri="{91240B29-F687-4f45-9708-019B960494DF}">
-              <a14:hiddenLine xmlns:a14="http://schemas.microsoft.com/office/drawing/2010/main" xmlns="" w="9525">
+              <a14:hiddenLine xmlns="" xmlns:a14="http://schemas.microsoft.com/office/drawing/2010/main" w="9525">
                 <a:solidFill>
                   <a:schemeClr val="tx1"/>
                 </a:solidFill>
@@ -9524,7 +9344,7 @@
               </a14:hiddenLine>
             </a:ext>
             <a:ext uri="{AF507438-7753-43e0-B8FC-AC1667EBCBE1}">
-              <a14:hiddenEffects xmlns:a14="http://schemas.microsoft.com/office/drawing/2010/main" xmlns="">
+              <a14:hiddenEffects xmlns="" xmlns:a14="http://schemas.microsoft.com/office/drawing/2010/main">
                 <a:effectLst>
                   <a:outerShdw blurRad="63500" dist="38099" dir="2700000" algn="ctr" rotWithShape="0">
                     <a:schemeClr val="bg2">
@@ -9577,17 +9397,17 @@
           <a:effectLst/>
           <a:extLst>
             <a:ext uri="{FAA26D3D-D897-4be2-8F04-BA451C77F1D7}">
-              <ma14:placeholderFlag xmlns:ma14="http://schemas.microsoft.com/office/mac/drawingml/2011/main" xmlns="" val="1"/>
+              <ma14:placeholderFlag xmlns="" xmlns:ma14="http://schemas.microsoft.com/office/mac/drawingml/2011/main" val="1"/>
             </a:ext>
             <a:ext uri="{909E8E84-426E-40dd-AFC4-6F175D3DCCD1}">
-              <a14:hiddenFill xmlns:a14="http://schemas.microsoft.com/office/drawing/2010/main" xmlns="">
+              <a14:hiddenFill xmlns="" xmlns:a14="http://schemas.microsoft.com/office/drawing/2010/main">
                 <a:solidFill>
                   <a:schemeClr val="accent1"/>
                 </a:solidFill>
               </a14:hiddenFill>
             </a:ext>
             <a:ext uri="{91240B29-F687-4f45-9708-019B960494DF}">
-              <a14:hiddenLine xmlns:a14="http://schemas.microsoft.com/office/drawing/2010/main" xmlns="" w="9525">
+              <a14:hiddenLine xmlns="" xmlns:a14="http://schemas.microsoft.com/office/drawing/2010/main" w="9525">
                 <a:solidFill>
                   <a:schemeClr val="tx1"/>
                 </a:solidFill>
@@ -9597,7 +9417,7 @@
               </a14:hiddenLine>
             </a:ext>
             <a:ext uri="{AF507438-7753-43e0-B8FC-AC1667EBCBE1}">
-              <a14:hiddenEffects xmlns:a14="http://schemas.microsoft.com/office/drawing/2010/main" xmlns="">
+              <a14:hiddenEffects xmlns="" xmlns:a14="http://schemas.microsoft.com/office/drawing/2010/main">
                 <a:effectLst>
                   <a:outerShdw blurRad="63500" dist="38099" dir="2700000" algn="ctr" rotWithShape="0">
                     <a:schemeClr val="bg2">
@@ -9671,7 +9491,7 @@
             <a:effectLst/>
             <a:extLst>
               <a:ext uri="{91240B29-F687-4f45-9708-019B960494DF}">
-                <a14:hiddenLine xmlns:a14="http://schemas.microsoft.com/office/drawing/2010/main" xmlns="" w="9525">
+                <a14:hiddenLine xmlns="" xmlns:a14="http://schemas.microsoft.com/office/drawing/2010/main" w="9525">
                   <a:solidFill>
                     <a:schemeClr val="tx1"/>
                   </a:solidFill>
@@ -9681,7 +9501,7 @@
                 </a14:hiddenLine>
               </a:ext>
               <a:ext uri="{AF507438-7753-43e0-B8FC-AC1667EBCBE1}">
-                <a14:hiddenEffects xmlns:a14="http://schemas.microsoft.com/office/drawing/2010/main" xmlns="">
+                <a14:hiddenEffects xmlns="" xmlns:a14="http://schemas.microsoft.com/office/drawing/2010/main">
                   <a:effectLst>
                     <a:outerShdw blurRad="63500" dist="38099" dir="2700000" algn="ctr" rotWithShape="0">
                       <a:schemeClr val="bg2">
@@ -9726,7 +9546,7 @@
             <a:effectLst/>
             <a:extLst>
               <a:ext uri="{91240B29-F687-4f45-9708-019B960494DF}">
-                <a14:hiddenLine xmlns:a14="http://schemas.microsoft.com/office/drawing/2010/main" xmlns="" w="9525">
+                <a14:hiddenLine xmlns="" xmlns:a14="http://schemas.microsoft.com/office/drawing/2010/main" w="9525">
                   <a:solidFill>
                     <a:schemeClr val="tx1"/>
                   </a:solidFill>
@@ -9736,7 +9556,7 @@
                 </a14:hiddenLine>
               </a:ext>
               <a:ext uri="{AF507438-7753-43e0-B8FC-AC1667EBCBE1}">
-                <a14:hiddenEffects xmlns:a14="http://schemas.microsoft.com/office/drawing/2010/main" xmlns="">
+                <a14:hiddenEffects xmlns="" xmlns:a14="http://schemas.microsoft.com/office/drawing/2010/main">
                   <a:effectLst>
                     <a:outerShdw blurRad="63500" dist="38099" dir="2700000" algn="ctr" rotWithShape="0">
                       <a:schemeClr val="bg2">
@@ -9781,7 +9601,7 @@
             <a:effectLst/>
             <a:extLst>
               <a:ext uri="{91240B29-F687-4f45-9708-019B960494DF}">
-                <a14:hiddenLine xmlns:a14="http://schemas.microsoft.com/office/drawing/2010/main" xmlns="" w="9525">
+                <a14:hiddenLine xmlns="" xmlns:a14="http://schemas.microsoft.com/office/drawing/2010/main" w="9525">
                   <a:solidFill>
                     <a:schemeClr val="tx1"/>
                   </a:solidFill>
@@ -9791,7 +9611,7 @@
                 </a14:hiddenLine>
               </a:ext>
               <a:ext uri="{AF507438-7753-43e0-B8FC-AC1667EBCBE1}">
-                <a14:hiddenEffects xmlns:a14="http://schemas.microsoft.com/office/drawing/2010/main" xmlns="">
+                <a14:hiddenEffects xmlns="" xmlns:a14="http://schemas.microsoft.com/office/drawing/2010/main">
                   <a:effectLst>
                     <a:outerShdw blurRad="63500" dist="38099" dir="2700000" algn="ctr" rotWithShape="0">
                       <a:schemeClr val="bg2">
@@ -9836,7 +9656,7 @@
             <a:effectLst/>
             <a:extLst>
               <a:ext uri="{91240B29-F687-4f45-9708-019B960494DF}">
-                <a14:hiddenLine xmlns:a14="http://schemas.microsoft.com/office/drawing/2010/main" xmlns="" w="9525">
+                <a14:hiddenLine xmlns="" xmlns:a14="http://schemas.microsoft.com/office/drawing/2010/main" w="9525">
                   <a:solidFill>
                     <a:schemeClr val="tx1"/>
                   </a:solidFill>
@@ -9846,7 +9666,7 @@
                 </a14:hiddenLine>
               </a:ext>
               <a:ext uri="{AF507438-7753-43e0-B8FC-AC1667EBCBE1}">
-                <a14:hiddenEffects xmlns:a14="http://schemas.microsoft.com/office/drawing/2010/main" xmlns="">
+                <a14:hiddenEffects xmlns="" xmlns:a14="http://schemas.microsoft.com/office/drawing/2010/main">
                   <a:effectLst>
                     <a:outerShdw blurRad="63500" dist="38099" dir="2700000" algn="ctr" rotWithShape="0">
                       <a:schemeClr val="bg2">
@@ -9891,7 +9711,7 @@
             <a:effectLst/>
             <a:extLst>
               <a:ext uri="{91240B29-F687-4f45-9708-019B960494DF}">
-                <a14:hiddenLine xmlns:a14="http://schemas.microsoft.com/office/drawing/2010/main" xmlns="" w="9525">
+                <a14:hiddenLine xmlns="" xmlns:a14="http://schemas.microsoft.com/office/drawing/2010/main" w="9525">
                   <a:solidFill>
                     <a:schemeClr val="tx1"/>
                   </a:solidFill>
@@ -9901,7 +9721,7 @@
                 </a14:hiddenLine>
               </a:ext>
               <a:ext uri="{AF507438-7753-43e0-B8FC-AC1667EBCBE1}">
-                <a14:hiddenEffects xmlns:a14="http://schemas.microsoft.com/office/drawing/2010/main" xmlns="">
+                <a14:hiddenEffects xmlns="" xmlns:a14="http://schemas.microsoft.com/office/drawing/2010/main">
                   <a:effectLst>
                     <a:outerShdw blurRad="63500" dist="38099" dir="2700000" algn="ctr" rotWithShape="0">
                       <a:schemeClr val="bg2">
@@ -9946,7 +9766,7 @@
             <a:effectLst/>
             <a:extLst>
               <a:ext uri="{91240B29-F687-4f45-9708-019B960494DF}">
-                <a14:hiddenLine xmlns:a14="http://schemas.microsoft.com/office/drawing/2010/main" xmlns="" w="9525">
+                <a14:hiddenLine xmlns="" xmlns:a14="http://schemas.microsoft.com/office/drawing/2010/main" w="9525">
                   <a:solidFill>
                     <a:schemeClr val="tx1"/>
                   </a:solidFill>
@@ -9956,7 +9776,7 @@
                 </a14:hiddenLine>
               </a:ext>
               <a:ext uri="{AF507438-7753-43e0-B8FC-AC1667EBCBE1}">
-                <a14:hiddenEffects xmlns:a14="http://schemas.microsoft.com/office/drawing/2010/main" xmlns="">
+                <a14:hiddenEffects xmlns="" xmlns:a14="http://schemas.microsoft.com/office/drawing/2010/main">
                   <a:effectLst>
                     <a:outerShdw blurRad="63500" dist="38099" dir="2700000" algn="ctr" rotWithShape="0">
                       <a:schemeClr val="bg2">
@@ -10001,7 +9821,7 @@
             <a:effectLst/>
             <a:extLst>
               <a:ext uri="{91240B29-F687-4f45-9708-019B960494DF}">
-                <a14:hiddenLine xmlns:a14="http://schemas.microsoft.com/office/drawing/2010/main" xmlns="" w="9525">
+                <a14:hiddenLine xmlns="" xmlns:a14="http://schemas.microsoft.com/office/drawing/2010/main" w="9525">
                   <a:solidFill>
                     <a:schemeClr val="tx1"/>
                   </a:solidFill>
@@ -10011,7 +9831,7 @@
                 </a14:hiddenLine>
               </a:ext>
               <a:ext uri="{AF507438-7753-43e0-B8FC-AC1667EBCBE1}">
-                <a14:hiddenEffects xmlns:a14="http://schemas.microsoft.com/office/drawing/2010/main" xmlns="">
+                <a14:hiddenEffects xmlns="" xmlns:a14="http://schemas.microsoft.com/office/drawing/2010/main">
                   <a:effectLst>
                     <a:outerShdw blurRad="63500" dist="38099" dir="2700000" algn="ctr" rotWithShape="0">
                       <a:schemeClr val="bg2">
@@ -10056,7 +9876,7 @@
             <a:effectLst/>
             <a:extLst>
               <a:ext uri="{91240B29-F687-4f45-9708-019B960494DF}">
-                <a14:hiddenLine xmlns:a14="http://schemas.microsoft.com/office/drawing/2010/main" xmlns="" w="9525">
+                <a14:hiddenLine xmlns="" xmlns:a14="http://schemas.microsoft.com/office/drawing/2010/main" w="9525">
                   <a:solidFill>
                     <a:schemeClr val="tx1"/>
                   </a:solidFill>
@@ -10066,7 +9886,7 @@
                 </a14:hiddenLine>
               </a:ext>
               <a:ext uri="{AF507438-7753-43e0-B8FC-AC1667EBCBE1}">
-                <a14:hiddenEffects xmlns:a14="http://schemas.microsoft.com/office/drawing/2010/main" xmlns="">
+                <a14:hiddenEffects xmlns="" xmlns:a14="http://schemas.microsoft.com/office/drawing/2010/main">
                   <a:effectLst>
                     <a:outerShdw blurRad="63500" dist="38099" dir="2700000" algn="ctr" rotWithShape="0">
                       <a:schemeClr val="bg2">
@@ -10111,7 +9931,7 @@
             <a:effectLst/>
             <a:extLst>
               <a:ext uri="{91240B29-F687-4f45-9708-019B960494DF}">
-                <a14:hiddenLine xmlns:a14="http://schemas.microsoft.com/office/drawing/2010/main" xmlns="" w="9525">
+                <a14:hiddenLine xmlns="" xmlns:a14="http://schemas.microsoft.com/office/drawing/2010/main" w="9525">
                   <a:solidFill>
                     <a:schemeClr val="tx1"/>
                   </a:solidFill>
@@ -10121,7 +9941,7 @@
                 </a14:hiddenLine>
               </a:ext>
               <a:ext uri="{AF507438-7753-43e0-B8FC-AC1667EBCBE1}">
-                <a14:hiddenEffects xmlns:a14="http://schemas.microsoft.com/office/drawing/2010/main" xmlns="">
+                <a14:hiddenEffects xmlns="" xmlns:a14="http://schemas.microsoft.com/office/drawing/2010/main">
                   <a:effectLst>
                     <a:outerShdw blurRad="63500" dist="38099" dir="2700000" algn="ctr" rotWithShape="0">
                       <a:schemeClr val="bg2">
@@ -10166,7 +9986,7 @@
             <a:effectLst/>
             <a:extLst>
               <a:ext uri="{91240B29-F687-4f45-9708-019B960494DF}">
-                <a14:hiddenLine xmlns:a14="http://schemas.microsoft.com/office/drawing/2010/main" xmlns="" w="9525">
+                <a14:hiddenLine xmlns="" xmlns:a14="http://schemas.microsoft.com/office/drawing/2010/main" w="9525">
                   <a:solidFill>
                     <a:schemeClr val="tx1"/>
                   </a:solidFill>
@@ -10176,7 +9996,7 @@
                 </a14:hiddenLine>
               </a:ext>
               <a:ext uri="{AF507438-7753-43e0-B8FC-AC1667EBCBE1}">
-                <a14:hiddenEffects xmlns:a14="http://schemas.microsoft.com/office/drawing/2010/main" xmlns="">
+                <a14:hiddenEffects xmlns="" xmlns:a14="http://schemas.microsoft.com/office/drawing/2010/main">
                   <a:effectLst>
                     <a:outerShdw blurRad="63500" dist="38099" dir="2700000" algn="ctr" rotWithShape="0">
                       <a:schemeClr val="bg2">
@@ -10221,7 +10041,7 @@
             <a:effectLst/>
             <a:extLst>
               <a:ext uri="{91240B29-F687-4f45-9708-019B960494DF}">
-                <a14:hiddenLine xmlns:a14="http://schemas.microsoft.com/office/drawing/2010/main" xmlns="" w="9525">
+                <a14:hiddenLine xmlns="" xmlns:a14="http://schemas.microsoft.com/office/drawing/2010/main" w="9525">
                   <a:solidFill>
                     <a:schemeClr val="tx1"/>
                   </a:solidFill>
@@ -10231,7 +10051,7 @@
                 </a14:hiddenLine>
               </a:ext>
               <a:ext uri="{AF507438-7753-43e0-B8FC-AC1667EBCBE1}">
-                <a14:hiddenEffects xmlns:a14="http://schemas.microsoft.com/office/drawing/2010/main" xmlns="">
+                <a14:hiddenEffects xmlns="" xmlns:a14="http://schemas.microsoft.com/office/drawing/2010/main">
                   <a:effectLst>
                     <a:outerShdw blurRad="63500" dist="38099" dir="2700000" algn="ctr" rotWithShape="0">
                       <a:schemeClr val="bg2">
@@ -10276,7 +10096,7 @@
             <a:effectLst/>
             <a:extLst>
               <a:ext uri="{91240B29-F687-4f45-9708-019B960494DF}">
-                <a14:hiddenLine xmlns:a14="http://schemas.microsoft.com/office/drawing/2010/main" xmlns="" w="9525">
+                <a14:hiddenLine xmlns="" xmlns:a14="http://schemas.microsoft.com/office/drawing/2010/main" w="9525">
                   <a:solidFill>
                     <a:schemeClr val="tx1"/>
                   </a:solidFill>
@@ -10286,7 +10106,7 @@
                 </a14:hiddenLine>
               </a:ext>
               <a:ext uri="{AF507438-7753-43e0-B8FC-AC1667EBCBE1}">
-                <a14:hiddenEffects xmlns:a14="http://schemas.microsoft.com/office/drawing/2010/main" xmlns="">
+                <a14:hiddenEffects xmlns="" xmlns:a14="http://schemas.microsoft.com/office/drawing/2010/main">
                   <a:effectLst>
                     <a:outerShdw blurRad="63500" dist="38099" dir="2700000" algn="ctr" rotWithShape="0">
                       <a:schemeClr val="bg2">
@@ -10331,7 +10151,7 @@
             <a:effectLst/>
             <a:extLst>
               <a:ext uri="{91240B29-F687-4f45-9708-019B960494DF}">
-                <a14:hiddenLine xmlns:a14="http://schemas.microsoft.com/office/drawing/2010/main" xmlns="" w="9525">
+                <a14:hiddenLine xmlns="" xmlns:a14="http://schemas.microsoft.com/office/drawing/2010/main" w="9525">
                   <a:solidFill>
                     <a:schemeClr val="tx1"/>
                   </a:solidFill>
@@ -10341,7 +10161,7 @@
                 </a14:hiddenLine>
               </a:ext>
               <a:ext uri="{AF507438-7753-43e0-B8FC-AC1667EBCBE1}">
-                <a14:hiddenEffects xmlns:a14="http://schemas.microsoft.com/office/drawing/2010/main" xmlns="">
+                <a14:hiddenEffects xmlns="" xmlns:a14="http://schemas.microsoft.com/office/drawing/2010/main">
                   <a:effectLst>
                     <a:outerShdw blurRad="63500" dist="38099" dir="2700000" algn="ctr" rotWithShape="0">
                       <a:schemeClr val="bg2">
@@ -10386,7 +10206,7 @@
             <a:effectLst/>
             <a:extLst>
               <a:ext uri="{91240B29-F687-4f45-9708-019B960494DF}">
-                <a14:hiddenLine xmlns:a14="http://schemas.microsoft.com/office/drawing/2010/main" xmlns="" w="9525">
+                <a14:hiddenLine xmlns="" xmlns:a14="http://schemas.microsoft.com/office/drawing/2010/main" w="9525">
                   <a:solidFill>
                     <a:schemeClr val="tx1"/>
                   </a:solidFill>
@@ -10396,7 +10216,7 @@
                 </a14:hiddenLine>
               </a:ext>
               <a:ext uri="{AF507438-7753-43e0-B8FC-AC1667EBCBE1}">
-                <a14:hiddenEffects xmlns:a14="http://schemas.microsoft.com/office/drawing/2010/main" xmlns="">
+                <a14:hiddenEffects xmlns="" xmlns:a14="http://schemas.microsoft.com/office/drawing/2010/main">
                   <a:effectLst>
                     <a:outerShdw blurRad="63500" dist="38099" dir="2700000" algn="ctr" rotWithShape="0">
                       <a:schemeClr val="bg2">
@@ -10441,7 +10261,7 @@
             <a:effectLst/>
             <a:extLst>
               <a:ext uri="{91240B29-F687-4f45-9708-019B960494DF}">
-                <a14:hiddenLine xmlns:a14="http://schemas.microsoft.com/office/drawing/2010/main" xmlns="" w="9525">
+                <a14:hiddenLine xmlns="" xmlns:a14="http://schemas.microsoft.com/office/drawing/2010/main" w="9525">
                   <a:solidFill>
                     <a:schemeClr val="tx1"/>
                   </a:solidFill>
@@ -10451,7 +10271,7 @@
                 </a14:hiddenLine>
               </a:ext>
               <a:ext uri="{AF507438-7753-43e0-B8FC-AC1667EBCBE1}">
-                <a14:hiddenEffects xmlns:a14="http://schemas.microsoft.com/office/drawing/2010/main" xmlns="">
+                <a14:hiddenEffects xmlns="" xmlns:a14="http://schemas.microsoft.com/office/drawing/2010/main">
                   <a:effectLst>
                     <a:outerShdw blurRad="63500" dist="38099" dir="2700000" algn="ctr" rotWithShape="0">
                       <a:schemeClr val="bg2">
@@ -10496,7 +10316,7 @@
             <a:effectLst/>
             <a:extLst>
               <a:ext uri="{91240B29-F687-4f45-9708-019B960494DF}">
-                <a14:hiddenLine xmlns:a14="http://schemas.microsoft.com/office/drawing/2010/main" xmlns="" w="9525">
+                <a14:hiddenLine xmlns="" xmlns:a14="http://schemas.microsoft.com/office/drawing/2010/main" w="9525">
                   <a:solidFill>
                     <a:schemeClr val="tx1"/>
                   </a:solidFill>
@@ -10506,7 +10326,7 @@
                 </a14:hiddenLine>
               </a:ext>
               <a:ext uri="{AF507438-7753-43e0-B8FC-AC1667EBCBE1}">
-                <a14:hiddenEffects xmlns:a14="http://schemas.microsoft.com/office/drawing/2010/main" xmlns="">
+                <a14:hiddenEffects xmlns="" xmlns:a14="http://schemas.microsoft.com/office/drawing/2010/main">
                   <a:effectLst>
                     <a:outerShdw blurRad="63500" dist="38099" dir="2700000" algn="ctr" rotWithShape="0">
                       <a:schemeClr val="bg2">
@@ -10551,7 +10371,7 @@
             <a:effectLst/>
             <a:extLst>
               <a:ext uri="{91240B29-F687-4f45-9708-019B960494DF}">
-                <a14:hiddenLine xmlns:a14="http://schemas.microsoft.com/office/drawing/2010/main" xmlns="" w="9525">
+                <a14:hiddenLine xmlns="" xmlns:a14="http://schemas.microsoft.com/office/drawing/2010/main" w="9525">
                   <a:solidFill>
                     <a:schemeClr val="tx1"/>
                   </a:solidFill>
@@ -10561,7 +10381,7 @@
                 </a14:hiddenLine>
               </a:ext>
               <a:ext uri="{AF507438-7753-43e0-B8FC-AC1667EBCBE1}">
-                <a14:hiddenEffects xmlns:a14="http://schemas.microsoft.com/office/drawing/2010/main" xmlns="">
+                <a14:hiddenEffects xmlns="" xmlns:a14="http://schemas.microsoft.com/office/drawing/2010/main">
                   <a:effectLst>
                     <a:outerShdw blurRad="63500" dist="38099" dir="2700000" algn="ctr" rotWithShape="0">
                       <a:schemeClr val="bg2">
@@ -10606,7 +10426,7 @@
             <a:effectLst/>
             <a:extLst>
               <a:ext uri="{91240B29-F687-4f45-9708-019B960494DF}">
-                <a14:hiddenLine xmlns:a14="http://schemas.microsoft.com/office/drawing/2010/main" xmlns="" w="9525">
+                <a14:hiddenLine xmlns="" xmlns:a14="http://schemas.microsoft.com/office/drawing/2010/main" w="9525">
                   <a:solidFill>
                     <a:schemeClr val="tx1"/>
                   </a:solidFill>
@@ -10616,7 +10436,7 @@
                 </a14:hiddenLine>
               </a:ext>
               <a:ext uri="{AF507438-7753-43e0-B8FC-AC1667EBCBE1}">
-                <a14:hiddenEffects xmlns:a14="http://schemas.microsoft.com/office/drawing/2010/main" xmlns="">
+                <a14:hiddenEffects xmlns="" xmlns:a14="http://schemas.microsoft.com/office/drawing/2010/main">
                   <a:effectLst>
                     <a:outerShdw blurRad="63500" dist="38099" dir="2700000" algn="ctr" rotWithShape="0">
                       <a:schemeClr val="bg2">
@@ -10661,7 +10481,7 @@
             <a:effectLst/>
             <a:extLst>
               <a:ext uri="{91240B29-F687-4f45-9708-019B960494DF}">
-                <a14:hiddenLine xmlns:a14="http://schemas.microsoft.com/office/drawing/2010/main" xmlns="" w="9525">
+                <a14:hiddenLine xmlns="" xmlns:a14="http://schemas.microsoft.com/office/drawing/2010/main" w="9525">
                   <a:solidFill>
                     <a:schemeClr val="tx1"/>
                   </a:solidFill>
@@ -10671,7 +10491,7 @@
                 </a14:hiddenLine>
               </a:ext>
               <a:ext uri="{AF507438-7753-43e0-B8FC-AC1667EBCBE1}">
-                <a14:hiddenEffects xmlns:a14="http://schemas.microsoft.com/office/drawing/2010/main" xmlns="">
+                <a14:hiddenEffects xmlns="" xmlns:a14="http://schemas.microsoft.com/office/drawing/2010/main">
                   <a:effectLst>
                     <a:outerShdw blurRad="63500" dist="38099" dir="2700000" algn="ctr" rotWithShape="0">
                       <a:schemeClr val="bg2">
@@ -10716,7 +10536,7 @@
             <a:effectLst/>
             <a:extLst>
               <a:ext uri="{91240B29-F687-4f45-9708-019B960494DF}">
-                <a14:hiddenLine xmlns:a14="http://schemas.microsoft.com/office/drawing/2010/main" xmlns="" w="9525">
+                <a14:hiddenLine xmlns="" xmlns:a14="http://schemas.microsoft.com/office/drawing/2010/main" w="9525">
                   <a:solidFill>
                     <a:schemeClr val="tx1"/>
                   </a:solidFill>
@@ -10726,7 +10546,7 @@
                 </a14:hiddenLine>
               </a:ext>
               <a:ext uri="{AF507438-7753-43e0-B8FC-AC1667EBCBE1}">
-                <a14:hiddenEffects xmlns:a14="http://schemas.microsoft.com/office/drawing/2010/main" xmlns="">
+                <a14:hiddenEffects xmlns="" xmlns:a14="http://schemas.microsoft.com/office/drawing/2010/main">
                   <a:effectLst>
                     <a:outerShdw blurRad="63500" dist="38099" dir="2700000" algn="ctr" rotWithShape="0">
                       <a:schemeClr val="bg2">
@@ -10771,7 +10591,7 @@
             <a:effectLst/>
             <a:extLst>
               <a:ext uri="{91240B29-F687-4f45-9708-019B960494DF}">
-                <a14:hiddenLine xmlns:a14="http://schemas.microsoft.com/office/drawing/2010/main" xmlns="" w="9525">
+                <a14:hiddenLine xmlns="" xmlns:a14="http://schemas.microsoft.com/office/drawing/2010/main" w="9525">
                   <a:solidFill>
                     <a:schemeClr val="tx1"/>
                   </a:solidFill>
@@ -10781,7 +10601,7 @@
                 </a14:hiddenLine>
               </a:ext>
               <a:ext uri="{AF507438-7753-43e0-B8FC-AC1667EBCBE1}">
-                <a14:hiddenEffects xmlns:a14="http://schemas.microsoft.com/office/drawing/2010/main" xmlns="">
+                <a14:hiddenEffects xmlns="" xmlns:a14="http://schemas.microsoft.com/office/drawing/2010/main">
                   <a:effectLst>
                     <a:outerShdw blurRad="63500" dist="38099" dir="2700000" algn="ctr" rotWithShape="0">
                       <a:schemeClr val="bg2">
@@ -10826,7 +10646,7 @@
             <a:effectLst/>
             <a:extLst>
               <a:ext uri="{91240B29-F687-4f45-9708-019B960494DF}">
-                <a14:hiddenLine xmlns:a14="http://schemas.microsoft.com/office/drawing/2010/main" xmlns="" w="9525">
+                <a14:hiddenLine xmlns="" xmlns:a14="http://schemas.microsoft.com/office/drawing/2010/main" w="9525">
                   <a:solidFill>
                     <a:schemeClr val="tx1"/>
                   </a:solidFill>
@@ -10836,7 +10656,7 @@
                 </a14:hiddenLine>
               </a:ext>
               <a:ext uri="{AF507438-7753-43e0-B8FC-AC1667EBCBE1}">
-                <a14:hiddenEffects xmlns:a14="http://schemas.microsoft.com/office/drawing/2010/main" xmlns="">
+                <a14:hiddenEffects xmlns="" xmlns:a14="http://schemas.microsoft.com/office/drawing/2010/main">
                   <a:effectLst>
                     <a:outerShdw blurRad="63500" dist="38099" dir="2700000" algn="ctr" rotWithShape="0">
                       <a:schemeClr val="bg2">
@@ -10881,7 +10701,7 @@
             <a:effectLst/>
             <a:extLst>
               <a:ext uri="{91240B29-F687-4f45-9708-019B960494DF}">
-                <a14:hiddenLine xmlns:a14="http://schemas.microsoft.com/office/drawing/2010/main" xmlns="" w="9525">
+                <a14:hiddenLine xmlns="" xmlns:a14="http://schemas.microsoft.com/office/drawing/2010/main" w="9525">
                   <a:solidFill>
                     <a:schemeClr val="tx1"/>
                   </a:solidFill>
@@ -10891,7 +10711,7 @@
                 </a14:hiddenLine>
               </a:ext>
               <a:ext uri="{AF507438-7753-43e0-B8FC-AC1667EBCBE1}">
-                <a14:hiddenEffects xmlns:a14="http://schemas.microsoft.com/office/drawing/2010/main" xmlns="">
+                <a14:hiddenEffects xmlns="" xmlns:a14="http://schemas.microsoft.com/office/drawing/2010/main">
                   <a:effectLst>
                     <a:outerShdw blurRad="63500" dist="38099" dir="2700000" algn="ctr" rotWithShape="0">
                       <a:schemeClr val="bg2">
@@ -10936,7 +10756,7 @@
             <a:effectLst/>
             <a:extLst>
               <a:ext uri="{91240B29-F687-4f45-9708-019B960494DF}">
-                <a14:hiddenLine xmlns:a14="http://schemas.microsoft.com/office/drawing/2010/main" xmlns="" w="9525">
+                <a14:hiddenLine xmlns="" xmlns:a14="http://schemas.microsoft.com/office/drawing/2010/main" w="9525">
                   <a:solidFill>
                     <a:schemeClr val="tx1"/>
                   </a:solidFill>
@@ -10946,7 +10766,7 @@
                 </a14:hiddenLine>
               </a:ext>
               <a:ext uri="{AF507438-7753-43e0-B8FC-AC1667EBCBE1}">
-                <a14:hiddenEffects xmlns:a14="http://schemas.microsoft.com/office/drawing/2010/main" xmlns="">
+                <a14:hiddenEffects xmlns="" xmlns:a14="http://schemas.microsoft.com/office/drawing/2010/main">
                   <a:effectLst>
                     <a:outerShdw blurRad="63500" dist="38099" dir="2700000" algn="ctr" rotWithShape="0">
                       <a:schemeClr val="bg2">
@@ -10991,7 +10811,7 @@
             <a:effectLst/>
             <a:extLst>
               <a:ext uri="{91240B29-F687-4f45-9708-019B960494DF}">
-                <a14:hiddenLine xmlns:a14="http://schemas.microsoft.com/office/drawing/2010/main" xmlns="" w="9525">
+                <a14:hiddenLine xmlns="" xmlns:a14="http://schemas.microsoft.com/office/drawing/2010/main" w="9525">
                   <a:solidFill>
                     <a:schemeClr val="tx1"/>
                   </a:solidFill>
@@ -11001,7 +10821,7 @@
                 </a14:hiddenLine>
               </a:ext>
               <a:ext uri="{AF507438-7753-43e0-B8FC-AC1667EBCBE1}">
-                <a14:hiddenEffects xmlns:a14="http://schemas.microsoft.com/office/drawing/2010/main" xmlns="">
+                <a14:hiddenEffects xmlns="" xmlns:a14="http://schemas.microsoft.com/office/drawing/2010/main">
                   <a:effectLst>
                     <a:outerShdw blurRad="63500" dist="38099" dir="2700000" algn="ctr" rotWithShape="0">
                       <a:schemeClr val="bg2">
@@ -11046,7 +10866,7 @@
             <a:effectLst/>
             <a:extLst>
               <a:ext uri="{91240B29-F687-4f45-9708-019B960494DF}">
-                <a14:hiddenLine xmlns:a14="http://schemas.microsoft.com/office/drawing/2010/main" xmlns="" w="9525">
+                <a14:hiddenLine xmlns="" xmlns:a14="http://schemas.microsoft.com/office/drawing/2010/main" w="9525">
                   <a:solidFill>
                     <a:schemeClr val="tx1"/>
                   </a:solidFill>
@@ -11056,7 +10876,7 @@
                 </a14:hiddenLine>
               </a:ext>
               <a:ext uri="{AF507438-7753-43e0-B8FC-AC1667EBCBE1}">
-                <a14:hiddenEffects xmlns:a14="http://schemas.microsoft.com/office/drawing/2010/main" xmlns="">
+                <a14:hiddenEffects xmlns="" xmlns:a14="http://schemas.microsoft.com/office/drawing/2010/main">
                   <a:effectLst>
                     <a:outerShdw blurRad="63500" dist="38099" dir="2700000" algn="ctr" rotWithShape="0">
                       <a:schemeClr val="bg2">
@@ -11101,7 +10921,7 @@
             <a:effectLst/>
             <a:extLst>
               <a:ext uri="{91240B29-F687-4f45-9708-019B960494DF}">
-                <a14:hiddenLine xmlns:a14="http://schemas.microsoft.com/office/drawing/2010/main" xmlns="" w="9525">
+                <a14:hiddenLine xmlns="" xmlns:a14="http://schemas.microsoft.com/office/drawing/2010/main" w="9525">
                   <a:solidFill>
                     <a:schemeClr val="tx1"/>
                   </a:solidFill>
@@ -11111,7 +10931,7 @@
                 </a14:hiddenLine>
               </a:ext>
               <a:ext uri="{AF507438-7753-43e0-B8FC-AC1667EBCBE1}">
-                <a14:hiddenEffects xmlns:a14="http://schemas.microsoft.com/office/drawing/2010/main" xmlns="">
+                <a14:hiddenEffects xmlns="" xmlns:a14="http://schemas.microsoft.com/office/drawing/2010/main">
                   <a:effectLst>
                     <a:outerShdw blurRad="63500" dist="38099" dir="2700000" algn="ctr" rotWithShape="0">
                       <a:schemeClr val="bg2">
@@ -11156,7 +10976,7 @@
             <a:effectLst/>
             <a:extLst>
               <a:ext uri="{91240B29-F687-4f45-9708-019B960494DF}">
-                <a14:hiddenLine xmlns:a14="http://schemas.microsoft.com/office/drawing/2010/main" xmlns="" w="9525">
+                <a14:hiddenLine xmlns="" xmlns:a14="http://schemas.microsoft.com/office/drawing/2010/main" w="9525">
                   <a:solidFill>
                     <a:schemeClr val="tx1"/>
                   </a:solidFill>
@@ -11166,7 +10986,7 @@
                 </a14:hiddenLine>
               </a:ext>
               <a:ext uri="{AF507438-7753-43e0-B8FC-AC1667EBCBE1}">
-                <a14:hiddenEffects xmlns:a14="http://schemas.microsoft.com/office/drawing/2010/main" xmlns="">
+                <a14:hiddenEffects xmlns="" xmlns:a14="http://schemas.microsoft.com/office/drawing/2010/main">
                   <a:effectLst>
                     <a:outerShdw blurRad="63500" dist="38099" dir="2700000" algn="ctr" rotWithShape="0">
                       <a:schemeClr val="bg2">
@@ -11211,7 +11031,7 @@
             <a:effectLst/>
             <a:extLst>
               <a:ext uri="{91240B29-F687-4f45-9708-019B960494DF}">
-                <a14:hiddenLine xmlns:a14="http://schemas.microsoft.com/office/drawing/2010/main" xmlns="" w="9525">
+                <a14:hiddenLine xmlns="" xmlns:a14="http://schemas.microsoft.com/office/drawing/2010/main" w="9525">
                   <a:solidFill>
                     <a:schemeClr val="tx1"/>
                   </a:solidFill>
@@ -11221,7 +11041,7 @@
                 </a14:hiddenLine>
               </a:ext>
               <a:ext uri="{AF507438-7753-43e0-B8FC-AC1667EBCBE1}">
-                <a14:hiddenEffects xmlns:a14="http://schemas.microsoft.com/office/drawing/2010/main" xmlns="">
+                <a14:hiddenEffects xmlns="" xmlns:a14="http://schemas.microsoft.com/office/drawing/2010/main">
                   <a:effectLst>
                     <a:outerShdw blurRad="63500" dist="38099" dir="2700000" algn="ctr" rotWithShape="0">
                       <a:schemeClr val="bg2">
@@ -11266,7 +11086,7 @@
             <a:effectLst/>
             <a:extLst>
               <a:ext uri="{91240B29-F687-4f45-9708-019B960494DF}">
-                <a14:hiddenLine xmlns:a14="http://schemas.microsoft.com/office/drawing/2010/main" xmlns="" w="9525">
+                <a14:hiddenLine xmlns="" xmlns:a14="http://schemas.microsoft.com/office/drawing/2010/main" w="9525">
                   <a:solidFill>
                     <a:schemeClr val="tx1"/>
                   </a:solidFill>
@@ -11276,7 +11096,7 @@
                 </a14:hiddenLine>
               </a:ext>
               <a:ext uri="{AF507438-7753-43e0-B8FC-AC1667EBCBE1}">
-                <a14:hiddenEffects xmlns:a14="http://schemas.microsoft.com/office/drawing/2010/main" xmlns="">
+                <a14:hiddenEffects xmlns="" xmlns:a14="http://schemas.microsoft.com/office/drawing/2010/main">
                   <a:effectLst>
                     <a:outerShdw blurRad="63500" dist="38099" dir="2700000" algn="ctr" rotWithShape="0">
                       <a:schemeClr val="bg2">
@@ -11321,7 +11141,7 @@
             <a:effectLst/>
             <a:extLst>
               <a:ext uri="{91240B29-F687-4f45-9708-019B960494DF}">
-                <a14:hiddenLine xmlns:a14="http://schemas.microsoft.com/office/drawing/2010/main" xmlns="" w="9525">
+                <a14:hiddenLine xmlns="" xmlns:a14="http://schemas.microsoft.com/office/drawing/2010/main" w="9525">
                   <a:solidFill>
                     <a:schemeClr val="tx1"/>
                   </a:solidFill>
@@ -11331,7 +11151,7 @@
                 </a14:hiddenLine>
               </a:ext>
               <a:ext uri="{AF507438-7753-43e0-B8FC-AC1667EBCBE1}">
-                <a14:hiddenEffects xmlns:a14="http://schemas.microsoft.com/office/drawing/2010/main" xmlns="">
+                <a14:hiddenEffects xmlns="" xmlns:a14="http://schemas.microsoft.com/office/drawing/2010/main">
                   <a:effectLst>
                     <a:outerShdw blurRad="63500" dist="38099" dir="2700000" algn="ctr" rotWithShape="0">
                       <a:schemeClr val="bg2">
@@ -12051,7 +11871,7 @@
           </a:ln>
           <a:extLst>
             <a:ext uri="{909E8E84-426E-40dd-AFC4-6F175D3DCCD1}">
-              <a14:hiddenFill xmlns:a14="http://schemas.microsoft.com/office/drawing/2010/main" xmlns="">
+              <a14:hiddenFill xmlns="" xmlns:a14="http://schemas.microsoft.com/office/drawing/2010/main">
                 <a:solidFill>
                   <a:schemeClr val="accent1"/>
                 </a:solidFill>
@@ -12116,7 +11936,7 @@
           </a:ln>
           <a:extLst>
             <a:ext uri="{909E8E84-426E-40dd-AFC4-6F175D3DCCD1}">
-              <a14:hiddenFill xmlns:a14="http://schemas.microsoft.com/office/drawing/2010/main" xmlns="">
+              <a14:hiddenFill xmlns="" xmlns:a14="http://schemas.microsoft.com/office/drawing/2010/main">
                 <a:solidFill>
                   <a:schemeClr val="accent1"/>
                 </a:solidFill>
@@ -12159,7 +11979,7 @@
           </a:ln>
           <a:extLst>
             <a:ext uri="{909E8E84-426E-40dd-AFC4-6F175D3DCCD1}">
-              <a14:hiddenFill xmlns:a14="http://schemas.microsoft.com/office/drawing/2010/main" xmlns="">
+              <a14:hiddenFill xmlns="" xmlns:a14="http://schemas.microsoft.com/office/drawing/2010/main">
                 <a:solidFill>
                   <a:schemeClr val="accent1"/>
                 </a:solidFill>
@@ -12204,7 +12024,7 @@
           </a:ln>
           <a:extLst>
             <a:ext uri="{909E8E84-426E-40dd-AFC4-6F175D3DCCD1}">
-              <a14:hiddenFill xmlns:a14="http://schemas.microsoft.com/office/drawing/2010/main" xmlns="">
+              <a14:hiddenFill xmlns="" xmlns:a14="http://schemas.microsoft.com/office/drawing/2010/main">
                 <a:noFill/>
               </a14:hiddenFill>
             </a:ext>
@@ -12233,14 +12053,14 @@
           </a:ln>
           <a:extLst>
             <a:ext uri="{909E8E84-426E-40dd-AFC4-6F175D3DCCD1}">
-              <a14:hiddenFill xmlns:a14="http://schemas.microsoft.com/office/drawing/2010/main" xmlns="">
+              <a14:hiddenFill xmlns="" xmlns:a14="http://schemas.microsoft.com/office/drawing/2010/main">
                 <a:solidFill>
                   <a:schemeClr val="accent1"/>
                 </a:solidFill>
               </a14:hiddenFill>
             </a:ext>
             <a:ext uri="{91240B29-F687-4f45-9708-019B960494DF}">
-              <a14:hiddenLine xmlns:a14="http://schemas.microsoft.com/office/drawing/2010/main" xmlns="" w="9525">
+              <a14:hiddenLine xmlns="" xmlns:a14="http://schemas.microsoft.com/office/drawing/2010/main" w="9525">
                 <a:solidFill>
                   <a:schemeClr val="tx1"/>
                 </a:solidFill>
@@ -12286,14 +12106,14 @@
           </a:ln>
           <a:extLst>
             <a:ext uri="{909E8E84-426E-40dd-AFC4-6F175D3DCCD1}">
-              <a14:hiddenFill xmlns:a14="http://schemas.microsoft.com/office/drawing/2010/main" xmlns="">
+              <a14:hiddenFill xmlns="" xmlns:a14="http://schemas.microsoft.com/office/drawing/2010/main">
                 <a:solidFill>
                   <a:schemeClr val="accent1"/>
                 </a:solidFill>
               </a14:hiddenFill>
             </a:ext>
             <a:ext uri="{91240B29-F687-4f45-9708-019B960494DF}">
-              <a14:hiddenLine xmlns:a14="http://schemas.microsoft.com/office/drawing/2010/main" xmlns="" w="9525">
+              <a14:hiddenLine xmlns="" xmlns:a14="http://schemas.microsoft.com/office/drawing/2010/main" w="9525">
                 <a:solidFill>
                   <a:schemeClr val="tx1"/>
                 </a:solidFill>
@@ -12348,7 +12168,7 @@
           </a:ln>
           <a:extLst>
             <a:ext uri="{909E8E84-426E-40dd-AFC4-6F175D3DCCD1}">
-              <a14:hiddenFill xmlns:a14="http://schemas.microsoft.com/office/drawing/2010/main" xmlns="">
+              <a14:hiddenFill xmlns="" xmlns:a14="http://schemas.microsoft.com/office/drawing/2010/main">
                 <a:solidFill>
                   <a:schemeClr val="accent1"/>
                 </a:solidFill>
@@ -12391,14 +12211,14 @@
           </a:ln>
           <a:extLst>
             <a:ext uri="{909E8E84-426E-40dd-AFC4-6F175D3DCCD1}">
-              <a14:hiddenFill xmlns:a14="http://schemas.microsoft.com/office/drawing/2010/main" xmlns="">
+              <a14:hiddenFill xmlns="" xmlns:a14="http://schemas.microsoft.com/office/drawing/2010/main">
                 <a:solidFill>
                   <a:schemeClr val="accent1"/>
                 </a:solidFill>
               </a14:hiddenFill>
             </a:ext>
             <a:ext uri="{91240B29-F687-4f45-9708-019B960494DF}">
-              <a14:hiddenLine xmlns:a14="http://schemas.microsoft.com/office/drawing/2010/main" xmlns="" w="9525">
+              <a14:hiddenLine xmlns="" xmlns:a14="http://schemas.microsoft.com/office/drawing/2010/main" w="9525">
                 <a:solidFill>
                   <a:schemeClr val="tx1"/>
                 </a:solidFill>
@@ -12453,7 +12273,7 @@
           </a:ln>
           <a:extLst>
             <a:ext uri="{909E8E84-426E-40dd-AFC4-6F175D3DCCD1}">
-              <a14:hiddenFill xmlns:a14="http://schemas.microsoft.com/office/drawing/2010/main" xmlns="">
+              <a14:hiddenFill xmlns="" xmlns:a14="http://schemas.microsoft.com/office/drawing/2010/main">
                 <a:noFill/>
               </a14:hiddenFill>
             </a:ext>
@@ -12487,7 +12307,7 @@
           </a:ln>
           <a:extLst>
             <a:ext uri="{909E8E84-426E-40dd-AFC4-6F175D3DCCD1}">
-              <a14:hiddenFill xmlns:a14="http://schemas.microsoft.com/office/drawing/2010/main" xmlns="">
+              <a14:hiddenFill xmlns="" xmlns:a14="http://schemas.microsoft.com/office/drawing/2010/main">
                 <a:solidFill>
                   <a:schemeClr val="accent1"/>
                 </a:solidFill>
@@ -12660,7 +12480,7 @@
           </a:ln>
           <a:extLst>
             <a:ext uri="{909E8E84-426E-40dd-AFC4-6F175D3DCCD1}">
-              <a14:hiddenFill xmlns:a14="http://schemas.microsoft.com/office/drawing/2010/main" xmlns="">
+              <a14:hiddenFill xmlns="" xmlns:a14="http://schemas.microsoft.com/office/drawing/2010/main">
                 <a:solidFill>
                   <a:schemeClr val="accent1"/>
                 </a:solidFill>
@@ -12725,7 +12545,7 @@
           </a:ln>
           <a:extLst>
             <a:ext uri="{909E8E84-426E-40dd-AFC4-6F175D3DCCD1}">
-              <a14:hiddenFill xmlns:a14="http://schemas.microsoft.com/office/drawing/2010/main" xmlns="">
+              <a14:hiddenFill xmlns="" xmlns:a14="http://schemas.microsoft.com/office/drawing/2010/main">
                 <a:solidFill>
                   <a:schemeClr val="accent1"/>
                 </a:solidFill>
@@ -12768,7 +12588,7 @@
           </a:ln>
           <a:extLst>
             <a:ext uri="{909E8E84-426E-40dd-AFC4-6F175D3DCCD1}">
-              <a14:hiddenFill xmlns:a14="http://schemas.microsoft.com/office/drawing/2010/main" xmlns="">
+              <a14:hiddenFill xmlns="" xmlns:a14="http://schemas.microsoft.com/office/drawing/2010/main">
                 <a:solidFill>
                   <a:schemeClr val="accent1"/>
                 </a:solidFill>
@@ -12813,7 +12633,7 @@
           </a:ln>
           <a:extLst>
             <a:ext uri="{909E8E84-426E-40dd-AFC4-6F175D3DCCD1}">
-              <a14:hiddenFill xmlns:a14="http://schemas.microsoft.com/office/drawing/2010/main" xmlns="">
+              <a14:hiddenFill xmlns="" xmlns:a14="http://schemas.microsoft.com/office/drawing/2010/main">
                 <a:noFill/>
               </a14:hiddenFill>
             </a:ext>
@@ -12842,14 +12662,14 @@
           </a:ln>
           <a:extLst>
             <a:ext uri="{909E8E84-426E-40dd-AFC4-6F175D3DCCD1}">
-              <a14:hiddenFill xmlns:a14="http://schemas.microsoft.com/office/drawing/2010/main" xmlns="">
+              <a14:hiddenFill xmlns="" xmlns:a14="http://schemas.microsoft.com/office/drawing/2010/main">
                 <a:solidFill>
                   <a:schemeClr val="accent1"/>
                 </a:solidFill>
               </a14:hiddenFill>
             </a:ext>
             <a:ext uri="{91240B29-F687-4f45-9708-019B960494DF}">
-              <a14:hiddenLine xmlns:a14="http://schemas.microsoft.com/office/drawing/2010/main" xmlns="" w="9525">
+              <a14:hiddenLine xmlns="" xmlns:a14="http://schemas.microsoft.com/office/drawing/2010/main" w="9525">
                 <a:solidFill>
                   <a:schemeClr val="tx1"/>
                 </a:solidFill>
@@ -12895,14 +12715,14 @@
           </a:ln>
           <a:extLst>
             <a:ext uri="{909E8E84-426E-40dd-AFC4-6F175D3DCCD1}">
-              <a14:hiddenFill xmlns:a14="http://schemas.microsoft.com/office/drawing/2010/main" xmlns="">
+              <a14:hiddenFill xmlns="" xmlns:a14="http://schemas.microsoft.com/office/drawing/2010/main">
                 <a:solidFill>
                   <a:schemeClr val="accent1"/>
                 </a:solidFill>
               </a14:hiddenFill>
             </a:ext>
             <a:ext uri="{91240B29-F687-4f45-9708-019B960494DF}">
-              <a14:hiddenLine xmlns:a14="http://schemas.microsoft.com/office/drawing/2010/main" xmlns="" w="9525">
+              <a14:hiddenLine xmlns="" xmlns:a14="http://schemas.microsoft.com/office/drawing/2010/main" w="9525">
                 <a:solidFill>
                   <a:schemeClr val="tx1"/>
                 </a:solidFill>
@@ -12957,7 +12777,7 @@
           </a:ln>
           <a:extLst>
             <a:ext uri="{909E8E84-426E-40dd-AFC4-6F175D3DCCD1}">
-              <a14:hiddenFill xmlns:a14="http://schemas.microsoft.com/office/drawing/2010/main" xmlns="">
+              <a14:hiddenFill xmlns="" xmlns:a14="http://schemas.microsoft.com/office/drawing/2010/main">
                 <a:solidFill>
                   <a:schemeClr val="accent1"/>
                 </a:solidFill>
@@ -13000,14 +12820,14 @@
           </a:ln>
           <a:extLst>
             <a:ext uri="{909E8E84-426E-40dd-AFC4-6F175D3DCCD1}">
-              <a14:hiddenFill xmlns:a14="http://schemas.microsoft.com/office/drawing/2010/main" xmlns="">
+              <a14:hiddenFill xmlns="" xmlns:a14="http://schemas.microsoft.com/office/drawing/2010/main">
                 <a:solidFill>
                   <a:schemeClr val="accent1"/>
                 </a:solidFill>
               </a14:hiddenFill>
             </a:ext>
             <a:ext uri="{91240B29-F687-4f45-9708-019B960494DF}">
-              <a14:hiddenLine xmlns:a14="http://schemas.microsoft.com/office/drawing/2010/main" xmlns="" w="9525">
+              <a14:hiddenLine xmlns="" xmlns:a14="http://schemas.microsoft.com/office/drawing/2010/main" w="9525">
                 <a:solidFill>
                   <a:schemeClr val="tx1"/>
                 </a:solidFill>
@@ -13062,7 +12882,7 @@
           </a:ln>
           <a:extLst>
             <a:ext uri="{909E8E84-426E-40dd-AFC4-6F175D3DCCD1}">
-              <a14:hiddenFill xmlns:a14="http://schemas.microsoft.com/office/drawing/2010/main" xmlns="">
+              <a14:hiddenFill xmlns="" xmlns:a14="http://schemas.microsoft.com/office/drawing/2010/main">
                 <a:noFill/>
               </a14:hiddenFill>
             </a:ext>
@@ -13130,14 +12950,14 @@
           </a:ln>
           <a:extLst>
             <a:ext uri="{909E8E84-426E-40dd-AFC4-6F175D3DCCD1}">
-              <a14:hiddenFill xmlns:a14="http://schemas.microsoft.com/office/drawing/2010/main" xmlns="">
+              <a14:hiddenFill xmlns="" xmlns:a14="http://schemas.microsoft.com/office/drawing/2010/main">
                 <a:solidFill>
                   <a:schemeClr val="accent1"/>
                 </a:solidFill>
               </a14:hiddenFill>
             </a:ext>
             <a:ext uri="{91240B29-F687-4f45-9708-019B960494DF}">
-              <a14:hiddenLine xmlns:a14="http://schemas.microsoft.com/office/drawing/2010/main" xmlns="" w="9525">
+              <a14:hiddenLine xmlns="" xmlns:a14="http://schemas.microsoft.com/office/drawing/2010/main" w="9525">
                 <a:solidFill>
                   <a:schemeClr val="tx1"/>
                 </a:solidFill>
@@ -13194,7 +13014,7 @@
           </a:ln>
           <a:extLst>
             <a:ext uri="{909E8E84-426E-40dd-AFC4-6F175D3DCCD1}">
-              <a14:hiddenFill xmlns:a14="http://schemas.microsoft.com/office/drawing/2010/main" xmlns="">
+              <a14:hiddenFill xmlns="" xmlns:a14="http://schemas.microsoft.com/office/drawing/2010/main">
                 <a:solidFill>
                   <a:schemeClr val="accent1"/>
                 </a:solidFill>
@@ -13367,7 +13187,7 @@
           </a:ln>
           <a:extLst>
             <a:ext uri="{909E8E84-426E-40dd-AFC4-6F175D3DCCD1}">
-              <a14:hiddenFill xmlns:a14="http://schemas.microsoft.com/office/drawing/2010/main" xmlns="">
+              <a14:hiddenFill xmlns="" xmlns:a14="http://schemas.microsoft.com/office/drawing/2010/main">
                 <a:solidFill>
                   <a:schemeClr val="accent1"/>
                 </a:solidFill>
@@ -13432,7 +13252,7 @@
           </a:ln>
           <a:extLst>
             <a:ext uri="{909E8E84-426E-40dd-AFC4-6F175D3DCCD1}">
-              <a14:hiddenFill xmlns:a14="http://schemas.microsoft.com/office/drawing/2010/main" xmlns="">
+              <a14:hiddenFill xmlns="" xmlns:a14="http://schemas.microsoft.com/office/drawing/2010/main">
                 <a:solidFill>
                   <a:schemeClr val="accent1"/>
                 </a:solidFill>
@@ -13475,7 +13295,7 @@
           </a:ln>
           <a:extLst>
             <a:ext uri="{909E8E84-426E-40dd-AFC4-6F175D3DCCD1}">
-              <a14:hiddenFill xmlns:a14="http://schemas.microsoft.com/office/drawing/2010/main" xmlns="">
+              <a14:hiddenFill xmlns="" xmlns:a14="http://schemas.microsoft.com/office/drawing/2010/main">
                 <a:solidFill>
                   <a:schemeClr val="accent1"/>
                 </a:solidFill>
@@ -13520,7 +13340,7 @@
           </a:ln>
           <a:extLst>
             <a:ext uri="{909E8E84-426E-40dd-AFC4-6F175D3DCCD1}">
-              <a14:hiddenFill xmlns:a14="http://schemas.microsoft.com/office/drawing/2010/main" xmlns="">
+              <a14:hiddenFill xmlns="" xmlns:a14="http://schemas.microsoft.com/office/drawing/2010/main">
                 <a:noFill/>
               </a14:hiddenFill>
             </a:ext>
@@ -13549,14 +13369,14 @@
           </a:ln>
           <a:extLst>
             <a:ext uri="{909E8E84-426E-40dd-AFC4-6F175D3DCCD1}">
-              <a14:hiddenFill xmlns:a14="http://schemas.microsoft.com/office/drawing/2010/main" xmlns="">
+              <a14:hiddenFill xmlns="" xmlns:a14="http://schemas.microsoft.com/office/drawing/2010/main">
                 <a:solidFill>
                   <a:schemeClr val="accent1"/>
                 </a:solidFill>
               </a14:hiddenFill>
             </a:ext>
             <a:ext uri="{91240B29-F687-4f45-9708-019B960494DF}">
-              <a14:hiddenLine xmlns:a14="http://schemas.microsoft.com/office/drawing/2010/main" xmlns="" w="9525">
+              <a14:hiddenLine xmlns="" xmlns:a14="http://schemas.microsoft.com/office/drawing/2010/main" w="9525">
                 <a:solidFill>
                   <a:schemeClr val="tx1"/>
                 </a:solidFill>
@@ -13602,14 +13422,14 @@
           </a:ln>
           <a:extLst>
             <a:ext uri="{909E8E84-426E-40dd-AFC4-6F175D3DCCD1}">
-              <a14:hiddenFill xmlns:a14="http://schemas.microsoft.com/office/drawing/2010/main" xmlns="">
+              <a14:hiddenFill xmlns="" xmlns:a14="http://schemas.microsoft.com/office/drawing/2010/main">
                 <a:solidFill>
                   <a:schemeClr val="accent1"/>
                 </a:solidFill>
               </a14:hiddenFill>
             </a:ext>
             <a:ext uri="{91240B29-F687-4f45-9708-019B960494DF}">
-              <a14:hiddenLine xmlns:a14="http://schemas.microsoft.com/office/drawing/2010/main" xmlns="" w="9525">
+              <a14:hiddenLine xmlns="" xmlns:a14="http://schemas.microsoft.com/office/drawing/2010/main" w="9525">
                 <a:solidFill>
                   <a:schemeClr val="tx1"/>
                 </a:solidFill>
@@ -13664,7 +13484,7 @@
           </a:ln>
           <a:extLst>
             <a:ext uri="{909E8E84-426E-40dd-AFC4-6F175D3DCCD1}">
-              <a14:hiddenFill xmlns:a14="http://schemas.microsoft.com/office/drawing/2010/main" xmlns="">
+              <a14:hiddenFill xmlns="" xmlns:a14="http://schemas.microsoft.com/office/drawing/2010/main">
                 <a:solidFill>
                   <a:schemeClr val="accent1"/>
                 </a:solidFill>
@@ -13707,14 +13527,14 @@
           </a:ln>
           <a:extLst>
             <a:ext uri="{909E8E84-426E-40dd-AFC4-6F175D3DCCD1}">
-              <a14:hiddenFill xmlns:a14="http://schemas.microsoft.com/office/drawing/2010/main" xmlns="">
+              <a14:hiddenFill xmlns="" xmlns:a14="http://schemas.microsoft.com/office/drawing/2010/main">
                 <a:solidFill>
                   <a:schemeClr val="accent1"/>
                 </a:solidFill>
               </a14:hiddenFill>
             </a:ext>
             <a:ext uri="{91240B29-F687-4f45-9708-019B960494DF}">
-              <a14:hiddenLine xmlns:a14="http://schemas.microsoft.com/office/drawing/2010/main" xmlns="" w="9525">
+              <a14:hiddenLine xmlns="" xmlns:a14="http://schemas.microsoft.com/office/drawing/2010/main" w="9525">
                 <a:solidFill>
                   <a:schemeClr val="tx1"/>
                 </a:solidFill>
@@ -13769,7 +13589,7 @@
           </a:ln>
           <a:extLst>
             <a:ext uri="{909E8E84-426E-40dd-AFC4-6F175D3DCCD1}">
-              <a14:hiddenFill xmlns:a14="http://schemas.microsoft.com/office/drawing/2010/main" xmlns="">
+              <a14:hiddenFill xmlns="" xmlns:a14="http://schemas.microsoft.com/office/drawing/2010/main">
                 <a:noFill/>
               </a14:hiddenFill>
             </a:ext>
@@ -13837,14 +13657,14 @@
           </a:ln>
           <a:extLst>
             <a:ext uri="{909E8E84-426E-40dd-AFC4-6F175D3DCCD1}">
-              <a14:hiddenFill xmlns:a14="http://schemas.microsoft.com/office/drawing/2010/main" xmlns="">
+              <a14:hiddenFill xmlns="" xmlns:a14="http://schemas.microsoft.com/office/drawing/2010/main">
                 <a:solidFill>
                   <a:schemeClr val="accent1"/>
                 </a:solidFill>
               </a14:hiddenFill>
             </a:ext>
             <a:ext uri="{91240B29-F687-4f45-9708-019B960494DF}">
-              <a14:hiddenLine xmlns:a14="http://schemas.microsoft.com/office/drawing/2010/main" xmlns="" w="9525">
+              <a14:hiddenLine xmlns="" xmlns:a14="http://schemas.microsoft.com/office/drawing/2010/main" w="9525">
                 <a:solidFill>
                   <a:schemeClr val="tx1"/>
                 </a:solidFill>
@@ -13901,7 +13721,7 @@
           </a:ln>
           <a:extLst>
             <a:ext uri="{909E8E84-426E-40dd-AFC4-6F175D3DCCD1}">
-              <a14:hiddenFill xmlns:a14="http://schemas.microsoft.com/office/drawing/2010/main" xmlns="">
+              <a14:hiddenFill xmlns="" xmlns:a14="http://schemas.microsoft.com/office/drawing/2010/main">
                 <a:solidFill>
                   <a:schemeClr val="accent1"/>
                 </a:solidFill>
@@ -14044,14 +13864,14 @@
           </a:ln>
           <a:extLst>
             <a:ext uri="{909E8E84-426E-40dd-AFC4-6F175D3DCCD1}">
-              <a14:hiddenFill xmlns:a14="http://schemas.microsoft.com/office/drawing/2010/main" xmlns="">
+              <a14:hiddenFill xmlns="" xmlns:a14="http://schemas.microsoft.com/office/drawing/2010/main">
                 <a:solidFill>
                   <a:schemeClr val="accent1"/>
                 </a:solidFill>
               </a14:hiddenFill>
             </a:ext>
             <a:ext uri="{91240B29-F687-4f45-9708-019B960494DF}">
-              <a14:hiddenLine xmlns:a14="http://schemas.microsoft.com/office/drawing/2010/main" xmlns="" w="9525">
+              <a14:hiddenLine xmlns="" xmlns:a14="http://schemas.microsoft.com/office/drawing/2010/main" w="9525">
                 <a:solidFill>
                   <a:schemeClr val="tx1"/>
                 </a:solidFill>
@@ -14133,7 +13953,7 @@
           </a:ln>
           <a:extLst>
             <a:ext uri="{909E8E84-426E-40dd-AFC4-6F175D3DCCD1}">
-              <a14:hiddenFill xmlns:a14="http://schemas.microsoft.com/office/drawing/2010/main" xmlns="">
+              <a14:hiddenFill xmlns="" xmlns:a14="http://schemas.microsoft.com/office/drawing/2010/main">
                 <a:solidFill>
                   <a:schemeClr val="accent1"/>
                 </a:solidFill>
@@ -14198,7 +14018,7 @@
           </a:ln>
           <a:extLst>
             <a:ext uri="{909E8E84-426E-40dd-AFC4-6F175D3DCCD1}">
-              <a14:hiddenFill xmlns:a14="http://schemas.microsoft.com/office/drawing/2010/main" xmlns="">
+              <a14:hiddenFill xmlns="" xmlns:a14="http://schemas.microsoft.com/office/drawing/2010/main">
                 <a:solidFill>
                   <a:schemeClr val="accent1"/>
                 </a:solidFill>
@@ -14241,7 +14061,7 @@
           </a:ln>
           <a:extLst>
             <a:ext uri="{909E8E84-426E-40dd-AFC4-6F175D3DCCD1}">
-              <a14:hiddenFill xmlns:a14="http://schemas.microsoft.com/office/drawing/2010/main" xmlns="">
+              <a14:hiddenFill xmlns="" xmlns:a14="http://schemas.microsoft.com/office/drawing/2010/main">
                 <a:solidFill>
                   <a:schemeClr val="accent1"/>
                 </a:solidFill>
@@ -14286,7 +14106,7 @@
           </a:ln>
           <a:extLst>
             <a:ext uri="{909E8E84-426E-40dd-AFC4-6F175D3DCCD1}">
-              <a14:hiddenFill xmlns:a14="http://schemas.microsoft.com/office/drawing/2010/main" xmlns="">
+              <a14:hiddenFill xmlns="" xmlns:a14="http://schemas.microsoft.com/office/drawing/2010/main">
                 <a:noFill/>
               </a14:hiddenFill>
             </a:ext>
@@ -14315,14 +14135,14 @@
           </a:ln>
           <a:extLst>
             <a:ext uri="{909E8E84-426E-40dd-AFC4-6F175D3DCCD1}">
-              <a14:hiddenFill xmlns:a14="http://schemas.microsoft.com/office/drawing/2010/main" xmlns="">
+              <a14:hiddenFill xmlns="" xmlns:a14="http://schemas.microsoft.com/office/drawing/2010/main">
                 <a:solidFill>
                   <a:schemeClr val="accent1"/>
                 </a:solidFill>
               </a14:hiddenFill>
             </a:ext>
             <a:ext uri="{91240B29-F687-4f45-9708-019B960494DF}">
-              <a14:hiddenLine xmlns:a14="http://schemas.microsoft.com/office/drawing/2010/main" xmlns="" w="9525">
+              <a14:hiddenLine xmlns="" xmlns:a14="http://schemas.microsoft.com/office/drawing/2010/main" w="9525">
                 <a:solidFill>
                   <a:schemeClr val="tx1"/>
                 </a:solidFill>
@@ -14368,14 +14188,14 @@
           </a:ln>
           <a:extLst>
             <a:ext uri="{909E8E84-426E-40dd-AFC4-6F175D3DCCD1}">
-              <a14:hiddenFill xmlns:a14="http://schemas.microsoft.com/office/drawing/2010/main" xmlns="">
+              <a14:hiddenFill xmlns="" xmlns:a14="http://schemas.microsoft.com/office/drawing/2010/main">
                 <a:solidFill>
                   <a:schemeClr val="accent1"/>
                 </a:solidFill>
               </a14:hiddenFill>
             </a:ext>
             <a:ext uri="{91240B29-F687-4f45-9708-019B960494DF}">
-              <a14:hiddenLine xmlns:a14="http://schemas.microsoft.com/office/drawing/2010/main" xmlns="" w="9525">
+              <a14:hiddenLine xmlns="" xmlns:a14="http://schemas.microsoft.com/office/drawing/2010/main" w="9525">
                 <a:solidFill>
                   <a:schemeClr val="tx1"/>
                 </a:solidFill>
@@ -14430,7 +14250,7 @@
           </a:ln>
           <a:extLst>
             <a:ext uri="{909E8E84-426E-40dd-AFC4-6F175D3DCCD1}">
-              <a14:hiddenFill xmlns:a14="http://schemas.microsoft.com/office/drawing/2010/main" xmlns="">
+              <a14:hiddenFill xmlns="" xmlns:a14="http://schemas.microsoft.com/office/drawing/2010/main">
                 <a:solidFill>
                   <a:schemeClr val="accent1"/>
                 </a:solidFill>
@@ -14473,14 +14293,14 @@
           </a:ln>
           <a:extLst>
             <a:ext uri="{909E8E84-426E-40dd-AFC4-6F175D3DCCD1}">
-              <a14:hiddenFill xmlns:a14="http://schemas.microsoft.com/office/drawing/2010/main" xmlns="">
+              <a14:hiddenFill xmlns="" xmlns:a14="http://schemas.microsoft.com/office/drawing/2010/main">
                 <a:solidFill>
                   <a:schemeClr val="accent1"/>
                 </a:solidFill>
               </a14:hiddenFill>
             </a:ext>
             <a:ext uri="{91240B29-F687-4f45-9708-019B960494DF}">
-              <a14:hiddenLine xmlns:a14="http://schemas.microsoft.com/office/drawing/2010/main" xmlns="" w="9525">
+              <a14:hiddenLine xmlns="" xmlns:a14="http://schemas.microsoft.com/office/drawing/2010/main" w="9525">
                 <a:solidFill>
                   <a:schemeClr val="tx1"/>
                 </a:solidFill>
@@ -14535,7 +14355,7 @@
           </a:ln>
           <a:extLst>
             <a:ext uri="{909E8E84-426E-40dd-AFC4-6F175D3DCCD1}">
-              <a14:hiddenFill xmlns:a14="http://schemas.microsoft.com/office/drawing/2010/main" xmlns="">
+              <a14:hiddenFill xmlns="" xmlns:a14="http://schemas.microsoft.com/office/drawing/2010/main">
                 <a:noFill/>
               </a14:hiddenFill>
             </a:ext>
@@ -14603,14 +14423,14 @@
           </a:ln>
           <a:extLst>
             <a:ext uri="{909E8E84-426E-40dd-AFC4-6F175D3DCCD1}">
-              <a14:hiddenFill xmlns:a14="http://schemas.microsoft.com/office/drawing/2010/main" xmlns="">
+              <a14:hiddenFill xmlns="" xmlns:a14="http://schemas.microsoft.com/office/drawing/2010/main">
                 <a:solidFill>
                   <a:schemeClr val="accent1"/>
                 </a:solidFill>
               </a14:hiddenFill>
             </a:ext>
             <a:ext uri="{91240B29-F687-4f45-9708-019B960494DF}">
-              <a14:hiddenLine xmlns:a14="http://schemas.microsoft.com/office/drawing/2010/main" xmlns="" w="9525">
+              <a14:hiddenLine xmlns="" xmlns:a14="http://schemas.microsoft.com/office/drawing/2010/main" w="9525">
                 <a:solidFill>
                   <a:schemeClr val="tx1"/>
                 </a:solidFill>
@@ -14667,7 +14487,7 @@
           </a:ln>
           <a:extLst>
             <a:ext uri="{909E8E84-426E-40dd-AFC4-6F175D3DCCD1}">
-              <a14:hiddenFill xmlns:a14="http://schemas.microsoft.com/office/drawing/2010/main" xmlns="">
+              <a14:hiddenFill xmlns="" xmlns:a14="http://schemas.microsoft.com/office/drawing/2010/main">
                 <a:solidFill>
                   <a:schemeClr val="accent1"/>
                 </a:solidFill>
@@ -14810,14 +14630,14 @@
           </a:ln>
           <a:extLst>
             <a:ext uri="{909E8E84-426E-40dd-AFC4-6F175D3DCCD1}">
-              <a14:hiddenFill xmlns:a14="http://schemas.microsoft.com/office/drawing/2010/main" xmlns="">
+              <a14:hiddenFill xmlns="" xmlns:a14="http://schemas.microsoft.com/office/drawing/2010/main">
                 <a:solidFill>
                   <a:schemeClr val="accent1"/>
                 </a:solidFill>
               </a14:hiddenFill>
             </a:ext>
             <a:ext uri="{91240B29-F687-4f45-9708-019B960494DF}">
-              <a14:hiddenLine xmlns:a14="http://schemas.microsoft.com/office/drawing/2010/main" xmlns="" w="9525">
+              <a14:hiddenLine xmlns="" xmlns:a14="http://schemas.microsoft.com/office/drawing/2010/main" w="9525">
                 <a:solidFill>
                   <a:schemeClr val="tx1"/>
                 </a:solidFill>
@@ -14899,7 +14719,7 @@
           </a:ln>
           <a:extLst>
             <a:ext uri="{909E8E84-426E-40dd-AFC4-6F175D3DCCD1}">
-              <a14:hiddenFill xmlns:a14="http://schemas.microsoft.com/office/drawing/2010/main" xmlns="">
+              <a14:hiddenFill xmlns="" xmlns:a14="http://schemas.microsoft.com/office/drawing/2010/main">
                 <a:solidFill>
                   <a:schemeClr val="accent1"/>
                 </a:solidFill>
@@ -14964,7 +14784,7 @@
           </a:ln>
           <a:extLst>
             <a:ext uri="{909E8E84-426E-40dd-AFC4-6F175D3DCCD1}">
-              <a14:hiddenFill xmlns:a14="http://schemas.microsoft.com/office/drawing/2010/main" xmlns="">
+              <a14:hiddenFill xmlns="" xmlns:a14="http://schemas.microsoft.com/office/drawing/2010/main">
                 <a:solidFill>
                   <a:schemeClr val="accent1"/>
                 </a:solidFill>
@@ -15007,7 +14827,7 @@
           </a:ln>
           <a:extLst>
             <a:ext uri="{909E8E84-426E-40dd-AFC4-6F175D3DCCD1}">
-              <a14:hiddenFill xmlns:a14="http://schemas.microsoft.com/office/drawing/2010/main" xmlns="">
+              <a14:hiddenFill xmlns="" xmlns:a14="http://schemas.microsoft.com/office/drawing/2010/main">
                 <a:solidFill>
                   <a:schemeClr val="accent1"/>
                 </a:solidFill>
@@ -15052,7 +14872,7 @@
           </a:ln>
           <a:extLst>
             <a:ext uri="{909E8E84-426E-40dd-AFC4-6F175D3DCCD1}">
-              <a14:hiddenFill xmlns:a14="http://schemas.microsoft.com/office/drawing/2010/main" xmlns="">
+              <a14:hiddenFill xmlns="" xmlns:a14="http://schemas.microsoft.com/office/drawing/2010/main">
                 <a:noFill/>
               </a14:hiddenFill>
             </a:ext>
@@ -15081,14 +14901,14 @@
           </a:ln>
           <a:extLst>
             <a:ext uri="{909E8E84-426E-40dd-AFC4-6F175D3DCCD1}">
-              <a14:hiddenFill xmlns:a14="http://schemas.microsoft.com/office/drawing/2010/main" xmlns="">
+              <a14:hiddenFill xmlns="" xmlns:a14="http://schemas.microsoft.com/office/drawing/2010/main">
                 <a:solidFill>
                   <a:schemeClr val="accent1"/>
                 </a:solidFill>
               </a14:hiddenFill>
             </a:ext>
             <a:ext uri="{91240B29-F687-4f45-9708-019B960494DF}">
-              <a14:hiddenLine xmlns:a14="http://schemas.microsoft.com/office/drawing/2010/main" xmlns="" w="9525">
+              <a14:hiddenLine xmlns="" xmlns:a14="http://schemas.microsoft.com/office/drawing/2010/main" w="9525">
                 <a:solidFill>
                   <a:schemeClr val="tx1"/>
                 </a:solidFill>
@@ -15134,14 +14954,14 @@
           </a:ln>
           <a:extLst>
             <a:ext uri="{909E8E84-426E-40dd-AFC4-6F175D3DCCD1}">
-              <a14:hiddenFill xmlns:a14="http://schemas.microsoft.com/office/drawing/2010/main" xmlns="">
+              <a14:hiddenFill xmlns="" xmlns:a14="http://schemas.microsoft.com/office/drawing/2010/main">
                 <a:solidFill>
                   <a:schemeClr val="accent1"/>
                 </a:solidFill>
               </a14:hiddenFill>
             </a:ext>
             <a:ext uri="{91240B29-F687-4f45-9708-019B960494DF}">
-              <a14:hiddenLine xmlns:a14="http://schemas.microsoft.com/office/drawing/2010/main" xmlns="" w="9525">
+              <a14:hiddenLine xmlns="" xmlns:a14="http://schemas.microsoft.com/office/drawing/2010/main" w="9525">
                 <a:solidFill>
                   <a:schemeClr val="tx1"/>
                 </a:solidFill>
@@ -15192,7 +15012,7 @@
           </a:ln>
           <a:extLst>
             <a:ext uri="{909E8E84-426E-40dd-AFC4-6F175D3DCCD1}">
-              <a14:hiddenFill xmlns:a14="http://schemas.microsoft.com/office/drawing/2010/main" xmlns="">
+              <a14:hiddenFill xmlns="" xmlns:a14="http://schemas.microsoft.com/office/drawing/2010/main">
                 <a:solidFill>
                   <a:schemeClr val="accent1"/>
                 </a:solidFill>
@@ -15235,14 +15055,14 @@
           </a:ln>
           <a:extLst>
             <a:ext uri="{909E8E84-426E-40dd-AFC4-6F175D3DCCD1}">
-              <a14:hiddenFill xmlns:a14="http://schemas.microsoft.com/office/drawing/2010/main" xmlns="">
+              <a14:hiddenFill xmlns="" xmlns:a14="http://schemas.microsoft.com/office/drawing/2010/main">
                 <a:solidFill>
                   <a:schemeClr val="accent1"/>
                 </a:solidFill>
               </a14:hiddenFill>
             </a:ext>
             <a:ext uri="{91240B29-F687-4f45-9708-019B960494DF}">
-              <a14:hiddenLine xmlns:a14="http://schemas.microsoft.com/office/drawing/2010/main" xmlns="" w="9525">
+              <a14:hiddenLine xmlns="" xmlns:a14="http://schemas.microsoft.com/office/drawing/2010/main" w="9525">
                 <a:solidFill>
                   <a:schemeClr val="tx1"/>
                 </a:solidFill>
@@ -15297,7 +15117,7 @@
           </a:ln>
           <a:extLst>
             <a:ext uri="{909E8E84-426E-40dd-AFC4-6F175D3DCCD1}">
-              <a14:hiddenFill xmlns:a14="http://schemas.microsoft.com/office/drawing/2010/main" xmlns="">
+              <a14:hiddenFill xmlns="" xmlns:a14="http://schemas.microsoft.com/office/drawing/2010/main">
                 <a:noFill/>
               </a14:hiddenFill>
             </a:ext>
@@ -15365,14 +15185,14 @@
           </a:ln>
           <a:extLst>
             <a:ext uri="{909E8E84-426E-40dd-AFC4-6F175D3DCCD1}">
-              <a14:hiddenFill xmlns:a14="http://schemas.microsoft.com/office/drawing/2010/main" xmlns="">
+              <a14:hiddenFill xmlns="" xmlns:a14="http://schemas.microsoft.com/office/drawing/2010/main">
                 <a:solidFill>
                   <a:schemeClr val="accent1"/>
                 </a:solidFill>
               </a14:hiddenFill>
             </a:ext>
             <a:ext uri="{91240B29-F687-4f45-9708-019B960494DF}">
-              <a14:hiddenLine xmlns:a14="http://schemas.microsoft.com/office/drawing/2010/main" xmlns="" w="9525">
+              <a14:hiddenLine xmlns="" xmlns:a14="http://schemas.microsoft.com/office/drawing/2010/main" w="9525">
                 <a:solidFill>
                   <a:schemeClr val="tx1"/>
                 </a:solidFill>
@@ -15444,7 +15264,7 @@
           </a:ln>
           <a:extLst>
             <a:ext uri="{909E8E84-426E-40dd-AFC4-6F175D3DCCD1}">
-              <a14:hiddenFill xmlns:a14="http://schemas.microsoft.com/office/drawing/2010/main" xmlns="">
+              <a14:hiddenFill xmlns="" xmlns:a14="http://schemas.microsoft.com/office/drawing/2010/main">
                 <a:solidFill>
                   <a:schemeClr val="accent1"/>
                 </a:solidFill>
@@ -15587,14 +15407,14 @@
           </a:ln>
           <a:extLst>
             <a:ext uri="{909E8E84-426E-40dd-AFC4-6F175D3DCCD1}">
-              <a14:hiddenFill xmlns:a14="http://schemas.microsoft.com/office/drawing/2010/main" xmlns="">
+              <a14:hiddenFill xmlns="" xmlns:a14="http://schemas.microsoft.com/office/drawing/2010/main">
                 <a:solidFill>
                   <a:schemeClr val="accent1"/>
                 </a:solidFill>
               </a14:hiddenFill>
             </a:ext>
             <a:ext uri="{91240B29-F687-4f45-9708-019B960494DF}">
-              <a14:hiddenLine xmlns:a14="http://schemas.microsoft.com/office/drawing/2010/main" xmlns="" w="9525">
+              <a14:hiddenLine xmlns="" xmlns:a14="http://schemas.microsoft.com/office/drawing/2010/main" w="9525">
                 <a:solidFill>
                   <a:schemeClr val="tx1"/>
                 </a:solidFill>
@@ -15676,7 +15496,7 @@
           </a:ln>
           <a:extLst>
             <a:ext uri="{909E8E84-426E-40dd-AFC4-6F175D3DCCD1}">
-              <a14:hiddenFill xmlns:a14="http://schemas.microsoft.com/office/drawing/2010/main" xmlns="">
+              <a14:hiddenFill xmlns="" xmlns:a14="http://schemas.microsoft.com/office/drawing/2010/main">
                 <a:solidFill>
                   <a:schemeClr val="accent1"/>
                 </a:solidFill>
@@ -15741,7 +15561,7 @@
           </a:ln>
           <a:extLst>
             <a:ext uri="{909E8E84-426E-40dd-AFC4-6F175D3DCCD1}">
-              <a14:hiddenFill xmlns:a14="http://schemas.microsoft.com/office/drawing/2010/main" xmlns="">
+              <a14:hiddenFill xmlns="" xmlns:a14="http://schemas.microsoft.com/office/drawing/2010/main">
                 <a:solidFill>
                   <a:schemeClr val="accent1"/>
                 </a:solidFill>
@@ -15784,7 +15604,7 @@
           </a:ln>
           <a:extLst>
             <a:ext uri="{909E8E84-426E-40dd-AFC4-6F175D3DCCD1}">
-              <a14:hiddenFill xmlns:a14="http://schemas.microsoft.com/office/drawing/2010/main" xmlns="">
+              <a14:hiddenFill xmlns="" xmlns:a14="http://schemas.microsoft.com/office/drawing/2010/main">
                 <a:solidFill>
                   <a:schemeClr val="accent1"/>
                 </a:solidFill>
@@ -15829,7 +15649,7 @@
           </a:ln>
           <a:extLst>
             <a:ext uri="{909E8E84-426E-40dd-AFC4-6F175D3DCCD1}">
-              <a14:hiddenFill xmlns:a14="http://schemas.microsoft.com/office/drawing/2010/main" xmlns="">
+              <a14:hiddenFill xmlns="" xmlns:a14="http://schemas.microsoft.com/office/drawing/2010/main">
                 <a:noFill/>
               </a14:hiddenFill>
             </a:ext>
@@ -15858,14 +15678,14 @@
           </a:ln>
           <a:extLst>
             <a:ext uri="{909E8E84-426E-40dd-AFC4-6F175D3DCCD1}">
-              <a14:hiddenFill xmlns:a14="http://schemas.microsoft.com/office/drawing/2010/main" xmlns="">
+              <a14:hiddenFill xmlns="" xmlns:a14="http://schemas.microsoft.com/office/drawing/2010/main">
                 <a:solidFill>
                   <a:schemeClr val="accent1"/>
                 </a:solidFill>
               </a14:hiddenFill>
             </a:ext>
             <a:ext uri="{91240B29-F687-4f45-9708-019B960494DF}">
-              <a14:hiddenLine xmlns:a14="http://schemas.microsoft.com/office/drawing/2010/main" xmlns="" w="9525">
+              <a14:hiddenLine xmlns="" xmlns:a14="http://schemas.microsoft.com/office/drawing/2010/main" w="9525">
                 <a:solidFill>
                   <a:schemeClr val="tx1"/>
                 </a:solidFill>
@@ -15911,14 +15731,14 @@
           </a:ln>
           <a:extLst>
             <a:ext uri="{909E8E84-426E-40dd-AFC4-6F175D3DCCD1}">
-              <a14:hiddenFill xmlns:a14="http://schemas.microsoft.com/office/drawing/2010/main" xmlns="">
+              <a14:hiddenFill xmlns="" xmlns:a14="http://schemas.microsoft.com/office/drawing/2010/main">
                 <a:solidFill>
                   <a:schemeClr val="accent1"/>
                 </a:solidFill>
               </a14:hiddenFill>
             </a:ext>
             <a:ext uri="{91240B29-F687-4f45-9708-019B960494DF}">
-              <a14:hiddenLine xmlns:a14="http://schemas.microsoft.com/office/drawing/2010/main" xmlns="" w="9525">
+              <a14:hiddenLine xmlns="" xmlns:a14="http://schemas.microsoft.com/office/drawing/2010/main" w="9525">
                 <a:solidFill>
                   <a:schemeClr val="tx1"/>
                 </a:solidFill>
@@ -15969,7 +15789,7 @@
           </a:ln>
           <a:extLst>
             <a:ext uri="{909E8E84-426E-40dd-AFC4-6F175D3DCCD1}">
-              <a14:hiddenFill xmlns:a14="http://schemas.microsoft.com/office/drawing/2010/main" xmlns="">
+              <a14:hiddenFill xmlns="" xmlns:a14="http://schemas.microsoft.com/office/drawing/2010/main">
                 <a:solidFill>
                   <a:schemeClr val="accent1"/>
                 </a:solidFill>
@@ -16012,14 +15832,14 @@
           </a:ln>
           <a:extLst>
             <a:ext uri="{909E8E84-426E-40dd-AFC4-6F175D3DCCD1}">
-              <a14:hiddenFill xmlns:a14="http://schemas.microsoft.com/office/drawing/2010/main" xmlns="">
+              <a14:hiddenFill xmlns="" xmlns:a14="http://schemas.microsoft.com/office/drawing/2010/main">
                 <a:solidFill>
                   <a:schemeClr val="accent1"/>
                 </a:solidFill>
               </a14:hiddenFill>
             </a:ext>
             <a:ext uri="{91240B29-F687-4f45-9708-019B960494DF}">
-              <a14:hiddenLine xmlns:a14="http://schemas.microsoft.com/office/drawing/2010/main" xmlns="" w="9525">
+              <a14:hiddenLine xmlns="" xmlns:a14="http://schemas.microsoft.com/office/drawing/2010/main" w="9525">
                 <a:solidFill>
                   <a:schemeClr val="tx1"/>
                 </a:solidFill>
@@ -16074,7 +15894,7 @@
           </a:ln>
           <a:extLst>
             <a:ext uri="{909E8E84-426E-40dd-AFC4-6F175D3DCCD1}">
-              <a14:hiddenFill xmlns:a14="http://schemas.microsoft.com/office/drawing/2010/main" xmlns="">
+              <a14:hiddenFill xmlns="" xmlns:a14="http://schemas.microsoft.com/office/drawing/2010/main">
                 <a:noFill/>
               </a14:hiddenFill>
             </a:ext>
@@ -16142,14 +15962,14 @@
           </a:ln>
           <a:extLst>
             <a:ext uri="{909E8E84-426E-40dd-AFC4-6F175D3DCCD1}">
-              <a14:hiddenFill xmlns:a14="http://schemas.microsoft.com/office/drawing/2010/main" xmlns="">
+              <a14:hiddenFill xmlns="" xmlns:a14="http://schemas.microsoft.com/office/drawing/2010/main">
                 <a:solidFill>
                   <a:schemeClr val="accent1"/>
                 </a:solidFill>
               </a14:hiddenFill>
             </a:ext>
             <a:ext uri="{91240B29-F687-4f45-9708-019B960494DF}">
-              <a14:hiddenLine xmlns:a14="http://schemas.microsoft.com/office/drawing/2010/main" xmlns="" w="9525">
+              <a14:hiddenLine xmlns="" xmlns:a14="http://schemas.microsoft.com/office/drawing/2010/main" w="9525">
                 <a:solidFill>
                   <a:schemeClr val="tx1"/>
                 </a:solidFill>
@@ -16206,7 +16026,7 @@
           </a:ln>
           <a:extLst>
             <a:ext uri="{909E8E84-426E-40dd-AFC4-6F175D3DCCD1}">
-              <a14:hiddenFill xmlns:a14="http://schemas.microsoft.com/office/drawing/2010/main" xmlns="">
+              <a14:hiddenFill xmlns="" xmlns:a14="http://schemas.microsoft.com/office/drawing/2010/main">
                 <a:solidFill>
                   <a:schemeClr val="accent1"/>
                 </a:solidFill>
@@ -16349,14 +16169,14 @@
           </a:ln>
           <a:extLst>
             <a:ext uri="{909E8E84-426E-40dd-AFC4-6F175D3DCCD1}">
-              <a14:hiddenFill xmlns:a14="http://schemas.microsoft.com/office/drawing/2010/main" xmlns="">
+              <a14:hiddenFill xmlns="" xmlns:a14="http://schemas.microsoft.com/office/drawing/2010/main">
                 <a:solidFill>
                   <a:schemeClr val="accent1"/>
                 </a:solidFill>
               </a14:hiddenFill>
             </a:ext>
             <a:ext uri="{91240B29-F687-4f45-9708-019B960494DF}">
-              <a14:hiddenLine xmlns:a14="http://schemas.microsoft.com/office/drawing/2010/main" xmlns="" w="9525">
+              <a14:hiddenLine xmlns="" xmlns:a14="http://schemas.microsoft.com/office/drawing/2010/main" w="9525">
                 <a:solidFill>
                   <a:schemeClr val="tx1"/>
                 </a:solidFill>
@@ -16450,7 +16270,7 @@
           </a:ln>
           <a:extLst>
             <a:ext uri="{909E8E84-426E-40dd-AFC4-6F175D3DCCD1}">
-              <a14:hiddenFill xmlns:a14="http://schemas.microsoft.com/office/drawing/2010/main" xmlns="">
+              <a14:hiddenFill xmlns="" xmlns:a14="http://schemas.microsoft.com/office/drawing/2010/main">
                 <a:solidFill>
                   <a:schemeClr val="accent1"/>
                 </a:solidFill>
@@ -16515,7 +16335,7 @@
           </a:ln>
           <a:extLst>
             <a:ext uri="{909E8E84-426E-40dd-AFC4-6F175D3DCCD1}">
-              <a14:hiddenFill xmlns:a14="http://schemas.microsoft.com/office/drawing/2010/main" xmlns="">
+              <a14:hiddenFill xmlns="" xmlns:a14="http://schemas.microsoft.com/office/drawing/2010/main">
                 <a:solidFill>
                   <a:schemeClr val="accent1"/>
                 </a:solidFill>
@@ -16558,7 +16378,7 @@
           </a:ln>
           <a:extLst>
             <a:ext uri="{909E8E84-426E-40dd-AFC4-6F175D3DCCD1}">
-              <a14:hiddenFill xmlns:a14="http://schemas.microsoft.com/office/drawing/2010/main" xmlns="">
+              <a14:hiddenFill xmlns="" xmlns:a14="http://schemas.microsoft.com/office/drawing/2010/main">
                 <a:solidFill>
                   <a:schemeClr val="accent1"/>
                 </a:solidFill>
@@ -16603,7 +16423,7 @@
           </a:ln>
           <a:extLst>
             <a:ext uri="{909E8E84-426E-40dd-AFC4-6F175D3DCCD1}">
-              <a14:hiddenFill xmlns:a14="http://schemas.microsoft.com/office/drawing/2010/main" xmlns="">
+              <a14:hiddenFill xmlns="" xmlns:a14="http://schemas.microsoft.com/office/drawing/2010/main">
                 <a:noFill/>
               </a14:hiddenFill>
             </a:ext>
@@ -16632,14 +16452,14 @@
           </a:ln>
           <a:extLst>
             <a:ext uri="{909E8E84-426E-40dd-AFC4-6F175D3DCCD1}">
-              <a14:hiddenFill xmlns:a14="http://schemas.microsoft.com/office/drawing/2010/main" xmlns="">
+              <a14:hiddenFill xmlns="" xmlns:a14="http://schemas.microsoft.com/office/drawing/2010/main">
                 <a:solidFill>
                   <a:schemeClr val="accent1"/>
                 </a:solidFill>
               </a14:hiddenFill>
             </a:ext>
             <a:ext uri="{91240B29-F687-4f45-9708-019B960494DF}">
-              <a14:hiddenLine xmlns:a14="http://schemas.microsoft.com/office/drawing/2010/main" xmlns="" w="9525">
+              <a14:hiddenLine xmlns="" xmlns:a14="http://schemas.microsoft.com/office/drawing/2010/main" w="9525">
                 <a:solidFill>
                   <a:schemeClr val="tx1"/>
                 </a:solidFill>
@@ -16685,14 +16505,14 @@
           </a:ln>
           <a:extLst>
             <a:ext uri="{909E8E84-426E-40dd-AFC4-6F175D3DCCD1}">
-              <a14:hiddenFill xmlns:a14="http://schemas.microsoft.com/office/drawing/2010/main" xmlns="">
+              <a14:hiddenFill xmlns="" xmlns:a14="http://schemas.microsoft.com/office/drawing/2010/main">
                 <a:solidFill>
                   <a:schemeClr val="accent1"/>
                 </a:solidFill>
               </a14:hiddenFill>
             </a:ext>
             <a:ext uri="{91240B29-F687-4f45-9708-019B960494DF}">
-              <a14:hiddenLine xmlns:a14="http://schemas.microsoft.com/office/drawing/2010/main" xmlns="" w="9525">
+              <a14:hiddenLine xmlns="" xmlns:a14="http://schemas.microsoft.com/office/drawing/2010/main" w="9525">
                 <a:solidFill>
                   <a:schemeClr val="tx1"/>
                 </a:solidFill>
@@ -16747,7 +16567,7 @@
           </a:ln>
           <a:extLst>
             <a:ext uri="{909E8E84-426E-40dd-AFC4-6F175D3DCCD1}">
-              <a14:hiddenFill xmlns:a14="http://schemas.microsoft.com/office/drawing/2010/main" xmlns="">
+              <a14:hiddenFill xmlns="" xmlns:a14="http://schemas.microsoft.com/office/drawing/2010/main">
                 <a:solidFill>
                   <a:schemeClr val="accent1"/>
                 </a:solidFill>
@@ -16790,14 +16610,14 @@
           </a:ln>
           <a:extLst>
             <a:ext uri="{909E8E84-426E-40dd-AFC4-6F175D3DCCD1}">
-              <a14:hiddenFill xmlns:a14="http://schemas.microsoft.com/office/drawing/2010/main" xmlns="">
+              <a14:hiddenFill xmlns="" xmlns:a14="http://schemas.microsoft.com/office/drawing/2010/main">
                 <a:solidFill>
                   <a:schemeClr val="accent1"/>
                 </a:solidFill>
               </a14:hiddenFill>
             </a:ext>
             <a:ext uri="{91240B29-F687-4f45-9708-019B960494DF}">
-              <a14:hiddenLine xmlns:a14="http://schemas.microsoft.com/office/drawing/2010/main" xmlns="" w="9525">
+              <a14:hiddenLine xmlns="" xmlns:a14="http://schemas.microsoft.com/office/drawing/2010/main" w="9525">
                 <a:solidFill>
                   <a:schemeClr val="tx1"/>
                 </a:solidFill>
@@ -16852,7 +16672,7 @@
           </a:ln>
           <a:extLst>
             <a:ext uri="{909E8E84-426E-40dd-AFC4-6F175D3DCCD1}">
-              <a14:hiddenFill xmlns:a14="http://schemas.microsoft.com/office/drawing/2010/main" xmlns="">
+              <a14:hiddenFill xmlns="" xmlns:a14="http://schemas.microsoft.com/office/drawing/2010/main">
                 <a:noFill/>
               </a14:hiddenFill>
             </a:ext>
@@ -16920,14 +16740,14 @@
           </a:ln>
           <a:extLst>
             <a:ext uri="{909E8E84-426E-40dd-AFC4-6F175D3DCCD1}">
-              <a14:hiddenFill xmlns:a14="http://schemas.microsoft.com/office/drawing/2010/main" xmlns="">
+              <a14:hiddenFill xmlns="" xmlns:a14="http://schemas.microsoft.com/office/drawing/2010/main">
                 <a:solidFill>
                   <a:schemeClr val="accent1"/>
                 </a:solidFill>
               </a14:hiddenFill>
             </a:ext>
             <a:ext uri="{91240B29-F687-4f45-9708-019B960494DF}">
-              <a14:hiddenLine xmlns:a14="http://schemas.microsoft.com/office/drawing/2010/main" xmlns="" w="9525">
+              <a14:hiddenLine xmlns="" xmlns:a14="http://schemas.microsoft.com/office/drawing/2010/main" w="9525">
                 <a:solidFill>
                   <a:schemeClr val="tx1"/>
                 </a:solidFill>
@@ -16984,7 +16804,7 @@
           </a:ln>
           <a:extLst>
             <a:ext uri="{909E8E84-426E-40dd-AFC4-6F175D3DCCD1}">
-              <a14:hiddenFill xmlns:a14="http://schemas.microsoft.com/office/drawing/2010/main" xmlns="">
+              <a14:hiddenFill xmlns="" xmlns:a14="http://schemas.microsoft.com/office/drawing/2010/main">
                 <a:solidFill>
                   <a:schemeClr val="accent1"/>
                 </a:solidFill>
@@ -17127,14 +16947,14 @@
           </a:ln>
           <a:extLst>
             <a:ext uri="{909E8E84-426E-40dd-AFC4-6F175D3DCCD1}">
-              <a14:hiddenFill xmlns:a14="http://schemas.microsoft.com/office/drawing/2010/main" xmlns="">
+              <a14:hiddenFill xmlns="" xmlns:a14="http://schemas.microsoft.com/office/drawing/2010/main">
                 <a:solidFill>
                   <a:schemeClr val="accent1"/>
                 </a:solidFill>
               </a14:hiddenFill>
             </a:ext>
             <a:ext uri="{91240B29-F687-4f45-9708-019B960494DF}">
-              <a14:hiddenLine xmlns:a14="http://schemas.microsoft.com/office/drawing/2010/main" xmlns="" w="9525">
+              <a14:hiddenLine xmlns="" xmlns:a14="http://schemas.microsoft.com/office/drawing/2010/main" w="9525">
                 <a:solidFill>
                   <a:schemeClr val="tx1"/>
                 </a:solidFill>
@@ -17228,7 +17048,7 @@
           </a:ln>
           <a:extLst>
             <a:ext uri="{909E8E84-426E-40dd-AFC4-6F175D3DCCD1}">
-              <a14:hiddenFill xmlns:a14="http://schemas.microsoft.com/office/drawing/2010/main" xmlns="">
+              <a14:hiddenFill xmlns="" xmlns:a14="http://schemas.microsoft.com/office/drawing/2010/main">
                 <a:solidFill>
                   <a:schemeClr val="accent1"/>
                 </a:solidFill>
@@ -17293,7 +17113,7 @@
           </a:ln>
           <a:extLst>
             <a:ext uri="{909E8E84-426E-40dd-AFC4-6F175D3DCCD1}">
-              <a14:hiddenFill xmlns:a14="http://schemas.microsoft.com/office/drawing/2010/main" xmlns="">
+              <a14:hiddenFill xmlns="" xmlns:a14="http://schemas.microsoft.com/office/drawing/2010/main">
                 <a:solidFill>
                   <a:schemeClr val="accent1"/>
                 </a:solidFill>
@@ -17336,7 +17156,7 @@
           </a:ln>
           <a:extLst>
             <a:ext uri="{909E8E84-426E-40dd-AFC4-6F175D3DCCD1}">
-              <a14:hiddenFill xmlns:a14="http://schemas.microsoft.com/office/drawing/2010/main" xmlns="">
+              <a14:hiddenFill xmlns="" xmlns:a14="http://schemas.microsoft.com/office/drawing/2010/main">
                 <a:solidFill>
                   <a:schemeClr val="accent1"/>
                 </a:solidFill>
@@ -17381,7 +17201,7 @@
           </a:ln>
           <a:extLst>
             <a:ext uri="{909E8E84-426E-40dd-AFC4-6F175D3DCCD1}">
-              <a14:hiddenFill xmlns:a14="http://schemas.microsoft.com/office/drawing/2010/main" xmlns="">
+              <a14:hiddenFill xmlns="" xmlns:a14="http://schemas.microsoft.com/office/drawing/2010/main">
                 <a:noFill/>
               </a14:hiddenFill>
             </a:ext>
@@ -17410,14 +17230,14 @@
           </a:ln>
           <a:extLst>
             <a:ext uri="{909E8E84-426E-40dd-AFC4-6F175D3DCCD1}">
-              <a14:hiddenFill xmlns:a14="http://schemas.microsoft.com/office/drawing/2010/main" xmlns="">
+              <a14:hiddenFill xmlns="" xmlns:a14="http://schemas.microsoft.com/office/drawing/2010/main">
                 <a:solidFill>
                   <a:schemeClr val="accent1"/>
                 </a:solidFill>
               </a14:hiddenFill>
             </a:ext>
             <a:ext uri="{91240B29-F687-4f45-9708-019B960494DF}">
-              <a14:hiddenLine xmlns:a14="http://schemas.microsoft.com/office/drawing/2010/main" xmlns="" w="9525">
+              <a14:hiddenLine xmlns="" xmlns:a14="http://schemas.microsoft.com/office/drawing/2010/main" w="9525">
                 <a:solidFill>
                   <a:schemeClr val="tx1"/>
                 </a:solidFill>
@@ -17463,14 +17283,14 @@
           </a:ln>
           <a:extLst>
             <a:ext uri="{909E8E84-426E-40dd-AFC4-6F175D3DCCD1}">
-              <a14:hiddenFill xmlns:a14="http://schemas.microsoft.com/office/drawing/2010/main" xmlns="">
+              <a14:hiddenFill xmlns="" xmlns:a14="http://schemas.microsoft.com/office/drawing/2010/main">
                 <a:solidFill>
                   <a:schemeClr val="accent1"/>
                 </a:solidFill>
               </a14:hiddenFill>
             </a:ext>
             <a:ext uri="{91240B29-F687-4f45-9708-019B960494DF}">
-              <a14:hiddenLine xmlns:a14="http://schemas.microsoft.com/office/drawing/2010/main" xmlns="" w="9525">
+              <a14:hiddenLine xmlns="" xmlns:a14="http://schemas.microsoft.com/office/drawing/2010/main" w="9525">
                 <a:solidFill>
                   <a:schemeClr val="tx1"/>
                 </a:solidFill>
@@ -17521,7 +17341,7 @@
           </a:ln>
           <a:extLst>
             <a:ext uri="{909E8E84-426E-40dd-AFC4-6F175D3DCCD1}">
-              <a14:hiddenFill xmlns:a14="http://schemas.microsoft.com/office/drawing/2010/main" xmlns="">
+              <a14:hiddenFill xmlns="" xmlns:a14="http://schemas.microsoft.com/office/drawing/2010/main">
                 <a:solidFill>
                   <a:schemeClr val="accent1"/>
                 </a:solidFill>
@@ -17564,14 +17384,14 @@
           </a:ln>
           <a:extLst>
             <a:ext uri="{909E8E84-426E-40dd-AFC4-6F175D3DCCD1}">
-              <a14:hiddenFill xmlns:a14="http://schemas.microsoft.com/office/drawing/2010/main" xmlns="">
+              <a14:hiddenFill xmlns="" xmlns:a14="http://schemas.microsoft.com/office/drawing/2010/main">
                 <a:solidFill>
                   <a:schemeClr val="accent1"/>
                 </a:solidFill>
               </a14:hiddenFill>
             </a:ext>
             <a:ext uri="{91240B29-F687-4f45-9708-019B960494DF}">
-              <a14:hiddenLine xmlns:a14="http://schemas.microsoft.com/office/drawing/2010/main" xmlns="" w="9525">
+              <a14:hiddenLine xmlns="" xmlns:a14="http://schemas.microsoft.com/office/drawing/2010/main" w="9525">
                 <a:solidFill>
                   <a:schemeClr val="tx1"/>
                 </a:solidFill>
@@ -17626,7 +17446,7 @@
           </a:ln>
           <a:extLst>
             <a:ext uri="{909E8E84-426E-40dd-AFC4-6F175D3DCCD1}">
-              <a14:hiddenFill xmlns:a14="http://schemas.microsoft.com/office/drawing/2010/main" xmlns="">
+              <a14:hiddenFill xmlns="" xmlns:a14="http://schemas.microsoft.com/office/drawing/2010/main">
                 <a:noFill/>
               </a14:hiddenFill>
             </a:ext>
@@ -17694,14 +17514,14 @@
           </a:ln>
           <a:extLst>
             <a:ext uri="{909E8E84-426E-40dd-AFC4-6F175D3DCCD1}">
-              <a14:hiddenFill xmlns:a14="http://schemas.microsoft.com/office/drawing/2010/main" xmlns="">
+              <a14:hiddenFill xmlns="" xmlns:a14="http://schemas.microsoft.com/office/drawing/2010/main">
                 <a:solidFill>
                   <a:schemeClr val="accent1"/>
                 </a:solidFill>
               </a14:hiddenFill>
             </a:ext>
             <a:ext uri="{91240B29-F687-4f45-9708-019B960494DF}">
-              <a14:hiddenLine xmlns:a14="http://schemas.microsoft.com/office/drawing/2010/main" xmlns="" w="9525">
+              <a14:hiddenLine xmlns="" xmlns:a14="http://schemas.microsoft.com/office/drawing/2010/main" w="9525">
                 <a:solidFill>
                   <a:schemeClr val="tx1"/>
                 </a:solidFill>
@@ -17773,7 +17593,7 @@
           </a:ln>
           <a:extLst>
             <a:ext uri="{909E8E84-426E-40dd-AFC4-6F175D3DCCD1}">
-              <a14:hiddenFill xmlns:a14="http://schemas.microsoft.com/office/drawing/2010/main" xmlns="">
+              <a14:hiddenFill xmlns="" xmlns:a14="http://schemas.microsoft.com/office/drawing/2010/main">
                 <a:solidFill>
                   <a:schemeClr val="accent1"/>
                 </a:solidFill>
@@ -17916,14 +17736,14 @@
           </a:ln>
           <a:extLst>
             <a:ext uri="{909E8E84-426E-40dd-AFC4-6F175D3DCCD1}">
-              <a14:hiddenFill xmlns:a14="http://schemas.microsoft.com/office/drawing/2010/main" xmlns="">
+              <a14:hiddenFill xmlns="" xmlns:a14="http://schemas.microsoft.com/office/drawing/2010/main">
                 <a:solidFill>
                   <a:schemeClr val="accent1"/>
                 </a:solidFill>
               </a14:hiddenFill>
             </a:ext>
             <a:ext uri="{91240B29-F687-4f45-9708-019B960494DF}">
-              <a14:hiddenLine xmlns:a14="http://schemas.microsoft.com/office/drawing/2010/main" xmlns="" w="9525">
+              <a14:hiddenLine xmlns="" xmlns:a14="http://schemas.microsoft.com/office/drawing/2010/main" w="9525">
                 <a:solidFill>
                   <a:schemeClr val="tx1"/>
                 </a:solidFill>
@@ -18005,7 +17825,7 @@
           </a:ln>
           <a:extLst>
             <a:ext uri="{909E8E84-426E-40dd-AFC4-6F175D3DCCD1}">
-              <a14:hiddenFill xmlns:a14="http://schemas.microsoft.com/office/drawing/2010/main" xmlns="">
+              <a14:hiddenFill xmlns="" xmlns:a14="http://schemas.microsoft.com/office/drawing/2010/main">
                 <a:solidFill>
                   <a:schemeClr val="accent1"/>
                 </a:solidFill>
@@ -18070,7 +17890,7 @@
           </a:ln>
           <a:extLst>
             <a:ext uri="{909E8E84-426E-40dd-AFC4-6F175D3DCCD1}">
-              <a14:hiddenFill xmlns:a14="http://schemas.microsoft.com/office/drawing/2010/main" xmlns="">
+              <a14:hiddenFill xmlns="" xmlns:a14="http://schemas.microsoft.com/office/drawing/2010/main">
                 <a:solidFill>
                   <a:schemeClr val="accent1"/>
                 </a:solidFill>
@@ -18113,7 +17933,7 @@
           </a:ln>
           <a:extLst>
             <a:ext uri="{909E8E84-426E-40dd-AFC4-6F175D3DCCD1}">
-              <a14:hiddenFill xmlns:a14="http://schemas.microsoft.com/office/drawing/2010/main" xmlns="">
+              <a14:hiddenFill xmlns="" xmlns:a14="http://schemas.microsoft.com/office/drawing/2010/main">
                 <a:solidFill>
                   <a:schemeClr val="accent1"/>
                 </a:solidFill>
@@ -18158,7 +17978,7 @@
           </a:ln>
           <a:extLst>
             <a:ext uri="{909E8E84-426E-40dd-AFC4-6F175D3DCCD1}">
-              <a14:hiddenFill xmlns:a14="http://schemas.microsoft.com/office/drawing/2010/main" xmlns="">
+              <a14:hiddenFill xmlns="" xmlns:a14="http://schemas.microsoft.com/office/drawing/2010/main">
                 <a:noFill/>
               </a14:hiddenFill>
             </a:ext>
@@ -18187,14 +18007,14 @@
           </a:ln>
           <a:extLst>
             <a:ext uri="{909E8E84-426E-40dd-AFC4-6F175D3DCCD1}">
-              <a14:hiddenFill xmlns:a14="http://schemas.microsoft.com/office/drawing/2010/main" xmlns="">
+              <a14:hiddenFill xmlns="" xmlns:a14="http://schemas.microsoft.com/office/drawing/2010/main">
                 <a:solidFill>
                   <a:schemeClr val="accent1"/>
                 </a:solidFill>
               </a14:hiddenFill>
             </a:ext>
             <a:ext uri="{91240B29-F687-4f45-9708-019B960494DF}">
-              <a14:hiddenLine xmlns:a14="http://schemas.microsoft.com/office/drawing/2010/main" xmlns="" w="9525">
+              <a14:hiddenLine xmlns="" xmlns:a14="http://schemas.microsoft.com/office/drawing/2010/main" w="9525">
                 <a:solidFill>
                   <a:schemeClr val="tx1"/>
                 </a:solidFill>
@@ -18240,14 +18060,14 @@
           </a:ln>
           <a:extLst>
             <a:ext uri="{909E8E84-426E-40dd-AFC4-6F175D3DCCD1}">
-              <a14:hiddenFill xmlns:a14="http://schemas.microsoft.com/office/drawing/2010/main" xmlns="">
+              <a14:hiddenFill xmlns="" xmlns:a14="http://schemas.microsoft.com/office/drawing/2010/main">
                 <a:solidFill>
                   <a:schemeClr val="accent1"/>
                 </a:solidFill>
               </a14:hiddenFill>
             </a:ext>
             <a:ext uri="{91240B29-F687-4f45-9708-019B960494DF}">
-              <a14:hiddenLine xmlns:a14="http://schemas.microsoft.com/office/drawing/2010/main" xmlns="" w="9525">
+              <a14:hiddenLine xmlns="" xmlns:a14="http://schemas.microsoft.com/office/drawing/2010/main" w="9525">
                 <a:solidFill>
                   <a:schemeClr val="tx1"/>
                 </a:solidFill>
@@ -18298,7 +18118,7 @@
           </a:ln>
           <a:extLst>
             <a:ext uri="{909E8E84-426E-40dd-AFC4-6F175D3DCCD1}">
-              <a14:hiddenFill xmlns:a14="http://schemas.microsoft.com/office/drawing/2010/main" xmlns="">
+              <a14:hiddenFill xmlns="" xmlns:a14="http://schemas.microsoft.com/office/drawing/2010/main">
                 <a:solidFill>
                   <a:schemeClr val="accent1"/>
                 </a:solidFill>
@@ -18341,14 +18161,14 @@
           </a:ln>
           <a:extLst>
             <a:ext uri="{909E8E84-426E-40dd-AFC4-6F175D3DCCD1}">
-              <a14:hiddenFill xmlns:a14="http://schemas.microsoft.com/office/drawing/2010/main" xmlns="">
+              <a14:hiddenFill xmlns="" xmlns:a14="http://schemas.microsoft.com/office/drawing/2010/main">
                 <a:solidFill>
                   <a:schemeClr val="accent1"/>
                 </a:solidFill>
               </a14:hiddenFill>
             </a:ext>
             <a:ext uri="{91240B29-F687-4f45-9708-019B960494DF}">
-              <a14:hiddenLine xmlns:a14="http://schemas.microsoft.com/office/drawing/2010/main" xmlns="" w="9525">
+              <a14:hiddenLine xmlns="" xmlns:a14="http://schemas.microsoft.com/office/drawing/2010/main" w="9525">
                 <a:solidFill>
                   <a:schemeClr val="tx1"/>
                 </a:solidFill>
@@ -18403,7 +18223,7 @@
           </a:ln>
           <a:extLst>
             <a:ext uri="{909E8E84-426E-40dd-AFC4-6F175D3DCCD1}">
-              <a14:hiddenFill xmlns:a14="http://schemas.microsoft.com/office/drawing/2010/main" xmlns="">
+              <a14:hiddenFill xmlns="" xmlns:a14="http://schemas.microsoft.com/office/drawing/2010/main">
                 <a:noFill/>
               </a14:hiddenFill>
             </a:ext>
@@ -18471,14 +18291,14 @@
           </a:ln>
           <a:extLst>
             <a:ext uri="{909E8E84-426E-40dd-AFC4-6F175D3DCCD1}">
-              <a14:hiddenFill xmlns:a14="http://schemas.microsoft.com/office/drawing/2010/main" xmlns="">
+              <a14:hiddenFill xmlns="" xmlns:a14="http://schemas.microsoft.com/office/drawing/2010/main">
                 <a:solidFill>
                   <a:schemeClr val="accent1"/>
                 </a:solidFill>
               </a14:hiddenFill>
             </a:ext>
             <a:ext uri="{91240B29-F687-4f45-9708-019B960494DF}">
-              <a14:hiddenLine xmlns:a14="http://schemas.microsoft.com/office/drawing/2010/main" xmlns="" w="9525">
+              <a14:hiddenLine xmlns="" xmlns:a14="http://schemas.microsoft.com/office/drawing/2010/main" w="9525">
                 <a:solidFill>
                   <a:schemeClr val="tx1"/>
                 </a:solidFill>
@@ -18535,7 +18355,7 @@
           </a:ln>
           <a:extLst>
             <a:ext uri="{909E8E84-426E-40dd-AFC4-6F175D3DCCD1}">
-              <a14:hiddenFill xmlns:a14="http://schemas.microsoft.com/office/drawing/2010/main" xmlns="">
+              <a14:hiddenFill xmlns="" xmlns:a14="http://schemas.microsoft.com/office/drawing/2010/main">
                 <a:solidFill>
                   <a:schemeClr val="accent1"/>
                 </a:solidFill>
@@ -18678,14 +18498,14 @@
           </a:ln>
           <a:extLst>
             <a:ext uri="{909E8E84-426E-40dd-AFC4-6F175D3DCCD1}">
-              <a14:hiddenFill xmlns:a14="http://schemas.microsoft.com/office/drawing/2010/main" xmlns="">
+              <a14:hiddenFill xmlns="" xmlns:a14="http://schemas.microsoft.com/office/drawing/2010/main">
                 <a:solidFill>
                   <a:schemeClr val="accent1"/>
                 </a:solidFill>
               </a14:hiddenFill>
             </a:ext>
             <a:ext uri="{91240B29-F687-4f45-9708-019B960494DF}">
-              <a14:hiddenLine xmlns:a14="http://schemas.microsoft.com/office/drawing/2010/main" xmlns="" w="9525">
+              <a14:hiddenLine xmlns="" xmlns:a14="http://schemas.microsoft.com/office/drawing/2010/main" w="9525">
                 <a:solidFill>
                   <a:schemeClr val="tx1"/>
                 </a:solidFill>
@@ -18779,7 +18599,7 @@
           </a:ln>
           <a:extLst>
             <a:ext uri="{909E8E84-426E-40dd-AFC4-6F175D3DCCD1}">
-              <a14:hiddenFill xmlns:a14="http://schemas.microsoft.com/office/drawing/2010/main" xmlns="">
+              <a14:hiddenFill xmlns="" xmlns:a14="http://schemas.microsoft.com/office/drawing/2010/main">
                 <a:solidFill>
                   <a:schemeClr val="accent1"/>
                 </a:solidFill>
@@ -18844,7 +18664,7 @@
           </a:ln>
           <a:extLst>
             <a:ext uri="{909E8E84-426E-40dd-AFC4-6F175D3DCCD1}">
-              <a14:hiddenFill xmlns:a14="http://schemas.microsoft.com/office/drawing/2010/main" xmlns="">
+              <a14:hiddenFill xmlns="" xmlns:a14="http://schemas.microsoft.com/office/drawing/2010/main">
                 <a:solidFill>
                   <a:schemeClr val="accent1"/>
                 </a:solidFill>
@@ -18887,7 +18707,7 @@
           </a:ln>
           <a:extLst>
             <a:ext uri="{909E8E84-426E-40dd-AFC4-6F175D3DCCD1}">
-              <a14:hiddenFill xmlns:a14="http://schemas.microsoft.com/office/drawing/2010/main" xmlns="">
+              <a14:hiddenFill xmlns="" xmlns:a14="http://schemas.microsoft.com/office/drawing/2010/main">
                 <a:solidFill>
                   <a:schemeClr val="accent1"/>
                 </a:solidFill>
@@ -18932,7 +18752,7 @@
           </a:ln>
           <a:extLst>
             <a:ext uri="{909E8E84-426E-40dd-AFC4-6F175D3DCCD1}">
-              <a14:hiddenFill xmlns:a14="http://schemas.microsoft.com/office/drawing/2010/main" xmlns="">
+              <a14:hiddenFill xmlns="" xmlns:a14="http://schemas.microsoft.com/office/drawing/2010/main">
                 <a:noFill/>
               </a14:hiddenFill>
             </a:ext>
@@ -18961,14 +18781,14 @@
           </a:ln>
           <a:extLst>
             <a:ext uri="{909E8E84-426E-40dd-AFC4-6F175D3DCCD1}">
-              <a14:hiddenFill xmlns:a14="http://schemas.microsoft.com/office/drawing/2010/main" xmlns="">
+              <a14:hiddenFill xmlns="" xmlns:a14="http://schemas.microsoft.com/office/drawing/2010/main">
                 <a:solidFill>
                   <a:schemeClr val="accent1"/>
                 </a:solidFill>
               </a14:hiddenFill>
             </a:ext>
             <a:ext uri="{91240B29-F687-4f45-9708-019B960494DF}">
-              <a14:hiddenLine xmlns:a14="http://schemas.microsoft.com/office/drawing/2010/main" xmlns="" w="9525">
+              <a14:hiddenLine xmlns="" xmlns:a14="http://schemas.microsoft.com/office/drawing/2010/main" w="9525">
                 <a:solidFill>
                   <a:schemeClr val="tx1"/>
                 </a:solidFill>
@@ -19014,14 +18834,14 @@
           </a:ln>
           <a:extLst>
             <a:ext uri="{909E8E84-426E-40dd-AFC4-6F175D3DCCD1}">
-              <a14:hiddenFill xmlns:a14="http://schemas.microsoft.com/office/drawing/2010/main" xmlns="">
+              <a14:hiddenFill xmlns="" xmlns:a14="http://schemas.microsoft.com/office/drawing/2010/main">
                 <a:solidFill>
                   <a:schemeClr val="accent1"/>
                 </a:solidFill>
               </a14:hiddenFill>
             </a:ext>
             <a:ext uri="{91240B29-F687-4f45-9708-019B960494DF}">
-              <a14:hiddenLine xmlns:a14="http://schemas.microsoft.com/office/drawing/2010/main" xmlns="" w="9525">
+              <a14:hiddenLine xmlns="" xmlns:a14="http://schemas.microsoft.com/office/drawing/2010/main" w="9525">
                 <a:solidFill>
                   <a:schemeClr val="tx1"/>
                 </a:solidFill>
@@ -19076,7 +18896,7 @@
           </a:ln>
           <a:extLst>
             <a:ext uri="{909E8E84-426E-40dd-AFC4-6F175D3DCCD1}">
-              <a14:hiddenFill xmlns:a14="http://schemas.microsoft.com/office/drawing/2010/main" xmlns="">
+              <a14:hiddenFill xmlns="" xmlns:a14="http://schemas.microsoft.com/office/drawing/2010/main">
                 <a:solidFill>
                   <a:schemeClr val="accent1"/>
                 </a:solidFill>
@@ -19119,14 +18939,14 @@
           </a:ln>
           <a:extLst>
             <a:ext uri="{909E8E84-426E-40dd-AFC4-6F175D3DCCD1}">
-              <a14:hiddenFill xmlns:a14="http://schemas.microsoft.com/office/drawing/2010/main" xmlns="">
+              <a14:hiddenFill xmlns="" xmlns:a14="http://schemas.microsoft.com/office/drawing/2010/main">
                 <a:solidFill>
                   <a:schemeClr val="accent1"/>
                 </a:solidFill>
               </a14:hiddenFill>
             </a:ext>
             <a:ext uri="{91240B29-F687-4f45-9708-019B960494DF}">
-              <a14:hiddenLine xmlns:a14="http://schemas.microsoft.com/office/drawing/2010/main" xmlns="" w="9525">
+              <a14:hiddenLine xmlns="" xmlns:a14="http://schemas.microsoft.com/office/drawing/2010/main" w="9525">
                 <a:solidFill>
                   <a:schemeClr val="tx1"/>
                 </a:solidFill>
@@ -19181,7 +19001,7 @@
           </a:ln>
           <a:extLst>
             <a:ext uri="{909E8E84-426E-40dd-AFC4-6F175D3DCCD1}">
-              <a14:hiddenFill xmlns:a14="http://schemas.microsoft.com/office/drawing/2010/main" xmlns="">
+              <a14:hiddenFill xmlns="" xmlns:a14="http://schemas.microsoft.com/office/drawing/2010/main">
                 <a:noFill/>
               </a14:hiddenFill>
             </a:ext>
@@ -19249,14 +19069,14 @@
           </a:ln>
           <a:extLst>
             <a:ext uri="{909E8E84-426E-40dd-AFC4-6F175D3DCCD1}">
-              <a14:hiddenFill xmlns:a14="http://schemas.microsoft.com/office/drawing/2010/main" xmlns="">
+              <a14:hiddenFill xmlns="" xmlns:a14="http://schemas.microsoft.com/office/drawing/2010/main">
                 <a:solidFill>
                   <a:schemeClr val="accent1"/>
                 </a:solidFill>
               </a14:hiddenFill>
             </a:ext>
             <a:ext uri="{91240B29-F687-4f45-9708-019B960494DF}">
-              <a14:hiddenLine xmlns:a14="http://schemas.microsoft.com/office/drawing/2010/main" xmlns="" w="9525">
+              <a14:hiddenLine xmlns="" xmlns:a14="http://schemas.microsoft.com/office/drawing/2010/main" w="9525">
                 <a:solidFill>
                   <a:schemeClr val="tx1"/>
                 </a:solidFill>
@@ -19313,7 +19133,7 @@
           </a:ln>
           <a:extLst>
             <a:ext uri="{909E8E84-426E-40dd-AFC4-6F175D3DCCD1}">
-              <a14:hiddenFill xmlns:a14="http://schemas.microsoft.com/office/drawing/2010/main" xmlns="">
+              <a14:hiddenFill xmlns="" xmlns:a14="http://schemas.microsoft.com/office/drawing/2010/main">
                 <a:solidFill>
                   <a:schemeClr val="accent1"/>
                 </a:solidFill>
@@ -19456,14 +19276,14 @@
           </a:ln>
           <a:extLst>
             <a:ext uri="{909E8E84-426E-40dd-AFC4-6F175D3DCCD1}">
-              <a14:hiddenFill xmlns:a14="http://schemas.microsoft.com/office/drawing/2010/main" xmlns="">
+              <a14:hiddenFill xmlns="" xmlns:a14="http://schemas.microsoft.com/office/drawing/2010/main">
                 <a:solidFill>
                   <a:schemeClr val="accent1"/>
                 </a:solidFill>
               </a14:hiddenFill>
             </a:ext>
             <a:ext uri="{91240B29-F687-4f45-9708-019B960494DF}">
-              <a14:hiddenLine xmlns:a14="http://schemas.microsoft.com/office/drawing/2010/main" xmlns="" w="9525">
+              <a14:hiddenLine xmlns="" xmlns:a14="http://schemas.microsoft.com/office/drawing/2010/main" w="9525">
                 <a:solidFill>
                   <a:schemeClr val="tx1"/>
                 </a:solidFill>
@@ -19627,7 +19447,7 @@
           </a:ln>
           <a:extLst>
             <a:ext uri="{909E8E84-426E-40dd-AFC4-6F175D3DCCD1}">
-              <a14:hiddenFill xmlns:a14="http://schemas.microsoft.com/office/drawing/2010/main" xmlns="">
+              <a14:hiddenFill xmlns="" xmlns:a14="http://schemas.microsoft.com/office/drawing/2010/main">
                 <a:solidFill>
                   <a:schemeClr val="accent1"/>
                 </a:solidFill>
@@ -19692,7 +19512,7 @@
           </a:ln>
           <a:extLst>
             <a:ext uri="{909E8E84-426E-40dd-AFC4-6F175D3DCCD1}">
-              <a14:hiddenFill xmlns:a14="http://schemas.microsoft.com/office/drawing/2010/main" xmlns="">
+              <a14:hiddenFill xmlns="" xmlns:a14="http://schemas.microsoft.com/office/drawing/2010/main">
                 <a:solidFill>
                   <a:schemeClr val="accent1"/>
                 </a:solidFill>
@@ -19735,7 +19555,7 @@
           </a:ln>
           <a:extLst>
             <a:ext uri="{909E8E84-426E-40dd-AFC4-6F175D3DCCD1}">
-              <a14:hiddenFill xmlns:a14="http://schemas.microsoft.com/office/drawing/2010/main" xmlns="">
+              <a14:hiddenFill xmlns="" xmlns:a14="http://schemas.microsoft.com/office/drawing/2010/main">
                 <a:solidFill>
                   <a:schemeClr val="accent1"/>
                 </a:solidFill>
@@ -19780,7 +19600,7 @@
           </a:ln>
           <a:extLst>
             <a:ext uri="{909E8E84-426E-40dd-AFC4-6F175D3DCCD1}">
-              <a14:hiddenFill xmlns:a14="http://schemas.microsoft.com/office/drawing/2010/main" xmlns="">
+              <a14:hiddenFill xmlns="" xmlns:a14="http://schemas.microsoft.com/office/drawing/2010/main">
                 <a:noFill/>
               </a14:hiddenFill>
             </a:ext>
@@ -19809,14 +19629,14 @@
           </a:ln>
           <a:extLst>
             <a:ext uri="{909E8E84-426E-40dd-AFC4-6F175D3DCCD1}">
-              <a14:hiddenFill xmlns:a14="http://schemas.microsoft.com/office/drawing/2010/main" xmlns="">
+              <a14:hiddenFill xmlns="" xmlns:a14="http://schemas.microsoft.com/office/drawing/2010/main">
                 <a:solidFill>
                   <a:schemeClr val="accent1"/>
                 </a:solidFill>
               </a14:hiddenFill>
             </a:ext>
             <a:ext uri="{91240B29-F687-4f45-9708-019B960494DF}">
-              <a14:hiddenLine xmlns:a14="http://schemas.microsoft.com/office/drawing/2010/main" xmlns="" w="9525">
+              <a14:hiddenLine xmlns="" xmlns:a14="http://schemas.microsoft.com/office/drawing/2010/main" w="9525">
                 <a:solidFill>
                   <a:schemeClr val="tx1"/>
                 </a:solidFill>
@@ -19862,14 +19682,14 @@
           </a:ln>
           <a:extLst>
             <a:ext uri="{909E8E84-426E-40dd-AFC4-6F175D3DCCD1}">
-              <a14:hiddenFill xmlns:a14="http://schemas.microsoft.com/office/drawing/2010/main" xmlns="">
+              <a14:hiddenFill xmlns="" xmlns:a14="http://schemas.microsoft.com/office/drawing/2010/main">
                 <a:solidFill>
                   <a:schemeClr val="accent1"/>
                 </a:solidFill>
               </a14:hiddenFill>
             </a:ext>
             <a:ext uri="{91240B29-F687-4f45-9708-019B960494DF}">
-              <a14:hiddenLine xmlns:a14="http://schemas.microsoft.com/office/drawing/2010/main" xmlns="" w="9525">
+              <a14:hiddenLine xmlns="" xmlns:a14="http://schemas.microsoft.com/office/drawing/2010/main" w="9525">
                 <a:solidFill>
                   <a:schemeClr val="tx1"/>
                 </a:solidFill>
@@ -19920,7 +19740,7 @@
           </a:ln>
           <a:extLst>
             <a:ext uri="{909E8E84-426E-40dd-AFC4-6F175D3DCCD1}">
-              <a14:hiddenFill xmlns:a14="http://schemas.microsoft.com/office/drawing/2010/main" xmlns="">
+              <a14:hiddenFill xmlns="" xmlns:a14="http://schemas.microsoft.com/office/drawing/2010/main">
                 <a:solidFill>
                   <a:schemeClr val="accent1"/>
                 </a:solidFill>
@@ -19963,14 +19783,14 @@
           </a:ln>
           <a:extLst>
             <a:ext uri="{909E8E84-426E-40dd-AFC4-6F175D3DCCD1}">
-              <a14:hiddenFill xmlns:a14="http://schemas.microsoft.com/office/drawing/2010/main" xmlns="">
+              <a14:hiddenFill xmlns="" xmlns:a14="http://schemas.microsoft.com/office/drawing/2010/main">
                 <a:solidFill>
                   <a:schemeClr val="accent1"/>
                 </a:solidFill>
               </a14:hiddenFill>
             </a:ext>
             <a:ext uri="{91240B29-F687-4f45-9708-019B960494DF}">
-              <a14:hiddenLine xmlns:a14="http://schemas.microsoft.com/office/drawing/2010/main" xmlns="" w="9525">
+              <a14:hiddenLine xmlns="" xmlns:a14="http://schemas.microsoft.com/office/drawing/2010/main" w="9525">
                 <a:solidFill>
                   <a:schemeClr val="tx1"/>
                 </a:solidFill>
@@ -20025,7 +19845,7 @@
           </a:ln>
           <a:extLst>
             <a:ext uri="{909E8E84-426E-40dd-AFC4-6F175D3DCCD1}">
-              <a14:hiddenFill xmlns:a14="http://schemas.microsoft.com/office/drawing/2010/main" xmlns="">
+              <a14:hiddenFill xmlns="" xmlns:a14="http://schemas.microsoft.com/office/drawing/2010/main">
                 <a:noFill/>
               </a14:hiddenFill>
             </a:ext>
@@ -20093,14 +19913,14 @@
           </a:ln>
           <a:extLst>
             <a:ext uri="{909E8E84-426E-40dd-AFC4-6F175D3DCCD1}">
-              <a14:hiddenFill xmlns:a14="http://schemas.microsoft.com/office/drawing/2010/main" xmlns="">
+              <a14:hiddenFill xmlns="" xmlns:a14="http://schemas.microsoft.com/office/drawing/2010/main">
                 <a:solidFill>
                   <a:schemeClr val="accent1"/>
                 </a:solidFill>
               </a14:hiddenFill>
             </a:ext>
             <a:ext uri="{91240B29-F687-4f45-9708-019B960494DF}">
-              <a14:hiddenLine xmlns:a14="http://schemas.microsoft.com/office/drawing/2010/main" xmlns="" w="9525">
+              <a14:hiddenLine xmlns="" xmlns:a14="http://schemas.microsoft.com/office/drawing/2010/main" w="9525">
                 <a:solidFill>
                   <a:schemeClr val="tx1"/>
                 </a:solidFill>
@@ -20172,7 +19992,7 @@
           </a:ln>
           <a:extLst>
             <a:ext uri="{909E8E84-426E-40dd-AFC4-6F175D3DCCD1}">
-              <a14:hiddenFill xmlns:a14="http://schemas.microsoft.com/office/drawing/2010/main" xmlns="">
+              <a14:hiddenFill xmlns="" xmlns:a14="http://schemas.microsoft.com/office/drawing/2010/main">
                 <a:solidFill>
                   <a:schemeClr val="accent1"/>
                 </a:solidFill>
@@ -20315,14 +20135,14 @@
           </a:ln>
           <a:extLst>
             <a:ext uri="{909E8E84-426E-40dd-AFC4-6F175D3DCCD1}">
-              <a14:hiddenFill xmlns:a14="http://schemas.microsoft.com/office/drawing/2010/main" xmlns="">
+              <a14:hiddenFill xmlns="" xmlns:a14="http://schemas.microsoft.com/office/drawing/2010/main">
                 <a:solidFill>
                   <a:schemeClr val="accent1"/>
                 </a:solidFill>
               </a14:hiddenFill>
             </a:ext>
             <a:ext uri="{91240B29-F687-4f45-9708-019B960494DF}">
-              <a14:hiddenLine xmlns:a14="http://schemas.microsoft.com/office/drawing/2010/main" xmlns="" w="9525">
+              <a14:hiddenLine xmlns="" xmlns:a14="http://schemas.microsoft.com/office/drawing/2010/main" w="9525">
                 <a:solidFill>
                   <a:schemeClr val="tx1"/>
                 </a:solidFill>
@@ -20404,7 +20224,7 @@
           </a:ln>
           <a:extLst>
             <a:ext uri="{909E8E84-426E-40dd-AFC4-6F175D3DCCD1}">
-              <a14:hiddenFill xmlns:a14="http://schemas.microsoft.com/office/drawing/2010/main" xmlns="">
+              <a14:hiddenFill xmlns="" xmlns:a14="http://schemas.microsoft.com/office/drawing/2010/main">
                 <a:solidFill>
                   <a:schemeClr val="accent1"/>
                 </a:solidFill>
@@ -20469,7 +20289,7 @@
           </a:ln>
           <a:extLst>
             <a:ext uri="{909E8E84-426E-40dd-AFC4-6F175D3DCCD1}">
-              <a14:hiddenFill xmlns:a14="http://schemas.microsoft.com/office/drawing/2010/main" xmlns="">
+              <a14:hiddenFill xmlns="" xmlns:a14="http://schemas.microsoft.com/office/drawing/2010/main">
                 <a:solidFill>
                   <a:schemeClr val="accent1"/>
                 </a:solidFill>
@@ -20512,7 +20332,7 @@
           </a:ln>
           <a:extLst>
             <a:ext uri="{909E8E84-426E-40dd-AFC4-6F175D3DCCD1}">
-              <a14:hiddenFill xmlns:a14="http://schemas.microsoft.com/office/drawing/2010/main" xmlns="">
+              <a14:hiddenFill xmlns="" xmlns:a14="http://schemas.microsoft.com/office/drawing/2010/main">
                 <a:solidFill>
                   <a:schemeClr val="accent1"/>
                 </a:solidFill>
@@ -20557,7 +20377,7 @@
           </a:ln>
           <a:extLst>
             <a:ext uri="{909E8E84-426E-40dd-AFC4-6F175D3DCCD1}">
-              <a14:hiddenFill xmlns:a14="http://schemas.microsoft.com/office/drawing/2010/main" xmlns="">
+              <a14:hiddenFill xmlns="" xmlns:a14="http://schemas.microsoft.com/office/drawing/2010/main">
                 <a:noFill/>
               </a14:hiddenFill>
             </a:ext>
@@ -20586,14 +20406,14 @@
           </a:ln>
           <a:extLst>
             <a:ext uri="{909E8E84-426E-40dd-AFC4-6F175D3DCCD1}">
-              <a14:hiddenFill xmlns:a14="http://schemas.microsoft.com/office/drawing/2010/main" xmlns="">
+              <a14:hiddenFill xmlns="" xmlns:a14="http://schemas.microsoft.com/office/drawing/2010/main">
                 <a:solidFill>
                   <a:schemeClr val="accent1"/>
                 </a:solidFill>
               </a14:hiddenFill>
             </a:ext>
             <a:ext uri="{91240B29-F687-4f45-9708-019B960494DF}">
-              <a14:hiddenLine xmlns:a14="http://schemas.microsoft.com/office/drawing/2010/main" xmlns="" w="9525">
+              <a14:hiddenLine xmlns="" xmlns:a14="http://schemas.microsoft.com/office/drawing/2010/main" w="9525">
                 <a:solidFill>
                   <a:schemeClr val="tx1"/>
                 </a:solidFill>
@@ -20639,14 +20459,14 @@
           </a:ln>
           <a:extLst>
             <a:ext uri="{909E8E84-426E-40dd-AFC4-6F175D3DCCD1}">
-              <a14:hiddenFill xmlns:a14="http://schemas.microsoft.com/office/drawing/2010/main" xmlns="">
+              <a14:hiddenFill xmlns="" xmlns:a14="http://schemas.microsoft.com/office/drawing/2010/main">
                 <a:solidFill>
                   <a:schemeClr val="accent1"/>
                 </a:solidFill>
               </a14:hiddenFill>
             </a:ext>
             <a:ext uri="{91240B29-F687-4f45-9708-019B960494DF}">
-              <a14:hiddenLine xmlns:a14="http://schemas.microsoft.com/office/drawing/2010/main" xmlns="" w="9525">
+              <a14:hiddenLine xmlns="" xmlns:a14="http://schemas.microsoft.com/office/drawing/2010/main" w="9525">
                 <a:solidFill>
                   <a:schemeClr val="tx1"/>
                 </a:solidFill>
@@ -20697,7 +20517,7 @@
           </a:ln>
           <a:extLst>
             <a:ext uri="{909E8E84-426E-40dd-AFC4-6F175D3DCCD1}">
-              <a14:hiddenFill xmlns:a14="http://schemas.microsoft.com/office/drawing/2010/main" xmlns="">
+              <a14:hiddenFill xmlns="" xmlns:a14="http://schemas.microsoft.com/office/drawing/2010/main">
                 <a:solidFill>
                   <a:schemeClr val="accent1"/>
                 </a:solidFill>
@@ -20740,14 +20560,14 @@
           </a:ln>
           <a:extLst>
             <a:ext uri="{909E8E84-426E-40dd-AFC4-6F175D3DCCD1}">
-              <a14:hiddenFill xmlns:a14="http://schemas.microsoft.com/office/drawing/2010/main" xmlns="">
+              <a14:hiddenFill xmlns="" xmlns:a14="http://schemas.microsoft.com/office/drawing/2010/main">
                 <a:solidFill>
                   <a:schemeClr val="accent1"/>
                 </a:solidFill>
               </a14:hiddenFill>
             </a:ext>
             <a:ext uri="{91240B29-F687-4f45-9708-019B960494DF}">
-              <a14:hiddenLine xmlns:a14="http://schemas.microsoft.com/office/drawing/2010/main" xmlns="" w="9525">
+              <a14:hiddenLine xmlns="" xmlns:a14="http://schemas.microsoft.com/office/drawing/2010/main" w="9525">
                 <a:solidFill>
                   <a:schemeClr val="tx1"/>
                 </a:solidFill>
@@ -20802,7 +20622,7 @@
           </a:ln>
           <a:extLst>
             <a:ext uri="{909E8E84-426E-40dd-AFC4-6F175D3DCCD1}">
-              <a14:hiddenFill xmlns:a14="http://schemas.microsoft.com/office/drawing/2010/main" xmlns="">
+              <a14:hiddenFill xmlns="" xmlns:a14="http://schemas.microsoft.com/office/drawing/2010/main">
                 <a:noFill/>
               </a14:hiddenFill>
             </a:ext>
@@ -20870,14 +20690,14 @@
           </a:ln>
           <a:extLst>
             <a:ext uri="{909E8E84-426E-40dd-AFC4-6F175D3DCCD1}">
-              <a14:hiddenFill xmlns:a14="http://schemas.microsoft.com/office/drawing/2010/main" xmlns="">
+              <a14:hiddenFill xmlns="" xmlns:a14="http://schemas.microsoft.com/office/drawing/2010/main">
                 <a:solidFill>
                   <a:schemeClr val="accent1"/>
                 </a:solidFill>
               </a14:hiddenFill>
             </a:ext>
             <a:ext uri="{91240B29-F687-4f45-9708-019B960494DF}">
-              <a14:hiddenLine xmlns:a14="http://schemas.microsoft.com/office/drawing/2010/main" xmlns="" w="9525">
+              <a14:hiddenLine xmlns="" xmlns:a14="http://schemas.microsoft.com/office/drawing/2010/main" w="9525">
                 <a:solidFill>
                   <a:schemeClr val="tx1"/>
                 </a:solidFill>
@@ -20934,7 +20754,7 @@
           </a:ln>
           <a:extLst>
             <a:ext uri="{909E8E84-426E-40dd-AFC4-6F175D3DCCD1}">
-              <a14:hiddenFill xmlns:a14="http://schemas.microsoft.com/office/drawing/2010/main" xmlns="">
+              <a14:hiddenFill xmlns="" xmlns:a14="http://schemas.microsoft.com/office/drawing/2010/main">
                 <a:solidFill>
                   <a:schemeClr val="accent1"/>
                 </a:solidFill>
@@ -21077,14 +20897,14 @@
           </a:ln>
           <a:extLst>
             <a:ext uri="{909E8E84-426E-40dd-AFC4-6F175D3DCCD1}">
-              <a14:hiddenFill xmlns:a14="http://schemas.microsoft.com/office/drawing/2010/main" xmlns="">
+              <a14:hiddenFill xmlns="" xmlns:a14="http://schemas.microsoft.com/office/drawing/2010/main">
                 <a:solidFill>
                   <a:schemeClr val="accent1"/>
                 </a:solidFill>
               </a14:hiddenFill>
             </a:ext>
             <a:ext uri="{91240B29-F687-4f45-9708-019B960494DF}">
-              <a14:hiddenLine xmlns:a14="http://schemas.microsoft.com/office/drawing/2010/main" xmlns="" w="9525">
+              <a14:hiddenLine xmlns="" xmlns:a14="http://schemas.microsoft.com/office/drawing/2010/main" w="9525">
                 <a:solidFill>
                   <a:schemeClr val="tx1"/>
                 </a:solidFill>
@@ -21178,7 +20998,7 @@
           </a:ln>
           <a:extLst>
             <a:ext uri="{909E8E84-426E-40dd-AFC4-6F175D3DCCD1}">
-              <a14:hiddenFill xmlns:a14="http://schemas.microsoft.com/office/drawing/2010/main" xmlns="">
+              <a14:hiddenFill xmlns="" xmlns:a14="http://schemas.microsoft.com/office/drawing/2010/main">
                 <a:solidFill>
                   <a:schemeClr val="accent1"/>
                 </a:solidFill>
@@ -21243,7 +21063,7 @@
           </a:ln>
           <a:extLst>
             <a:ext uri="{909E8E84-426E-40dd-AFC4-6F175D3DCCD1}">
-              <a14:hiddenFill xmlns:a14="http://schemas.microsoft.com/office/drawing/2010/main" xmlns="">
+              <a14:hiddenFill xmlns="" xmlns:a14="http://schemas.microsoft.com/office/drawing/2010/main">
                 <a:solidFill>
                   <a:schemeClr val="accent1"/>
                 </a:solidFill>
@@ -21286,7 +21106,7 @@
           </a:ln>
           <a:extLst>
             <a:ext uri="{909E8E84-426E-40dd-AFC4-6F175D3DCCD1}">
-              <a14:hiddenFill xmlns:a14="http://schemas.microsoft.com/office/drawing/2010/main" xmlns="">
+              <a14:hiddenFill xmlns="" xmlns:a14="http://schemas.microsoft.com/office/drawing/2010/main">
                 <a:solidFill>
                   <a:schemeClr val="accent1"/>
                 </a:solidFill>
@@ -21331,7 +21151,7 @@
           </a:ln>
           <a:extLst>
             <a:ext uri="{909E8E84-426E-40dd-AFC4-6F175D3DCCD1}">
-              <a14:hiddenFill xmlns:a14="http://schemas.microsoft.com/office/drawing/2010/main" xmlns="">
+              <a14:hiddenFill xmlns="" xmlns:a14="http://schemas.microsoft.com/office/drawing/2010/main">
                 <a:noFill/>
               </a14:hiddenFill>
             </a:ext>
@@ -21360,14 +21180,14 @@
           </a:ln>
           <a:extLst>
             <a:ext uri="{909E8E84-426E-40dd-AFC4-6F175D3DCCD1}">
-              <a14:hiddenFill xmlns:a14="http://schemas.microsoft.com/office/drawing/2010/main" xmlns="">
+              <a14:hiddenFill xmlns="" xmlns:a14="http://schemas.microsoft.com/office/drawing/2010/main">
                 <a:solidFill>
                   <a:schemeClr val="accent1"/>
                 </a:solidFill>
               </a14:hiddenFill>
             </a:ext>
             <a:ext uri="{91240B29-F687-4f45-9708-019B960494DF}">
-              <a14:hiddenLine xmlns:a14="http://schemas.microsoft.com/office/drawing/2010/main" xmlns="" w="9525">
+              <a14:hiddenLine xmlns="" xmlns:a14="http://schemas.microsoft.com/office/drawing/2010/main" w="9525">
                 <a:solidFill>
                   <a:schemeClr val="tx1"/>
                 </a:solidFill>
@@ -21413,14 +21233,14 @@
           </a:ln>
           <a:extLst>
             <a:ext uri="{909E8E84-426E-40dd-AFC4-6F175D3DCCD1}">
-              <a14:hiddenFill xmlns:a14="http://schemas.microsoft.com/office/drawing/2010/main" xmlns="">
+              <a14:hiddenFill xmlns="" xmlns:a14="http://schemas.microsoft.com/office/drawing/2010/main">
                 <a:solidFill>
                   <a:schemeClr val="accent1"/>
                 </a:solidFill>
               </a14:hiddenFill>
             </a:ext>
             <a:ext uri="{91240B29-F687-4f45-9708-019B960494DF}">
-              <a14:hiddenLine xmlns:a14="http://schemas.microsoft.com/office/drawing/2010/main" xmlns="" w="9525">
+              <a14:hiddenLine xmlns="" xmlns:a14="http://schemas.microsoft.com/office/drawing/2010/main" w="9525">
                 <a:solidFill>
                   <a:schemeClr val="tx1"/>
                 </a:solidFill>
@@ -21475,7 +21295,7 @@
           </a:ln>
           <a:extLst>
             <a:ext uri="{909E8E84-426E-40dd-AFC4-6F175D3DCCD1}">
-              <a14:hiddenFill xmlns:a14="http://schemas.microsoft.com/office/drawing/2010/main" xmlns="">
+              <a14:hiddenFill xmlns="" xmlns:a14="http://schemas.microsoft.com/office/drawing/2010/main">
                 <a:solidFill>
                   <a:schemeClr val="accent1"/>
                 </a:solidFill>
@@ -21518,14 +21338,14 @@
           </a:ln>
           <a:extLst>
             <a:ext uri="{909E8E84-426E-40dd-AFC4-6F175D3DCCD1}">
-              <a14:hiddenFill xmlns:a14="http://schemas.microsoft.com/office/drawing/2010/main" xmlns="">
+              <a14:hiddenFill xmlns="" xmlns:a14="http://schemas.microsoft.com/office/drawing/2010/main">
                 <a:solidFill>
                   <a:schemeClr val="accent1"/>
                 </a:solidFill>
               </a14:hiddenFill>
             </a:ext>
             <a:ext uri="{91240B29-F687-4f45-9708-019B960494DF}">
-              <a14:hiddenLine xmlns:a14="http://schemas.microsoft.com/office/drawing/2010/main" xmlns="" w="9525">
+              <a14:hiddenLine xmlns="" xmlns:a14="http://schemas.microsoft.com/office/drawing/2010/main" w="9525">
                 <a:solidFill>
                   <a:schemeClr val="tx1"/>
                 </a:solidFill>
@@ -21580,7 +21400,7 @@
           </a:ln>
           <a:extLst>
             <a:ext uri="{909E8E84-426E-40dd-AFC4-6F175D3DCCD1}">
-              <a14:hiddenFill xmlns:a14="http://schemas.microsoft.com/office/drawing/2010/main" xmlns="">
+              <a14:hiddenFill xmlns="" xmlns:a14="http://schemas.microsoft.com/office/drawing/2010/main">
                 <a:noFill/>
               </a14:hiddenFill>
             </a:ext>
@@ -21648,14 +21468,14 @@
           </a:ln>
           <a:extLst>
             <a:ext uri="{909E8E84-426E-40dd-AFC4-6F175D3DCCD1}">
-              <a14:hiddenFill xmlns:a14="http://schemas.microsoft.com/office/drawing/2010/main" xmlns="">
+              <a14:hiddenFill xmlns="" xmlns:a14="http://schemas.microsoft.com/office/drawing/2010/main">
                 <a:solidFill>
                   <a:schemeClr val="accent1"/>
                 </a:solidFill>
               </a14:hiddenFill>
             </a:ext>
             <a:ext uri="{91240B29-F687-4f45-9708-019B960494DF}">
-              <a14:hiddenLine xmlns:a14="http://schemas.microsoft.com/office/drawing/2010/main" xmlns="" w="9525">
+              <a14:hiddenLine xmlns="" xmlns:a14="http://schemas.microsoft.com/office/drawing/2010/main" w="9525">
                 <a:solidFill>
                   <a:schemeClr val="tx1"/>
                 </a:solidFill>
@@ -21712,7 +21532,7 @@
           </a:ln>
           <a:extLst>
             <a:ext uri="{909E8E84-426E-40dd-AFC4-6F175D3DCCD1}">
-              <a14:hiddenFill xmlns:a14="http://schemas.microsoft.com/office/drawing/2010/main" xmlns="">
+              <a14:hiddenFill xmlns="" xmlns:a14="http://schemas.microsoft.com/office/drawing/2010/main">
                 <a:solidFill>
                   <a:schemeClr val="accent1"/>
                 </a:solidFill>
@@ -21855,14 +21675,14 @@
           </a:ln>
           <a:extLst>
             <a:ext uri="{909E8E84-426E-40dd-AFC4-6F175D3DCCD1}">
-              <a14:hiddenFill xmlns:a14="http://schemas.microsoft.com/office/drawing/2010/main" xmlns="">
+              <a14:hiddenFill xmlns="" xmlns:a14="http://schemas.microsoft.com/office/drawing/2010/main">
                 <a:solidFill>
                   <a:schemeClr val="accent1"/>
                 </a:solidFill>
               </a14:hiddenFill>
             </a:ext>
             <a:ext uri="{91240B29-F687-4f45-9708-019B960494DF}">
-              <a14:hiddenLine xmlns:a14="http://schemas.microsoft.com/office/drawing/2010/main" xmlns="" w="9525">
+              <a14:hiddenLine xmlns="" xmlns:a14="http://schemas.microsoft.com/office/drawing/2010/main" w="9525">
                 <a:solidFill>
                   <a:schemeClr val="tx1"/>
                 </a:solidFill>
@@ -21944,7 +21764,7 @@
           </a:ln>
           <a:extLst>
             <a:ext uri="{909E8E84-426E-40dd-AFC4-6F175D3DCCD1}">
-              <a14:hiddenFill xmlns:a14="http://schemas.microsoft.com/office/drawing/2010/main" xmlns="">
+              <a14:hiddenFill xmlns="" xmlns:a14="http://schemas.microsoft.com/office/drawing/2010/main">
                 <a:solidFill>
                   <a:schemeClr val="accent1"/>
                 </a:solidFill>
@@ -22009,7 +21829,7 @@
           </a:ln>
           <a:extLst>
             <a:ext uri="{909E8E84-426E-40dd-AFC4-6F175D3DCCD1}">
-              <a14:hiddenFill xmlns:a14="http://schemas.microsoft.com/office/drawing/2010/main" xmlns="">
+              <a14:hiddenFill xmlns="" xmlns:a14="http://schemas.microsoft.com/office/drawing/2010/main">
                 <a:solidFill>
                   <a:schemeClr val="accent1"/>
                 </a:solidFill>
@@ -22052,7 +21872,7 @@
           </a:ln>
           <a:extLst>
             <a:ext uri="{909E8E84-426E-40dd-AFC4-6F175D3DCCD1}">
-              <a14:hiddenFill xmlns:a14="http://schemas.microsoft.com/office/drawing/2010/main" xmlns="">
+              <a14:hiddenFill xmlns="" xmlns:a14="http://schemas.microsoft.com/office/drawing/2010/main">
                 <a:solidFill>
                   <a:schemeClr val="accent1"/>
                 </a:solidFill>
@@ -22097,7 +21917,7 @@
           </a:ln>
           <a:extLst>
             <a:ext uri="{909E8E84-426E-40dd-AFC4-6F175D3DCCD1}">
-              <a14:hiddenFill xmlns:a14="http://schemas.microsoft.com/office/drawing/2010/main" xmlns="">
+              <a14:hiddenFill xmlns="" xmlns:a14="http://schemas.microsoft.com/office/drawing/2010/main">
                 <a:noFill/>
               </a14:hiddenFill>
             </a:ext>
@@ -22126,14 +21946,14 @@
           </a:ln>
           <a:extLst>
             <a:ext uri="{909E8E84-426E-40dd-AFC4-6F175D3DCCD1}">
-              <a14:hiddenFill xmlns:a14="http://schemas.microsoft.com/office/drawing/2010/main" xmlns="">
+              <a14:hiddenFill xmlns="" xmlns:a14="http://schemas.microsoft.com/office/drawing/2010/main">
                 <a:solidFill>
                   <a:schemeClr val="accent1"/>
                 </a:solidFill>
               </a14:hiddenFill>
             </a:ext>
             <a:ext uri="{91240B29-F687-4f45-9708-019B960494DF}">
-              <a14:hiddenLine xmlns:a14="http://schemas.microsoft.com/office/drawing/2010/main" xmlns="" w="9525">
+              <a14:hiddenLine xmlns="" xmlns:a14="http://schemas.microsoft.com/office/drawing/2010/main" w="9525">
                 <a:solidFill>
                   <a:schemeClr val="tx1"/>
                 </a:solidFill>
@@ -22179,14 +21999,14 @@
           </a:ln>
           <a:extLst>
             <a:ext uri="{909E8E84-426E-40dd-AFC4-6F175D3DCCD1}">
-              <a14:hiddenFill xmlns:a14="http://schemas.microsoft.com/office/drawing/2010/main" xmlns="">
+              <a14:hiddenFill xmlns="" xmlns:a14="http://schemas.microsoft.com/office/drawing/2010/main">
                 <a:solidFill>
                   <a:schemeClr val="accent1"/>
                 </a:solidFill>
               </a14:hiddenFill>
             </a:ext>
             <a:ext uri="{91240B29-F687-4f45-9708-019B960494DF}">
-              <a14:hiddenLine xmlns:a14="http://schemas.microsoft.com/office/drawing/2010/main" xmlns="" w="9525">
+              <a14:hiddenLine xmlns="" xmlns:a14="http://schemas.microsoft.com/office/drawing/2010/main" w="9525">
                 <a:solidFill>
                   <a:schemeClr val="tx1"/>
                 </a:solidFill>
@@ -22241,7 +22061,7 @@
           </a:ln>
           <a:extLst>
             <a:ext uri="{909E8E84-426E-40dd-AFC4-6F175D3DCCD1}">
-              <a14:hiddenFill xmlns:a14="http://schemas.microsoft.com/office/drawing/2010/main" xmlns="">
+              <a14:hiddenFill xmlns="" xmlns:a14="http://schemas.microsoft.com/office/drawing/2010/main">
                 <a:solidFill>
                   <a:schemeClr val="accent1"/>
                 </a:solidFill>
@@ -22284,14 +22104,14 @@
           </a:ln>
           <a:extLst>
             <a:ext uri="{909E8E84-426E-40dd-AFC4-6F175D3DCCD1}">
-              <a14:hiddenFill xmlns:a14="http://schemas.microsoft.com/office/drawing/2010/main" xmlns="">
+              <a14:hiddenFill xmlns="" xmlns:a14="http://schemas.microsoft.com/office/drawing/2010/main">
                 <a:solidFill>
                   <a:schemeClr val="accent1"/>
                 </a:solidFill>
               </a14:hiddenFill>
             </a:ext>
             <a:ext uri="{91240B29-F687-4f45-9708-019B960494DF}">
-              <a14:hiddenLine xmlns:a14="http://schemas.microsoft.com/office/drawing/2010/main" xmlns="" w="9525">
+              <a14:hiddenLine xmlns="" xmlns:a14="http://schemas.microsoft.com/office/drawing/2010/main" w="9525">
                 <a:solidFill>
                   <a:schemeClr val="tx1"/>
                 </a:solidFill>
@@ -22346,7 +22166,7 @@
           </a:ln>
           <a:extLst>
             <a:ext uri="{909E8E84-426E-40dd-AFC4-6F175D3DCCD1}">
-              <a14:hiddenFill xmlns:a14="http://schemas.microsoft.com/office/drawing/2010/main" xmlns="">
+              <a14:hiddenFill xmlns="" xmlns:a14="http://schemas.microsoft.com/office/drawing/2010/main">
                 <a:noFill/>
               </a14:hiddenFill>
             </a:ext>
@@ -22414,14 +22234,14 @@
           </a:ln>
           <a:extLst>
             <a:ext uri="{909E8E84-426E-40dd-AFC4-6F175D3DCCD1}">
-              <a14:hiddenFill xmlns:a14="http://schemas.microsoft.com/office/drawing/2010/main" xmlns="">
+              <a14:hiddenFill xmlns="" xmlns:a14="http://schemas.microsoft.com/office/drawing/2010/main">
                 <a:solidFill>
                   <a:schemeClr val="accent1"/>
                 </a:solidFill>
               </a14:hiddenFill>
             </a:ext>
             <a:ext uri="{91240B29-F687-4f45-9708-019B960494DF}">
-              <a14:hiddenLine xmlns:a14="http://schemas.microsoft.com/office/drawing/2010/main" xmlns="" w="9525">
+              <a14:hiddenLine xmlns="" xmlns:a14="http://schemas.microsoft.com/office/drawing/2010/main" w="9525">
                 <a:solidFill>
                   <a:schemeClr val="tx1"/>
                 </a:solidFill>
@@ -22478,7 +22298,7 @@
           </a:ln>
           <a:extLst>
             <a:ext uri="{909E8E84-426E-40dd-AFC4-6F175D3DCCD1}">
-              <a14:hiddenFill xmlns:a14="http://schemas.microsoft.com/office/drawing/2010/main" xmlns="">
+              <a14:hiddenFill xmlns="" xmlns:a14="http://schemas.microsoft.com/office/drawing/2010/main">
                 <a:solidFill>
                   <a:schemeClr val="accent1"/>
                 </a:solidFill>
@@ -22621,14 +22441,14 @@
           </a:ln>
           <a:extLst>
             <a:ext uri="{909E8E84-426E-40dd-AFC4-6F175D3DCCD1}">
-              <a14:hiddenFill xmlns:a14="http://schemas.microsoft.com/office/drawing/2010/main" xmlns="">
+              <a14:hiddenFill xmlns="" xmlns:a14="http://schemas.microsoft.com/office/drawing/2010/main">
                 <a:solidFill>
                   <a:schemeClr val="accent1"/>
                 </a:solidFill>
               </a14:hiddenFill>
             </a:ext>
             <a:ext uri="{91240B29-F687-4f45-9708-019B960494DF}">
-              <a14:hiddenLine xmlns:a14="http://schemas.microsoft.com/office/drawing/2010/main" xmlns="" w="9525">
+              <a14:hiddenLine xmlns="" xmlns:a14="http://schemas.microsoft.com/office/drawing/2010/main" w="9525">
                 <a:solidFill>
                   <a:schemeClr val="tx1"/>
                 </a:solidFill>
@@ -22685,7 +22505,7 @@
           </a:ln>
           <a:extLst>
             <a:ext uri="{909E8E84-426E-40dd-AFC4-6F175D3DCCD1}">
-              <a14:hiddenFill xmlns:a14="http://schemas.microsoft.com/office/drawing/2010/main" xmlns="">
+              <a14:hiddenFill xmlns="" xmlns:a14="http://schemas.microsoft.com/office/drawing/2010/main">
                 <a:solidFill>
                   <a:schemeClr val="accent1"/>
                 </a:solidFill>
@@ -22864,7 +22684,7 @@
           <a:effectLst/>
           <a:extLst>
             <a:ext uri="{AF507438-7753-43e0-B8FC-AC1667EBCBE1}">
-              <a14:hiddenEffects xmlns="" xmlns:a14="http://schemas.microsoft.com/office/drawing/2010/main">
+              <a14:hiddenEffects xmlns:a14="http://schemas.microsoft.com/office/drawing/2010/main" xmlns="">
                 <a:effectLst>
                   <a:outerShdw blurRad="63500" dist="38099" dir="2700000" algn="ctr" rotWithShape="0">
                     <a:schemeClr val="bg2">
@@ -23002,7 +22822,7 @@
           </a:ln>
           <a:extLst>
             <a:ext uri="{909E8E84-426E-40dd-AFC4-6F175D3DCCD1}">
-              <a14:hiddenFill xmlns:a14="http://schemas.microsoft.com/office/drawing/2010/main" xmlns="">
+              <a14:hiddenFill xmlns="" xmlns:a14="http://schemas.microsoft.com/office/drawing/2010/main">
                 <a:solidFill>
                   <a:schemeClr val="accent1"/>
                 </a:solidFill>
@@ -23067,7 +22887,7 @@
           </a:ln>
           <a:extLst>
             <a:ext uri="{909E8E84-426E-40dd-AFC4-6F175D3DCCD1}">
-              <a14:hiddenFill xmlns:a14="http://schemas.microsoft.com/office/drawing/2010/main" xmlns="">
+              <a14:hiddenFill xmlns="" xmlns:a14="http://schemas.microsoft.com/office/drawing/2010/main">
                 <a:solidFill>
                   <a:schemeClr val="accent1"/>
                 </a:solidFill>
@@ -23110,7 +22930,7 @@
           </a:ln>
           <a:extLst>
             <a:ext uri="{909E8E84-426E-40dd-AFC4-6F175D3DCCD1}">
-              <a14:hiddenFill xmlns:a14="http://schemas.microsoft.com/office/drawing/2010/main" xmlns="">
+              <a14:hiddenFill xmlns="" xmlns:a14="http://schemas.microsoft.com/office/drawing/2010/main">
                 <a:solidFill>
                   <a:schemeClr val="accent1"/>
                 </a:solidFill>
@@ -23155,7 +22975,7 @@
           </a:ln>
           <a:extLst>
             <a:ext uri="{909E8E84-426E-40dd-AFC4-6F175D3DCCD1}">
-              <a14:hiddenFill xmlns:a14="http://schemas.microsoft.com/office/drawing/2010/main" xmlns="">
+              <a14:hiddenFill xmlns="" xmlns:a14="http://schemas.microsoft.com/office/drawing/2010/main">
                 <a:noFill/>
               </a14:hiddenFill>
             </a:ext>
@@ -23184,14 +23004,14 @@
           </a:ln>
           <a:extLst>
             <a:ext uri="{909E8E84-426E-40dd-AFC4-6F175D3DCCD1}">
-              <a14:hiddenFill xmlns:a14="http://schemas.microsoft.com/office/drawing/2010/main" xmlns="">
+              <a14:hiddenFill xmlns="" xmlns:a14="http://schemas.microsoft.com/office/drawing/2010/main">
                 <a:solidFill>
                   <a:schemeClr val="accent1"/>
                 </a:solidFill>
               </a14:hiddenFill>
             </a:ext>
             <a:ext uri="{91240B29-F687-4f45-9708-019B960494DF}">
-              <a14:hiddenLine xmlns:a14="http://schemas.microsoft.com/office/drawing/2010/main" xmlns="" w="9525">
+              <a14:hiddenLine xmlns="" xmlns:a14="http://schemas.microsoft.com/office/drawing/2010/main" w="9525">
                 <a:solidFill>
                   <a:schemeClr val="tx1"/>
                 </a:solidFill>
@@ -23237,14 +23057,14 @@
           </a:ln>
           <a:extLst>
             <a:ext uri="{909E8E84-426E-40dd-AFC4-6F175D3DCCD1}">
-              <a14:hiddenFill xmlns:a14="http://schemas.microsoft.com/office/drawing/2010/main" xmlns="">
+              <a14:hiddenFill xmlns="" xmlns:a14="http://schemas.microsoft.com/office/drawing/2010/main">
                 <a:solidFill>
                   <a:schemeClr val="accent1"/>
                 </a:solidFill>
               </a14:hiddenFill>
             </a:ext>
             <a:ext uri="{91240B29-F687-4f45-9708-019B960494DF}">
-              <a14:hiddenLine xmlns:a14="http://schemas.microsoft.com/office/drawing/2010/main" xmlns="" w="9525">
+              <a14:hiddenLine xmlns="" xmlns:a14="http://schemas.microsoft.com/office/drawing/2010/main" w="9525">
                 <a:solidFill>
                   <a:schemeClr val="tx1"/>
                 </a:solidFill>
@@ -23299,7 +23119,7 @@
           </a:ln>
           <a:extLst>
             <a:ext uri="{909E8E84-426E-40dd-AFC4-6F175D3DCCD1}">
-              <a14:hiddenFill xmlns:a14="http://schemas.microsoft.com/office/drawing/2010/main" xmlns="">
+              <a14:hiddenFill xmlns="" xmlns:a14="http://schemas.microsoft.com/office/drawing/2010/main">
                 <a:solidFill>
                   <a:schemeClr val="accent1"/>
                 </a:solidFill>
@@ -23342,14 +23162,14 @@
           </a:ln>
           <a:extLst>
             <a:ext uri="{909E8E84-426E-40dd-AFC4-6F175D3DCCD1}">
-              <a14:hiddenFill xmlns:a14="http://schemas.microsoft.com/office/drawing/2010/main" xmlns="">
+              <a14:hiddenFill xmlns="" xmlns:a14="http://schemas.microsoft.com/office/drawing/2010/main">
                 <a:solidFill>
                   <a:schemeClr val="accent1"/>
                 </a:solidFill>
               </a14:hiddenFill>
             </a:ext>
             <a:ext uri="{91240B29-F687-4f45-9708-019B960494DF}">
-              <a14:hiddenLine xmlns:a14="http://schemas.microsoft.com/office/drawing/2010/main" xmlns="" w="9525">
+              <a14:hiddenLine xmlns="" xmlns:a14="http://schemas.microsoft.com/office/drawing/2010/main" w="9525">
                 <a:solidFill>
                   <a:schemeClr val="tx1"/>
                 </a:solidFill>
@@ -23404,7 +23224,7 @@
           </a:ln>
           <a:extLst>
             <a:ext uri="{909E8E84-426E-40dd-AFC4-6F175D3DCCD1}">
-              <a14:hiddenFill xmlns:a14="http://schemas.microsoft.com/office/drawing/2010/main" xmlns="">
+              <a14:hiddenFill xmlns="" xmlns:a14="http://schemas.microsoft.com/office/drawing/2010/main">
                 <a:noFill/>
               </a14:hiddenFill>
             </a:ext>
@@ -23438,7 +23258,7 @@
           </a:ln>
           <a:extLst>
             <a:ext uri="{909E8E84-426E-40dd-AFC4-6F175D3DCCD1}">
-              <a14:hiddenFill xmlns:a14="http://schemas.microsoft.com/office/drawing/2010/main" xmlns="">
+              <a14:hiddenFill xmlns="" xmlns:a14="http://schemas.microsoft.com/office/drawing/2010/main">
                 <a:solidFill>
                   <a:schemeClr val="accent1"/>
                 </a:solidFill>
@@ -23606,7 +23426,7 @@
           </a:ln>
           <a:extLst>
             <a:ext uri="{909E8E84-426E-40dd-AFC4-6F175D3DCCD1}">
-              <a14:hiddenFill xmlns:a14="http://schemas.microsoft.com/office/drawing/2010/main" xmlns="">
+              <a14:hiddenFill xmlns="" xmlns:a14="http://schemas.microsoft.com/office/drawing/2010/main">
                 <a:solidFill>
                   <a:schemeClr val="accent1"/>
                 </a:solidFill>
@@ -23671,7 +23491,7 @@
           </a:ln>
           <a:extLst>
             <a:ext uri="{909E8E84-426E-40dd-AFC4-6F175D3DCCD1}">
-              <a14:hiddenFill xmlns:a14="http://schemas.microsoft.com/office/drawing/2010/main" xmlns="">
+              <a14:hiddenFill xmlns="" xmlns:a14="http://schemas.microsoft.com/office/drawing/2010/main">
                 <a:solidFill>
                   <a:schemeClr val="accent1"/>
                 </a:solidFill>
@@ -23714,7 +23534,7 @@
           </a:ln>
           <a:extLst>
             <a:ext uri="{909E8E84-426E-40dd-AFC4-6F175D3DCCD1}">
-              <a14:hiddenFill xmlns:a14="http://schemas.microsoft.com/office/drawing/2010/main" xmlns="">
+              <a14:hiddenFill xmlns="" xmlns:a14="http://schemas.microsoft.com/office/drawing/2010/main">
                 <a:solidFill>
                   <a:schemeClr val="accent1"/>
                 </a:solidFill>
@@ -23759,7 +23579,7 @@
           </a:ln>
           <a:extLst>
             <a:ext uri="{909E8E84-426E-40dd-AFC4-6F175D3DCCD1}">
-              <a14:hiddenFill xmlns:a14="http://schemas.microsoft.com/office/drawing/2010/main" xmlns="">
+              <a14:hiddenFill xmlns="" xmlns:a14="http://schemas.microsoft.com/office/drawing/2010/main">
                 <a:noFill/>
               </a14:hiddenFill>
             </a:ext>
@@ -23788,14 +23608,14 @@
           </a:ln>
           <a:extLst>
             <a:ext uri="{909E8E84-426E-40dd-AFC4-6F175D3DCCD1}">
-              <a14:hiddenFill xmlns:a14="http://schemas.microsoft.com/office/drawing/2010/main" xmlns="">
+              <a14:hiddenFill xmlns="" xmlns:a14="http://schemas.microsoft.com/office/drawing/2010/main">
                 <a:solidFill>
                   <a:schemeClr val="accent1"/>
                 </a:solidFill>
               </a14:hiddenFill>
             </a:ext>
             <a:ext uri="{91240B29-F687-4f45-9708-019B960494DF}">
-              <a14:hiddenLine xmlns:a14="http://schemas.microsoft.com/office/drawing/2010/main" xmlns="" w="9525">
+              <a14:hiddenLine xmlns="" xmlns:a14="http://schemas.microsoft.com/office/drawing/2010/main" w="9525">
                 <a:solidFill>
                   <a:schemeClr val="tx1"/>
                 </a:solidFill>
@@ -23841,14 +23661,14 @@
           </a:ln>
           <a:extLst>
             <a:ext uri="{909E8E84-426E-40dd-AFC4-6F175D3DCCD1}">
-              <a14:hiddenFill xmlns:a14="http://schemas.microsoft.com/office/drawing/2010/main" xmlns="">
+              <a14:hiddenFill xmlns="" xmlns:a14="http://schemas.microsoft.com/office/drawing/2010/main">
                 <a:solidFill>
                   <a:schemeClr val="accent1"/>
                 </a:solidFill>
               </a14:hiddenFill>
             </a:ext>
             <a:ext uri="{91240B29-F687-4f45-9708-019B960494DF}">
-              <a14:hiddenLine xmlns:a14="http://schemas.microsoft.com/office/drawing/2010/main" xmlns="" w="9525">
+              <a14:hiddenLine xmlns="" xmlns:a14="http://schemas.microsoft.com/office/drawing/2010/main" w="9525">
                 <a:solidFill>
                   <a:schemeClr val="tx1"/>
                 </a:solidFill>
@@ -23903,7 +23723,7 @@
           </a:ln>
           <a:extLst>
             <a:ext uri="{909E8E84-426E-40dd-AFC4-6F175D3DCCD1}">
-              <a14:hiddenFill xmlns:a14="http://schemas.microsoft.com/office/drawing/2010/main" xmlns="">
+              <a14:hiddenFill xmlns="" xmlns:a14="http://schemas.microsoft.com/office/drawing/2010/main">
                 <a:solidFill>
                   <a:schemeClr val="accent1"/>
                 </a:solidFill>
@@ -23946,14 +23766,14 @@
           </a:ln>
           <a:extLst>
             <a:ext uri="{909E8E84-426E-40dd-AFC4-6F175D3DCCD1}">
-              <a14:hiddenFill xmlns:a14="http://schemas.microsoft.com/office/drawing/2010/main" xmlns="">
+              <a14:hiddenFill xmlns="" xmlns:a14="http://schemas.microsoft.com/office/drawing/2010/main">
                 <a:solidFill>
                   <a:schemeClr val="accent1"/>
                 </a:solidFill>
               </a14:hiddenFill>
             </a:ext>
             <a:ext uri="{91240B29-F687-4f45-9708-019B960494DF}">
-              <a14:hiddenLine xmlns:a14="http://schemas.microsoft.com/office/drawing/2010/main" xmlns="" w="9525">
+              <a14:hiddenLine xmlns="" xmlns:a14="http://schemas.microsoft.com/office/drawing/2010/main" w="9525">
                 <a:solidFill>
                   <a:schemeClr val="tx1"/>
                 </a:solidFill>
@@ -24008,7 +23828,7 @@
           </a:ln>
           <a:extLst>
             <a:ext uri="{909E8E84-426E-40dd-AFC4-6F175D3DCCD1}">
-              <a14:hiddenFill xmlns:a14="http://schemas.microsoft.com/office/drawing/2010/main" xmlns="">
+              <a14:hiddenFill xmlns="" xmlns:a14="http://schemas.microsoft.com/office/drawing/2010/main">
                 <a:noFill/>
               </a14:hiddenFill>
             </a:ext>
@@ -24037,14 +23857,14 @@
           </a:ln>
           <a:extLst>
             <a:ext uri="{909E8E84-426E-40dd-AFC4-6F175D3DCCD1}">
-              <a14:hiddenFill xmlns:a14="http://schemas.microsoft.com/office/drawing/2010/main" xmlns="">
+              <a14:hiddenFill xmlns="" xmlns:a14="http://schemas.microsoft.com/office/drawing/2010/main">
                 <a:solidFill>
                   <a:schemeClr val="accent1"/>
                 </a:solidFill>
               </a14:hiddenFill>
             </a:ext>
             <a:ext uri="{91240B29-F687-4f45-9708-019B960494DF}">
-              <a14:hiddenLine xmlns:a14="http://schemas.microsoft.com/office/drawing/2010/main" xmlns="" w="9525">
+              <a14:hiddenLine xmlns="" xmlns:a14="http://schemas.microsoft.com/office/drawing/2010/main" w="9525">
                 <a:solidFill>
                   <a:schemeClr val="tx1"/>
                 </a:solidFill>
@@ -24187,7 +24007,7 @@
           </a:ln>
           <a:extLst>
             <a:ext uri="{909E8E84-426E-40dd-AFC4-6F175D3DCCD1}">
-              <a14:hiddenFill xmlns:a14="http://schemas.microsoft.com/office/drawing/2010/main" xmlns="">
+              <a14:hiddenFill xmlns="" xmlns:a14="http://schemas.microsoft.com/office/drawing/2010/main">
                 <a:solidFill>
                   <a:schemeClr val="accent1"/>
                 </a:solidFill>
@@ -24394,7 +24214,7 @@
           </a:ln>
           <a:extLst>
             <a:ext uri="{909E8E84-426E-40dd-AFC4-6F175D3DCCD1}">
-              <a14:hiddenFill xmlns:a14="http://schemas.microsoft.com/office/drawing/2010/main" xmlns="">
+              <a14:hiddenFill xmlns="" xmlns:a14="http://schemas.microsoft.com/office/drawing/2010/main">
                 <a:solidFill>
                   <a:schemeClr val="accent1"/>
                 </a:solidFill>
@@ -24459,7 +24279,7 @@
           </a:ln>
           <a:extLst>
             <a:ext uri="{909E8E84-426E-40dd-AFC4-6F175D3DCCD1}">
-              <a14:hiddenFill xmlns:a14="http://schemas.microsoft.com/office/drawing/2010/main" xmlns="">
+              <a14:hiddenFill xmlns="" xmlns:a14="http://schemas.microsoft.com/office/drawing/2010/main">
                 <a:solidFill>
                   <a:schemeClr val="accent1"/>
                 </a:solidFill>
@@ -24502,7 +24322,7 @@
           </a:ln>
           <a:extLst>
             <a:ext uri="{909E8E84-426E-40dd-AFC4-6F175D3DCCD1}">
-              <a14:hiddenFill xmlns:a14="http://schemas.microsoft.com/office/drawing/2010/main" xmlns="">
+              <a14:hiddenFill xmlns="" xmlns:a14="http://schemas.microsoft.com/office/drawing/2010/main">
                 <a:solidFill>
                   <a:schemeClr val="accent1"/>
                 </a:solidFill>
@@ -24547,7 +24367,7 @@
           </a:ln>
           <a:extLst>
             <a:ext uri="{909E8E84-426E-40dd-AFC4-6F175D3DCCD1}">
-              <a14:hiddenFill xmlns:a14="http://schemas.microsoft.com/office/drawing/2010/main" xmlns="">
+              <a14:hiddenFill xmlns="" xmlns:a14="http://schemas.microsoft.com/office/drawing/2010/main">
                 <a:noFill/>
               </a14:hiddenFill>
             </a:ext>
@@ -24576,14 +24396,14 @@
           </a:ln>
           <a:extLst>
             <a:ext uri="{909E8E84-426E-40dd-AFC4-6F175D3DCCD1}">
-              <a14:hiddenFill xmlns:a14="http://schemas.microsoft.com/office/drawing/2010/main" xmlns="">
+              <a14:hiddenFill xmlns="" xmlns:a14="http://schemas.microsoft.com/office/drawing/2010/main">
                 <a:solidFill>
                   <a:schemeClr val="accent1"/>
                 </a:solidFill>
               </a14:hiddenFill>
             </a:ext>
             <a:ext uri="{91240B29-F687-4f45-9708-019B960494DF}">
-              <a14:hiddenLine xmlns:a14="http://schemas.microsoft.com/office/drawing/2010/main" xmlns="" w="9525">
+              <a14:hiddenLine xmlns="" xmlns:a14="http://schemas.microsoft.com/office/drawing/2010/main" w="9525">
                 <a:solidFill>
                   <a:schemeClr val="tx1"/>
                 </a:solidFill>
@@ -24629,14 +24449,14 @@
           </a:ln>
           <a:extLst>
             <a:ext uri="{909E8E84-426E-40dd-AFC4-6F175D3DCCD1}">
-              <a14:hiddenFill xmlns:a14="http://schemas.microsoft.com/office/drawing/2010/main" xmlns="">
+              <a14:hiddenFill xmlns="" xmlns:a14="http://schemas.microsoft.com/office/drawing/2010/main">
                 <a:solidFill>
                   <a:schemeClr val="accent1"/>
                 </a:solidFill>
               </a14:hiddenFill>
             </a:ext>
             <a:ext uri="{91240B29-F687-4f45-9708-019B960494DF}">
-              <a14:hiddenLine xmlns:a14="http://schemas.microsoft.com/office/drawing/2010/main" xmlns="" w="9525">
+              <a14:hiddenLine xmlns="" xmlns:a14="http://schemas.microsoft.com/office/drawing/2010/main" w="9525">
                 <a:solidFill>
                   <a:schemeClr val="tx1"/>
                 </a:solidFill>
@@ -24691,7 +24511,7 @@
           </a:ln>
           <a:extLst>
             <a:ext uri="{909E8E84-426E-40dd-AFC4-6F175D3DCCD1}">
-              <a14:hiddenFill xmlns:a14="http://schemas.microsoft.com/office/drawing/2010/main" xmlns="">
+              <a14:hiddenFill xmlns="" xmlns:a14="http://schemas.microsoft.com/office/drawing/2010/main">
                 <a:solidFill>
                   <a:schemeClr val="accent1"/>
                 </a:solidFill>
@@ -24734,14 +24554,14 @@
           </a:ln>
           <a:extLst>
             <a:ext uri="{909E8E84-426E-40dd-AFC4-6F175D3DCCD1}">
-              <a14:hiddenFill xmlns:a14="http://schemas.microsoft.com/office/drawing/2010/main" xmlns="">
+              <a14:hiddenFill xmlns="" xmlns:a14="http://schemas.microsoft.com/office/drawing/2010/main">
                 <a:solidFill>
                   <a:schemeClr val="accent1"/>
                 </a:solidFill>
               </a14:hiddenFill>
             </a:ext>
             <a:ext uri="{91240B29-F687-4f45-9708-019B960494DF}">
-              <a14:hiddenLine xmlns:a14="http://schemas.microsoft.com/office/drawing/2010/main" xmlns="" w="9525">
+              <a14:hiddenLine xmlns="" xmlns:a14="http://schemas.microsoft.com/office/drawing/2010/main" w="9525">
                 <a:solidFill>
                   <a:schemeClr val="tx1"/>
                 </a:solidFill>
@@ -24796,7 +24616,7 @@
           </a:ln>
           <a:extLst>
             <a:ext uri="{909E8E84-426E-40dd-AFC4-6F175D3DCCD1}">
-              <a14:hiddenFill xmlns:a14="http://schemas.microsoft.com/office/drawing/2010/main" xmlns="">
+              <a14:hiddenFill xmlns="" xmlns:a14="http://schemas.microsoft.com/office/drawing/2010/main">
                 <a:noFill/>
               </a14:hiddenFill>
             </a:ext>
@@ -24825,14 +24645,14 @@
           </a:ln>
           <a:extLst>
             <a:ext uri="{909E8E84-426E-40dd-AFC4-6F175D3DCCD1}">
-              <a14:hiddenFill xmlns:a14="http://schemas.microsoft.com/office/drawing/2010/main" xmlns="">
+              <a14:hiddenFill xmlns="" xmlns:a14="http://schemas.microsoft.com/office/drawing/2010/main">
                 <a:solidFill>
                   <a:schemeClr val="accent1"/>
                 </a:solidFill>
               </a14:hiddenFill>
             </a:ext>
             <a:ext uri="{91240B29-F687-4f45-9708-019B960494DF}">
-              <a14:hiddenLine xmlns:a14="http://schemas.microsoft.com/office/drawing/2010/main" xmlns="" w="9525">
+              <a14:hiddenLine xmlns="" xmlns:a14="http://schemas.microsoft.com/office/drawing/2010/main" w="9525">
                 <a:solidFill>
                   <a:schemeClr val="tx1"/>
                 </a:solidFill>
@@ -24975,7 +24795,7 @@
           </a:ln>
           <a:extLst>
             <a:ext uri="{909E8E84-426E-40dd-AFC4-6F175D3DCCD1}">
-              <a14:hiddenFill xmlns:a14="http://schemas.microsoft.com/office/drawing/2010/main" xmlns="">
+              <a14:hiddenFill xmlns="" xmlns:a14="http://schemas.microsoft.com/office/drawing/2010/main">
                 <a:solidFill>
                   <a:schemeClr val="accent1"/>
                 </a:solidFill>
@@ -25152,14 +24972,14 @@
           </a:ln>
           <a:extLst>
             <a:ext uri="{909E8E84-426E-40dd-AFC4-6F175D3DCCD1}">
-              <a14:hiddenFill xmlns:a14="http://schemas.microsoft.com/office/drawing/2010/main" xmlns="">
+              <a14:hiddenFill xmlns="" xmlns:a14="http://schemas.microsoft.com/office/drawing/2010/main">
                 <a:solidFill>
                   <a:schemeClr val="accent1"/>
                 </a:solidFill>
               </a14:hiddenFill>
             </a:ext>
             <a:ext uri="{91240B29-F687-4f45-9708-019B960494DF}">
-              <a14:hiddenLine xmlns:a14="http://schemas.microsoft.com/office/drawing/2010/main" xmlns="" w="9525">
+              <a14:hiddenLine xmlns="" xmlns:a14="http://schemas.microsoft.com/office/drawing/2010/main" w="9525">
                 <a:solidFill>
                   <a:schemeClr val="tx1"/>
                 </a:solidFill>
@@ -25250,7 +25070,7 @@
           </a:ln>
           <a:extLst>
             <a:ext uri="{909E8E84-426E-40dd-AFC4-6F175D3DCCD1}">
-              <a14:hiddenFill xmlns:a14="http://schemas.microsoft.com/office/drawing/2010/main" xmlns="">
+              <a14:hiddenFill xmlns="" xmlns:a14="http://schemas.microsoft.com/office/drawing/2010/main">
                 <a:solidFill>
                   <a:schemeClr val="accent1"/>
                 </a:solidFill>
@@ -25315,7 +25135,7 @@
           </a:ln>
           <a:extLst>
             <a:ext uri="{909E8E84-426E-40dd-AFC4-6F175D3DCCD1}">
-              <a14:hiddenFill xmlns:a14="http://schemas.microsoft.com/office/drawing/2010/main" xmlns="">
+              <a14:hiddenFill xmlns="" xmlns:a14="http://schemas.microsoft.com/office/drawing/2010/main">
                 <a:solidFill>
                   <a:schemeClr val="accent1"/>
                 </a:solidFill>
@@ -25358,7 +25178,7 @@
           </a:ln>
           <a:extLst>
             <a:ext uri="{909E8E84-426E-40dd-AFC4-6F175D3DCCD1}">
-              <a14:hiddenFill xmlns:a14="http://schemas.microsoft.com/office/drawing/2010/main" xmlns="">
+              <a14:hiddenFill xmlns="" xmlns:a14="http://schemas.microsoft.com/office/drawing/2010/main">
                 <a:solidFill>
                   <a:schemeClr val="accent1"/>
                 </a:solidFill>
@@ -25403,7 +25223,7 @@
           </a:ln>
           <a:extLst>
             <a:ext uri="{909E8E84-426E-40dd-AFC4-6F175D3DCCD1}">
-              <a14:hiddenFill xmlns:a14="http://schemas.microsoft.com/office/drawing/2010/main" xmlns="">
+              <a14:hiddenFill xmlns="" xmlns:a14="http://schemas.microsoft.com/office/drawing/2010/main">
                 <a:noFill/>
               </a14:hiddenFill>
             </a:ext>
@@ -25432,14 +25252,14 @@
           </a:ln>
           <a:extLst>
             <a:ext uri="{909E8E84-426E-40dd-AFC4-6F175D3DCCD1}">
-              <a14:hiddenFill xmlns:a14="http://schemas.microsoft.com/office/drawing/2010/main" xmlns="">
+              <a14:hiddenFill xmlns="" xmlns:a14="http://schemas.microsoft.com/office/drawing/2010/main">
                 <a:solidFill>
                   <a:schemeClr val="accent1"/>
                 </a:solidFill>
               </a14:hiddenFill>
             </a:ext>
             <a:ext uri="{91240B29-F687-4f45-9708-019B960494DF}">
-              <a14:hiddenLine xmlns:a14="http://schemas.microsoft.com/office/drawing/2010/main" xmlns="" w="9525">
+              <a14:hiddenLine xmlns="" xmlns:a14="http://schemas.microsoft.com/office/drawing/2010/main" w="9525">
                 <a:solidFill>
                   <a:schemeClr val="tx1"/>
                 </a:solidFill>
@@ -25485,14 +25305,14 @@
           </a:ln>
           <a:extLst>
             <a:ext uri="{909E8E84-426E-40dd-AFC4-6F175D3DCCD1}">
-              <a14:hiddenFill xmlns:a14="http://schemas.microsoft.com/office/drawing/2010/main" xmlns="">
+              <a14:hiddenFill xmlns="" xmlns:a14="http://schemas.microsoft.com/office/drawing/2010/main">
                 <a:solidFill>
                   <a:schemeClr val="accent1"/>
                 </a:solidFill>
               </a14:hiddenFill>
             </a:ext>
             <a:ext uri="{91240B29-F687-4f45-9708-019B960494DF}">
-              <a14:hiddenLine xmlns:a14="http://schemas.microsoft.com/office/drawing/2010/main" xmlns="" w="9525">
+              <a14:hiddenLine xmlns="" xmlns:a14="http://schemas.microsoft.com/office/drawing/2010/main" w="9525">
                 <a:solidFill>
                   <a:schemeClr val="tx1"/>
                 </a:solidFill>
@@ -25543,7 +25363,7 @@
           </a:ln>
           <a:extLst>
             <a:ext uri="{909E8E84-426E-40dd-AFC4-6F175D3DCCD1}">
-              <a14:hiddenFill xmlns:a14="http://schemas.microsoft.com/office/drawing/2010/main" xmlns="">
+              <a14:hiddenFill xmlns="" xmlns:a14="http://schemas.microsoft.com/office/drawing/2010/main">
                 <a:solidFill>
                   <a:schemeClr val="accent1"/>
                 </a:solidFill>
@@ -25586,14 +25406,14 @@
           </a:ln>
           <a:extLst>
             <a:ext uri="{909E8E84-426E-40dd-AFC4-6F175D3DCCD1}">
-              <a14:hiddenFill xmlns:a14="http://schemas.microsoft.com/office/drawing/2010/main" xmlns="">
+              <a14:hiddenFill xmlns="" xmlns:a14="http://schemas.microsoft.com/office/drawing/2010/main">
                 <a:solidFill>
                   <a:schemeClr val="accent1"/>
                 </a:solidFill>
               </a14:hiddenFill>
             </a:ext>
             <a:ext uri="{91240B29-F687-4f45-9708-019B960494DF}">
-              <a14:hiddenLine xmlns:a14="http://schemas.microsoft.com/office/drawing/2010/main" xmlns="" w="9525">
+              <a14:hiddenLine xmlns="" xmlns:a14="http://schemas.microsoft.com/office/drawing/2010/main" w="9525">
                 <a:solidFill>
                   <a:schemeClr val="tx1"/>
                 </a:solidFill>
@@ -25648,7 +25468,7 @@
           </a:ln>
           <a:extLst>
             <a:ext uri="{909E8E84-426E-40dd-AFC4-6F175D3DCCD1}">
-              <a14:hiddenFill xmlns:a14="http://schemas.microsoft.com/office/drawing/2010/main" xmlns="">
+              <a14:hiddenFill xmlns="" xmlns:a14="http://schemas.microsoft.com/office/drawing/2010/main">
                 <a:noFill/>
               </a14:hiddenFill>
             </a:ext>
@@ -25677,14 +25497,14 @@
           </a:ln>
           <a:extLst>
             <a:ext uri="{909E8E84-426E-40dd-AFC4-6F175D3DCCD1}">
-              <a14:hiddenFill xmlns:a14="http://schemas.microsoft.com/office/drawing/2010/main" xmlns="">
+              <a14:hiddenFill xmlns="" xmlns:a14="http://schemas.microsoft.com/office/drawing/2010/main">
                 <a:solidFill>
                   <a:schemeClr val="accent1"/>
                 </a:solidFill>
               </a14:hiddenFill>
             </a:ext>
             <a:ext uri="{91240B29-F687-4f45-9708-019B960494DF}">
-              <a14:hiddenLine xmlns:a14="http://schemas.microsoft.com/office/drawing/2010/main" xmlns="" w="9525">
+              <a14:hiddenLine xmlns="" xmlns:a14="http://schemas.microsoft.com/office/drawing/2010/main" w="9525">
                 <a:solidFill>
                   <a:schemeClr val="tx1"/>
                 </a:solidFill>
@@ -25827,7 +25647,7 @@
           </a:ln>
           <a:extLst>
             <a:ext uri="{909E8E84-426E-40dd-AFC4-6F175D3DCCD1}">
-              <a14:hiddenFill xmlns:a14="http://schemas.microsoft.com/office/drawing/2010/main" xmlns="">
+              <a14:hiddenFill xmlns="" xmlns:a14="http://schemas.microsoft.com/office/drawing/2010/main">
                 <a:solidFill>
                   <a:schemeClr val="accent1"/>
                 </a:solidFill>
@@ -26004,14 +25824,14 @@
           </a:ln>
           <a:extLst>
             <a:ext uri="{909E8E84-426E-40dd-AFC4-6F175D3DCCD1}">
-              <a14:hiddenFill xmlns:a14="http://schemas.microsoft.com/office/drawing/2010/main" xmlns="">
+              <a14:hiddenFill xmlns="" xmlns:a14="http://schemas.microsoft.com/office/drawing/2010/main">
                 <a:solidFill>
                   <a:schemeClr val="accent1"/>
                 </a:solidFill>
               </a14:hiddenFill>
             </a:ext>
             <a:ext uri="{91240B29-F687-4f45-9708-019B960494DF}">
-              <a14:hiddenLine xmlns:a14="http://schemas.microsoft.com/office/drawing/2010/main" xmlns="" w="9525">
+              <a14:hiddenLine xmlns="" xmlns:a14="http://schemas.microsoft.com/office/drawing/2010/main" w="9525">
                 <a:solidFill>
                   <a:schemeClr val="tx1"/>
                 </a:solidFill>
@@ -26077,7 +25897,7 @@
           </a:ln>
           <a:extLst>
             <a:ext uri="{909E8E84-426E-40dd-AFC4-6F175D3DCCD1}">
-              <a14:hiddenFill xmlns:a14="http://schemas.microsoft.com/office/drawing/2010/main" xmlns="">
+              <a14:hiddenFill xmlns="" xmlns:a14="http://schemas.microsoft.com/office/drawing/2010/main">
                 <a:solidFill>
                   <a:schemeClr val="accent1"/>
                 </a:solidFill>
@@ -26201,7 +26021,7 @@
           </a:ln>
           <a:extLst>
             <a:ext uri="{909E8E84-426E-40dd-AFC4-6F175D3DCCD1}">
-              <a14:hiddenFill xmlns:a14="http://schemas.microsoft.com/office/drawing/2010/main" xmlns="">
+              <a14:hiddenFill xmlns="" xmlns:a14="http://schemas.microsoft.com/office/drawing/2010/main">
                 <a:noFill/>
               </a14:hiddenFill>
             </a:ext>
@@ -26267,7 +26087,7 @@
           </a:ln>
           <a:extLst>
             <a:ext uri="{909E8E84-426E-40dd-AFC4-6F175D3DCCD1}">
-              <a14:hiddenFill xmlns:a14="http://schemas.microsoft.com/office/drawing/2010/main" xmlns="">
+              <a14:hiddenFill xmlns="" xmlns:a14="http://schemas.microsoft.com/office/drawing/2010/main">
                 <a:solidFill>
                   <a:schemeClr val="accent1"/>
                 </a:solidFill>
@@ -26332,7 +26152,7 @@
           </a:ln>
           <a:extLst>
             <a:ext uri="{909E8E84-426E-40dd-AFC4-6F175D3DCCD1}">
-              <a14:hiddenFill xmlns:a14="http://schemas.microsoft.com/office/drawing/2010/main" xmlns="">
+              <a14:hiddenFill xmlns="" xmlns:a14="http://schemas.microsoft.com/office/drawing/2010/main">
                 <a:solidFill>
                   <a:schemeClr val="accent1"/>
                 </a:solidFill>
@@ -26375,7 +26195,7 @@
           </a:ln>
           <a:extLst>
             <a:ext uri="{909E8E84-426E-40dd-AFC4-6F175D3DCCD1}">
-              <a14:hiddenFill xmlns:a14="http://schemas.microsoft.com/office/drawing/2010/main" xmlns="">
+              <a14:hiddenFill xmlns="" xmlns:a14="http://schemas.microsoft.com/office/drawing/2010/main">
                 <a:solidFill>
                   <a:schemeClr val="accent1"/>
                 </a:solidFill>
@@ -26420,7 +26240,7 @@
           </a:ln>
           <a:extLst>
             <a:ext uri="{909E8E84-426E-40dd-AFC4-6F175D3DCCD1}">
-              <a14:hiddenFill xmlns:a14="http://schemas.microsoft.com/office/drawing/2010/main" xmlns="">
+              <a14:hiddenFill xmlns="" xmlns:a14="http://schemas.microsoft.com/office/drawing/2010/main">
                 <a:noFill/>
               </a14:hiddenFill>
             </a:ext>
@@ -26449,14 +26269,14 @@
           </a:ln>
           <a:extLst>
             <a:ext uri="{909E8E84-426E-40dd-AFC4-6F175D3DCCD1}">
-              <a14:hiddenFill xmlns:a14="http://schemas.microsoft.com/office/drawing/2010/main" xmlns="">
+              <a14:hiddenFill xmlns="" xmlns:a14="http://schemas.microsoft.com/office/drawing/2010/main">
                 <a:solidFill>
                   <a:schemeClr val="accent1"/>
                 </a:solidFill>
               </a14:hiddenFill>
             </a:ext>
             <a:ext uri="{91240B29-F687-4f45-9708-019B960494DF}">
-              <a14:hiddenLine xmlns:a14="http://schemas.microsoft.com/office/drawing/2010/main" xmlns="" w="9525">
+              <a14:hiddenLine xmlns="" xmlns:a14="http://schemas.microsoft.com/office/drawing/2010/main" w="9525">
                 <a:solidFill>
                   <a:schemeClr val="tx1"/>
                 </a:solidFill>
@@ -26502,14 +26322,14 @@
           </a:ln>
           <a:extLst>
             <a:ext uri="{909E8E84-426E-40dd-AFC4-6F175D3DCCD1}">
-              <a14:hiddenFill xmlns:a14="http://schemas.microsoft.com/office/drawing/2010/main" xmlns="">
+              <a14:hiddenFill xmlns="" xmlns:a14="http://schemas.microsoft.com/office/drawing/2010/main">
                 <a:solidFill>
                   <a:schemeClr val="accent1"/>
                 </a:solidFill>
               </a14:hiddenFill>
             </a:ext>
             <a:ext uri="{91240B29-F687-4f45-9708-019B960494DF}">
-              <a14:hiddenLine xmlns:a14="http://schemas.microsoft.com/office/drawing/2010/main" xmlns="" w="9525">
+              <a14:hiddenLine xmlns="" xmlns:a14="http://schemas.microsoft.com/office/drawing/2010/main" w="9525">
                 <a:solidFill>
                   <a:schemeClr val="tx1"/>
                 </a:solidFill>
@@ -26560,7 +26380,7 @@
           </a:ln>
           <a:extLst>
             <a:ext uri="{909E8E84-426E-40dd-AFC4-6F175D3DCCD1}">
-              <a14:hiddenFill xmlns:a14="http://schemas.microsoft.com/office/drawing/2010/main" xmlns="">
+              <a14:hiddenFill xmlns="" xmlns:a14="http://schemas.microsoft.com/office/drawing/2010/main">
                 <a:solidFill>
                   <a:schemeClr val="accent1"/>
                 </a:solidFill>
@@ -26603,14 +26423,14 @@
           </a:ln>
           <a:extLst>
             <a:ext uri="{909E8E84-426E-40dd-AFC4-6F175D3DCCD1}">
-              <a14:hiddenFill xmlns:a14="http://schemas.microsoft.com/office/drawing/2010/main" xmlns="">
+              <a14:hiddenFill xmlns="" xmlns:a14="http://schemas.microsoft.com/office/drawing/2010/main">
                 <a:solidFill>
                   <a:schemeClr val="accent1"/>
                 </a:solidFill>
               </a14:hiddenFill>
             </a:ext>
             <a:ext uri="{91240B29-F687-4f45-9708-019B960494DF}">
-              <a14:hiddenLine xmlns:a14="http://schemas.microsoft.com/office/drawing/2010/main" xmlns="" w="9525">
+              <a14:hiddenLine xmlns="" xmlns:a14="http://schemas.microsoft.com/office/drawing/2010/main" w="9525">
                 <a:solidFill>
                   <a:schemeClr val="tx1"/>
                 </a:solidFill>
@@ -26665,7 +26485,7 @@
           </a:ln>
           <a:extLst>
             <a:ext uri="{909E8E84-426E-40dd-AFC4-6F175D3DCCD1}">
-              <a14:hiddenFill xmlns:a14="http://schemas.microsoft.com/office/drawing/2010/main" xmlns="">
+              <a14:hiddenFill xmlns="" xmlns:a14="http://schemas.microsoft.com/office/drawing/2010/main">
                 <a:noFill/>
               </a14:hiddenFill>
             </a:ext>
@@ -26694,14 +26514,14 @@
           </a:ln>
           <a:extLst>
             <a:ext uri="{909E8E84-426E-40dd-AFC4-6F175D3DCCD1}">
-              <a14:hiddenFill xmlns:a14="http://schemas.microsoft.com/office/drawing/2010/main" xmlns="">
+              <a14:hiddenFill xmlns="" xmlns:a14="http://schemas.microsoft.com/office/drawing/2010/main">
                 <a:solidFill>
                   <a:schemeClr val="accent1"/>
                 </a:solidFill>
               </a14:hiddenFill>
             </a:ext>
             <a:ext uri="{91240B29-F687-4f45-9708-019B960494DF}">
-              <a14:hiddenLine xmlns:a14="http://schemas.microsoft.com/office/drawing/2010/main" xmlns="" w="9525">
+              <a14:hiddenLine xmlns="" xmlns:a14="http://schemas.microsoft.com/office/drawing/2010/main" w="9525">
                 <a:solidFill>
                   <a:schemeClr val="tx1"/>
                 </a:solidFill>
@@ -26844,7 +26664,7 @@
           </a:ln>
           <a:extLst>
             <a:ext uri="{909E8E84-426E-40dd-AFC4-6F175D3DCCD1}">
-              <a14:hiddenFill xmlns:a14="http://schemas.microsoft.com/office/drawing/2010/main" xmlns="">
+              <a14:hiddenFill xmlns="" xmlns:a14="http://schemas.microsoft.com/office/drawing/2010/main">
                 <a:solidFill>
                   <a:schemeClr val="accent1"/>
                 </a:solidFill>
@@ -27021,14 +26841,14 @@
           </a:ln>
           <a:extLst>
             <a:ext uri="{909E8E84-426E-40dd-AFC4-6F175D3DCCD1}">
-              <a14:hiddenFill xmlns:a14="http://schemas.microsoft.com/office/drawing/2010/main" xmlns="">
+              <a14:hiddenFill xmlns="" xmlns:a14="http://schemas.microsoft.com/office/drawing/2010/main">
                 <a:solidFill>
                   <a:schemeClr val="accent1"/>
                 </a:solidFill>
               </a14:hiddenFill>
             </a:ext>
             <a:ext uri="{91240B29-F687-4f45-9708-019B960494DF}">
-              <a14:hiddenLine xmlns:a14="http://schemas.microsoft.com/office/drawing/2010/main" xmlns="" w="9525">
+              <a14:hiddenLine xmlns="" xmlns:a14="http://schemas.microsoft.com/office/drawing/2010/main" w="9525">
                 <a:solidFill>
                   <a:schemeClr val="tx1"/>
                 </a:solidFill>
@@ -27094,7 +26914,7 @@
           </a:ln>
           <a:extLst>
             <a:ext uri="{909E8E84-426E-40dd-AFC4-6F175D3DCCD1}">
-              <a14:hiddenFill xmlns:a14="http://schemas.microsoft.com/office/drawing/2010/main" xmlns="">
+              <a14:hiddenFill xmlns="" xmlns:a14="http://schemas.microsoft.com/office/drawing/2010/main">
                 <a:solidFill>
                   <a:schemeClr val="accent1"/>
                 </a:solidFill>
@@ -27213,14 +27033,14 @@
           </a:ln>
           <a:extLst>
             <a:ext uri="{909E8E84-426E-40dd-AFC4-6F175D3DCCD1}">
-              <a14:hiddenFill xmlns:a14="http://schemas.microsoft.com/office/drawing/2010/main" xmlns="">
+              <a14:hiddenFill xmlns="" xmlns:a14="http://schemas.microsoft.com/office/drawing/2010/main">
                 <a:solidFill>
                   <a:schemeClr val="accent1"/>
                 </a:solidFill>
               </a14:hiddenFill>
             </a:ext>
             <a:ext uri="{91240B29-F687-4f45-9708-019B960494DF}">
-              <a14:hiddenLine xmlns:a14="http://schemas.microsoft.com/office/drawing/2010/main" xmlns="" w="9525">
+              <a14:hiddenLine xmlns="" xmlns:a14="http://schemas.microsoft.com/office/drawing/2010/main" w="9525">
                 <a:solidFill>
                   <a:schemeClr val="tx1"/>
                 </a:solidFill>
@@ -27535,7 +27355,7 @@
           </a:ln>
           <a:extLst>
             <a:ext uri="{909E8E84-426E-40dd-AFC4-6F175D3DCCD1}">
-              <a14:hiddenFill xmlns:a14="http://schemas.microsoft.com/office/drawing/2010/main" xmlns="">
+              <a14:hiddenFill xmlns="" xmlns:a14="http://schemas.microsoft.com/office/drawing/2010/main">
                 <a:solidFill>
                   <a:schemeClr val="accent1"/>
                 </a:solidFill>
@@ -27600,7 +27420,7 @@
           </a:ln>
           <a:extLst>
             <a:ext uri="{909E8E84-426E-40dd-AFC4-6F175D3DCCD1}">
-              <a14:hiddenFill xmlns:a14="http://schemas.microsoft.com/office/drawing/2010/main" xmlns="">
+              <a14:hiddenFill xmlns="" xmlns:a14="http://schemas.microsoft.com/office/drawing/2010/main">
                 <a:solidFill>
                   <a:schemeClr val="accent1"/>
                 </a:solidFill>
@@ -27643,7 +27463,7 @@
           </a:ln>
           <a:extLst>
             <a:ext uri="{909E8E84-426E-40dd-AFC4-6F175D3DCCD1}">
-              <a14:hiddenFill xmlns:a14="http://schemas.microsoft.com/office/drawing/2010/main" xmlns="">
+              <a14:hiddenFill xmlns="" xmlns:a14="http://schemas.microsoft.com/office/drawing/2010/main">
                 <a:solidFill>
                   <a:schemeClr val="accent1"/>
                 </a:solidFill>
@@ -27688,7 +27508,7 @@
           </a:ln>
           <a:extLst>
             <a:ext uri="{909E8E84-426E-40dd-AFC4-6F175D3DCCD1}">
-              <a14:hiddenFill xmlns:a14="http://schemas.microsoft.com/office/drawing/2010/main" xmlns="">
+              <a14:hiddenFill xmlns="" xmlns:a14="http://schemas.microsoft.com/office/drawing/2010/main">
                 <a:noFill/>
               </a14:hiddenFill>
             </a:ext>
@@ -27717,14 +27537,14 @@
           </a:ln>
           <a:extLst>
             <a:ext uri="{909E8E84-426E-40dd-AFC4-6F175D3DCCD1}">
-              <a14:hiddenFill xmlns:a14="http://schemas.microsoft.com/office/drawing/2010/main" xmlns="">
+              <a14:hiddenFill xmlns="" xmlns:a14="http://schemas.microsoft.com/office/drawing/2010/main">
                 <a:solidFill>
                   <a:schemeClr val="accent1"/>
                 </a:solidFill>
               </a14:hiddenFill>
             </a:ext>
             <a:ext uri="{91240B29-F687-4f45-9708-019B960494DF}">
-              <a14:hiddenLine xmlns:a14="http://schemas.microsoft.com/office/drawing/2010/main" xmlns="" w="9525">
+              <a14:hiddenLine xmlns="" xmlns:a14="http://schemas.microsoft.com/office/drawing/2010/main" w="9525">
                 <a:solidFill>
                   <a:schemeClr val="tx1"/>
                 </a:solidFill>
@@ -27770,14 +27590,14 @@
           </a:ln>
           <a:extLst>
             <a:ext uri="{909E8E84-426E-40dd-AFC4-6F175D3DCCD1}">
-              <a14:hiddenFill xmlns:a14="http://schemas.microsoft.com/office/drawing/2010/main" xmlns="">
+              <a14:hiddenFill xmlns="" xmlns:a14="http://schemas.microsoft.com/office/drawing/2010/main">
                 <a:solidFill>
                   <a:schemeClr val="accent1"/>
                 </a:solidFill>
               </a14:hiddenFill>
             </a:ext>
             <a:ext uri="{91240B29-F687-4f45-9708-019B960494DF}">
-              <a14:hiddenLine xmlns:a14="http://schemas.microsoft.com/office/drawing/2010/main" xmlns="" w="9525">
+              <a14:hiddenLine xmlns="" xmlns:a14="http://schemas.microsoft.com/office/drawing/2010/main" w="9525">
                 <a:solidFill>
                   <a:schemeClr val="tx1"/>
                 </a:solidFill>
@@ -27828,7 +27648,7 @@
           </a:ln>
           <a:extLst>
             <a:ext uri="{909E8E84-426E-40dd-AFC4-6F175D3DCCD1}">
-              <a14:hiddenFill xmlns:a14="http://schemas.microsoft.com/office/drawing/2010/main" xmlns="">
+              <a14:hiddenFill xmlns="" xmlns:a14="http://schemas.microsoft.com/office/drawing/2010/main">
                 <a:solidFill>
                   <a:schemeClr val="accent1"/>
                 </a:solidFill>
@@ -27871,14 +27691,14 @@
           </a:ln>
           <a:extLst>
             <a:ext uri="{909E8E84-426E-40dd-AFC4-6F175D3DCCD1}">
-              <a14:hiddenFill xmlns:a14="http://schemas.microsoft.com/office/drawing/2010/main" xmlns="">
+              <a14:hiddenFill xmlns="" xmlns:a14="http://schemas.microsoft.com/office/drawing/2010/main">
                 <a:solidFill>
                   <a:schemeClr val="accent1"/>
                 </a:solidFill>
               </a14:hiddenFill>
             </a:ext>
             <a:ext uri="{91240B29-F687-4f45-9708-019B960494DF}">
-              <a14:hiddenLine xmlns:a14="http://schemas.microsoft.com/office/drawing/2010/main" xmlns="" w="9525">
+              <a14:hiddenLine xmlns="" xmlns:a14="http://schemas.microsoft.com/office/drawing/2010/main" w="9525">
                 <a:solidFill>
                   <a:schemeClr val="tx1"/>
                 </a:solidFill>
@@ -27933,7 +27753,7 @@
           </a:ln>
           <a:extLst>
             <a:ext uri="{909E8E84-426E-40dd-AFC4-6F175D3DCCD1}">
-              <a14:hiddenFill xmlns:a14="http://schemas.microsoft.com/office/drawing/2010/main" xmlns="">
+              <a14:hiddenFill xmlns="" xmlns:a14="http://schemas.microsoft.com/office/drawing/2010/main">
                 <a:noFill/>
               </a14:hiddenFill>
             </a:ext>
@@ -27962,14 +27782,14 @@
           </a:ln>
           <a:extLst>
             <a:ext uri="{909E8E84-426E-40dd-AFC4-6F175D3DCCD1}">
-              <a14:hiddenFill xmlns:a14="http://schemas.microsoft.com/office/drawing/2010/main" xmlns="">
+              <a14:hiddenFill xmlns="" xmlns:a14="http://schemas.microsoft.com/office/drawing/2010/main">
                 <a:solidFill>
                   <a:schemeClr val="accent1"/>
                 </a:solidFill>
               </a14:hiddenFill>
             </a:ext>
             <a:ext uri="{91240B29-F687-4f45-9708-019B960494DF}">
-              <a14:hiddenLine xmlns:a14="http://schemas.microsoft.com/office/drawing/2010/main" xmlns="" w="9525">
+              <a14:hiddenLine xmlns="" xmlns:a14="http://schemas.microsoft.com/office/drawing/2010/main" w="9525">
                 <a:solidFill>
                   <a:schemeClr val="tx1"/>
                 </a:solidFill>
@@ -28112,7 +27932,7 @@
           </a:ln>
           <a:extLst>
             <a:ext uri="{909E8E84-426E-40dd-AFC4-6F175D3DCCD1}">
-              <a14:hiddenFill xmlns:a14="http://schemas.microsoft.com/office/drawing/2010/main" xmlns="">
+              <a14:hiddenFill xmlns="" xmlns:a14="http://schemas.microsoft.com/office/drawing/2010/main">
                 <a:solidFill>
                   <a:schemeClr val="accent1"/>
                 </a:solidFill>
@@ -28289,14 +28109,14 @@
           </a:ln>
           <a:extLst>
             <a:ext uri="{909E8E84-426E-40dd-AFC4-6F175D3DCCD1}">
-              <a14:hiddenFill xmlns:a14="http://schemas.microsoft.com/office/drawing/2010/main" xmlns="">
+              <a14:hiddenFill xmlns="" xmlns:a14="http://schemas.microsoft.com/office/drawing/2010/main">
                 <a:solidFill>
                   <a:schemeClr val="accent1"/>
                 </a:solidFill>
               </a14:hiddenFill>
             </a:ext>
             <a:ext uri="{91240B29-F687-4f45-9708-019B960494DF}">
-              <a14:hiddenLine xmlns:a14="http://schemas.microsoft.com/office/drawing/2010/main" xmlns="" w="9525">
+              <a14:hiddenLine xmlns="" xmlns:a14="http://schemas.microsoft.com/office/drawing/2010/main" w="9525">
                 <a:solidFill>
                   <a:schemeClr val="tx1"/>
                 </a:solidFill>
@@ -28362,7 +28182,7 @@
           </a:ln>
           <a:extLst>
             <a:ext uri="{909E8E84-426E-40dd-AFC4-6F175D3DCCD1}">
-              <a14:hiddenFill xmlns:a14="http://schemas.microsoft.com/office/drawing/2010/main" xmlns="">
+              <a14:hiddenFill xmlns="" xmlns:a14="http://schemas.microsoft.com/office/drawing/2010/main">
                 <a:solidFill>
                   <a:schemeClr val="accent1"/>
                 </a:solidFill>
@@ -28481,14 +28301,14 @@
           </a:ln>
           <a:extLst>
             <a:ext uri="{909E8E84-426E-40dd-AFC4-6F175D3DCCD1}">
-              <a14:hiddenFill xmlns:a14="http://schemas.microsoft.com/office/drawing/2010/main" xmlns="">
+              <a14:hiddenFill xmlns="" xmlns:a14="http://schemas.microsoft.com/office/drawing/2010/main">
                 <a:solidFill>
                   <a:schemeClr val="accent1"/>
                 </a:solidFill>
               </a14:hiddenFill>
             </a:ext>
             <a:ext uri="{91240B29-F687-4f45-9708-019B960494DF}">
-              <a14:hiddenLine xmlns:a14="http://schemas.microsoft.com/office/drawing/2010/main" xmlns="" w="9525">
+              <a14:hiddenLine xmlns="" xmlns:a14="http://schemas.microsoft.com/office/drawing/2010/main" w="9525">
                 <a:solidFill>
                   <a:schemeClr val="tx1"/>
                 </a:solidFill>
@@ -28549,14 +28369,14 @@
           </a:ln>
           <a:extLst>
             <a:ext uri="{909E8E84-426E-40dd-AFC4-6F175D3DCCD1}">
-              <a14:hiddenFill xmlns:a14="http://schemas.microsoft.com/office/drawing/2010/main" xmlns="">
+              <a14:hiddenFill xmlns="" xmlns:a14="http://schemas.microsoft.com/office/drawing/2010/main">
                 <a:solidFill>
                   <a:schemeClr val="accent1"/>
                 </a:solidFill>
               </a14:hiddenFill>
             </a:ext>
             <a:ext uri="{91240B29-F687-4f45-9708-019B960494DF}">
-              <a14:hiddenLine xmlns:a14="http://schemas.microsoft.com/office/drawing/2010/main" xmlns="" w="9525">
+              <a14:hiddenLine xmlns="" xmlns:a14="http://schemas.microsoft.com/office/drawing/2010/main" w="9525">
                 <a:solidFill>
                   <a:schemeClr val="tx1"/>
                 </a:solidFill>
@@ -28647,7 +28467,7 @@
           </a:ln>
           <a:extLst>
             <a:ext uri="{909E8E84-426E-40dd-AFC4-6F175D3DCCD1}">
-              <a14:hiddenFill xmlns:a14="http://schemas.microsoft.com/office/drawing/2010/main" xmlns="">
+              <a14:hiddenFill xmlns="" xmlns:a14="http://schemas.microsoft.com/office/drawing/2010/main">
                 <a:solidFill>
                   <a:schemeClr val="accent1"/>
                 </a:solidFill>
@@ -28712,7 +28532,7 @@
           </a:ln>
           <a:extLst>
             <a:ext uri="{909E8E84-426E-40dd-AFC4-6F175D3DCCD1}">
-              <a14:hiddenFill xmlns:a14="http://schemas.microsoft.com/office/drawing/2010/main" xmlns="">
+              <a14:hiddenFill xmlns="" xmlns:a14="http://schemas.microsoft.com/office/drawing/2010/main">
                 <a:solidFill>
                   <a:schemeClr val="accent1"/>
                 </a:solidFill>
@@ -28755,7 +28575,7 @@
           </a:ln>
           <a:extLst>
             <a:ext uri="{909E8E84-426E-40dd-AFC4-6F175D3DCCD1}">
-              <a14:hiddenFill xmlns:a14="http://schemas.microsoft.com/office/drawing/2010/main" xmlns="">
+              <a14:hiddenFill xmlns="" xmlns:a14="http://schemas.microsoft.com/office/drawing/2010/main">
                 <a:solidFill>
                   <a:schemeClr val="accent1"/>
                 </a:solidFill>
@@ -28800,7 +28620,7 @@
           </a:ln>
           <a:extLst>
             <a:ext uri="{909E8E84-426E-40dd-AFC4-6F175D3DCCD1}">
-              <a14:hiddenFill xmlns:a14="http://schemas.microsoft.com/office/drawing/2010/main" xmlns="">
+              <a14:hiddenFill xmlns="" xmlns:a14="http://schemas.microsoft.com/office/drawing/2010/main">
                 <a:noFill/>
               </a14:hiddenFill>
             </a:ext>
@@ -28829,14 +28649,14 @@
           </a:ln>
           <a:extLst>
             <a:ext uri="{909E8E84-426E-40dd-AFC4-6F175D3DCCD1}">
-              <a14:hiddenFill xmlns:a14="http://schemas.microsoft.com/office/drawing/2010/main" xmlns="">
+              <a14:hiddenFill xmlns="" xmlns:a14="http://schemas.microsoft.com/office/drawing/2010/main">
                 <a:solidFill>
                   <a:schemeClr val="accent1"/>
                 </a:solidFill>
               </a14:hiddenFill>
             </a:ext>
             <a:ext uri="{91240B29-F687-4f45-9708-019B960494DF}">
-              <a14:hiddenLine xmlns:a14="http://schemas.microsoft.com/office/drawing/2010/main" xmlns="" w="9525">
+              <a14:hiddenLine xmlns="" xmlns:a14="http://schemas.microsoft.com/office/drawing/2010/main" w="9525">
                 <a:solidFill>
                   <a:schemeClr val="tx1"/>
                 </a:solidFill>
@@ -28882,14 +28702,14 @@
           </a:ln>
           <a:extLst>
             <a:ext uri="{909E8E84-426E-40dd-AFC4-6F175D3DCCD1}">
-              <a14:hiddenFill xmlns:a14="http://schemas.microsoft.com/office/drawing/2010/main" xmlns="">
+              <a14:hiddenFill xmlns="" xmlns:a14="http://schemas.microsoft.com/office/drawing/2010/main">
                 <a:solidFill>
                   <a:schemeClr val="accent1"/>
                 </a:solidFill>
               </a14:hiddenFill>
             </a:ext>
             <a:ext uri="{91240B29-F687-4f45-9708-019B960494DF}">
-              <a14:hiddenLine xmlns:a14="http://schemas.microsoft.com/office/drawing/2010/main" xmlns="" w="9525">
+              <a14:hiddenLine xmlns="" xmlns:a14="http://schemas.microsoft.com/office/drawing/2010/main" w="9525">
                 <a:solidFill>
                   <a:schemeClr val="tx1"/>
                 </a:solidFill>
@@ -28940,7 +28760,7 @@
           </a:ln>
           <a:extLst>
             <a:ext uri="{909E8E84-426E-40dd-AFC4-6F175D3DCCD1}">
-              <a14:hiddenFill xmlns:a14="http://schemas.microsoft.com/office/drawing/2010/main" xmlns="">
+              <a14:hiddenFill xmlns="" xmlns:a14="http://schemas.microsoft.com/office/drawing/2010/main">
                 <a:solidFill>
                   <a:schemeClr val="accent1"/>
                 </a:solidFill>
@@ -28983,14 +28803,14 @@
           </a:ln>
           <a:extLst>
             <a:ext uri="{909E8E84-426E-40dd-AFC4-6F175D3DCCD1}">
-              <a14:hiddenFill xmlns:a14="http://schemas.microsoft.com/office/drawing/2010/main" xmlns="">
+              <a14:hiddenFill xmlns="" xmlns:a14="http://schemas.microsoft.com/office/drawing/2010/main">
                 <a:solidFill>
                   <a:schemeClr val="accent1"/>
                 </a:solidFill>
               </a14:hiddenFill>
             </a:ext>
             <a:ext uri="{91240B29-F687-4f45-9708-019B960494DF}">
-              <a14:hiddenLine xmlns:a14="http://schemas.microsoft.com/office/drawing/2010/main" xmlns="" w="9525">
+              <a14:hiddenLine xmlns="" xmlns:a14="http://schemas.microsoft.com/office/drawing/2010/main" w="9525">
                 <a:solidFill>
                   <a:schemeClr val="tx1"/>
                 </a:solidFill>
@@ -29045,7 +28865,7 @@
           </a:ln>
           <a:extLst>
             <a:ext uri="{909E8E84-426E-40dd-AFC4-6F175D3DCCD1}">
-              <a14:hiddenFill xmlns:a14="http://schemas.microsoft.com/office/drawing/2010/main" xmlns="">
+              <a14:hiddenFill xmlns="" xmlns:a14="http://schemas.microsoft.com/office/drawing/2010/main">
                 <a:noFill/>
               </a14:hiddenFill>
             </a:ext>
@@ -29074,14 +28894,14 @@
           </a:ln>
           <a:extLst>
             <a:ext uri="{909E8E84-426E-40dd-AFC4-6F175D3DCCD1}">
-              <a14:hiddenFill xmlns:a14="http://schemas.microsoft.com/office/drawing/2010/main" xmlns="">
+              <a14:hiddenFill xmlns="" xmlns:a14="http://schemas.microsoft.com/office/drawing/2010/main">
                 <a:solidFill>
                   <a:schemeClr val="accent1"/>
                 </a:solidFill>
               </a14:hiddenFill>
             </a:ext>
             <a:ext uri="{91240B29-F687-4f45-9708-019B960494DF}">
-              <a14:hiddenLine xmlns:a14="http://schemas.microsoft.com/office/drawing/2010/main" xmlns="" w="9525">
+              <a14:hiddenLine xmlns="" xmlns:a14="http://schemas.microsoft.com/office/drawing/2010/main" w="9525">
                 <a:solidFill>
                   <a:schemeClr val="tx1"/>
                 </a:solidFill>
@@ -29224,7 +29044,7 @@
           </a:ln>
           <a:extLst>
             <a:ext uri="{909E8E84-426E-40dd-AFC4-6F175D3DCCD1}">
-              <a14:hiddenFill xmlns:a14="http://schemas.microsoft.com/office/drawing/2010/main" xmlns="">
+              <a14:hiddenFill xmlns="" xmlns:a14="http://schemas.microsoft.com/office/drawing/2010/main">
                 <a:solidFill>
                   <a:schemeClr val="accent1"/>
                 </a:solidFill>
@@ -29401,14 +29221,14 @@
           </a:ln>
           <a:extLst>
             <a:ext uri="{909E8E84-426E-40dd-AFC4-6F175D3DCCD1}">
-              <a14:hiddenFill xmlns:a14="http://schemas.microsoft.com/office/drawing/2010/main" xmlns="">
+              <a14:hiddenFill xmlns="" xmlns:a14="http://schemas.microsoft.com/office/drawing/2010/main">
                 <a:solidFill>
                   <a:schemeClr val="accent1"/>
                 </a:solidFill>
               </a14:hiddenFill>
             </a:ext>
             <a:ext uri="{91240B29-F687-4f45-9708-019B960494DF}">
-              <a14:hiddenLine xmlns:a14="http://schemas.microsoft.com/office/drawing/2010/main" xmlns="" w="9525">
+              <a14:hiddenLine xmlns="" xmlns:a14="http://schemas.microsoft.com/office/drawing/2010/main" w="9525">
                 <a:solidFill>
                   <a:schemeClr val="tx1"/>
                 </a:solidFill>
@@ -29489,7 +29309,7 @@
           </a:ln>
           <a:extLst>
             <a:ext uri="{909E8E84-426E-40dd-AFC4-6F175D3DCCD1}">
-              <a14:hiddenFill xmlns:a14="http://schemas.microsoft.com/office/drawing/2010/main" xmlns="">
+              <a14:hiddenFill xmlns="" xmlns:a14="http://schemas.microsoft.com/office/drawing/2010/main">
                 <a:solidFill>
                   <a:schemeClr val="accent1"/>
                 </a:solidFill>
@@ -29608,14 +29428,14 @@
           </a:ln>
           <a:extLst>
             <a:ext uri="{909E8E84-426E-40dd-AFC4-6F175D3DCCD1}">
-              <a14:hiddenFill xmlns:a14="http://schemas.microsoft.com/office/drawing/2010/main" xmlns="">
+              <a14:hiddenFill xmlns="" xmlns:a14="http://schemas.microsoft.com/office/drawing/2010/main">
                 <a:solidFill>
                   <a:schemeClr val="accent1"/>
                 </a:solidFill>
               </a14:hiddenFill>
             </a:ext>
             <a:ext uri="{91240B29-F687-4f45-9708-019B960494DF}">
-              <a14:hiddenLine xmlns:a14="http://schemas.microsoft.com/office/drawing/2010/main" xmlns="" w="9525">
+              <a14:hiddenLine xmlns="" xmlns:a14="http://schemas.microsoft.com/office/drawing/2010/main" w="9525">
                 <a:solidFill>
                   <a:schemeClr val="tx1"/>
                 </a:solidFill>
@@ -29676,14 +29496,14 @@
           </a:ln>
           <a:extLst>
             <a:ext uri="{909E8E84-426E-40dd-AFC4-6F175D3DCCD1}">
-              <a14:hiddenFill xmlns:a14="http://schemas.microsoft.com/office/drawing/2010/main" xmlns="">
+              <a14:hiddenFill xmlns="" xmlns:a14="http://schemas.microsoft.com/office/drawing/2010/main">
                 <a:solidFill>
                   <a:schemeClr val="accent1"/>
                 </a:solidFill>
               </a14:hiddenFill>
             </a:ext>
             <a:ext uri="{91240B29-F687-4f45-9708-019B960494DF}">
-              <a14:hiddenLine xmlns:a14="http://schemas.microsoft.com/office/drawing/2010/main" xmlns="" w="9525">
+              <a14:hiddenLine xmlns="" xmlns:a14="http://schemas.microsoft.com/office/drawing/2010/main" w="9525">
                 <a:solidFill>
                   <a:schemeClr val="tx1"/>
                 </a:solidFill>
@@ -29774,7 +29594,7 @@
           </a:ln>
           <a:extLst>
             <a:ext uri="{909E8E84-426E-40dd-AFC4-6F175D3DCCD1}">
-              <a14:hiddenFill xmlns:a14="http://schemas.microsoft.com/office/drawing/2010/main" xmlns="">
+              <a14:hiddenFill xmlns="" xmlns:a14="http://schemas.microsoft.com/office/drawing/2010/main">
                 <a:solidFill>
                   <a:schemeClr val="accent1"/>
                 </a:solidFill>
@@ -29839,7 +29659,7 @@
           </a:ln>
           <a:extLst>
             <a:ext uri="{909E8E84-426E-40dd-AFC4-6F175D3DCCD1}">
-              <a14:hiddenFill xmlns:a14="http://schemas.microsoft.com/office/drawing/2010/main" xmlns="">
+              <a14:hiddenFill xmlns="" xmlns:a14="http://schemas.microsoft.com/office/drawing/2010/main">
                 <a:solidFill>
                   <a:schemeClr val="accent1"/>
                 </a:solidFill>
@@ -29882,7 +29702,7 @@
           </a:ln>
           <a:extLst>
             <a:ext uri="{909E8E84-426E-40dd-AFC4-6F175D3DCCD1}">
-              <a14:hiddenFill xmlns:a14="http://schemas.microsoft.com/office/drawing/2010/main" xmlns="">
+              <a14:hiddenFill xmlns="" xmlns:a14="http://schemas.microsoft.com/office/drawing/2010/main">
                 <a:solidFill>
                   <a:schemeClr val="accent1"/>
                 </a:solidFill>
@@ -29927,7 +29747,7 @@
           </a:ln>
           <a:extLst>
             <a:ext uri="{909E8E84-426E-40dd-AFC4-6F175D3DCCD1}">
-              <a14:hiddenFill xmlns:a14="http://schemas.microsoft.com/office/drawing/2010/main" xmlns="">
+              <a14:hiddenFill xmlns="" xmlns:a14="http://schemas.microsoft.com/office/drawing/2010/main">
                 <a:noFill/>
               </a14:hiddenFill>
             </a:ext>
@@ -29956,14 +29776,14 @@
           </a:ln>
           <a:extLst>
             <a:ext uri="{909E8E84-426E-40dd-AFC4-6F175D3DCCD1}">
-              <a14:hiddenFill xmlns:a14="http://schemas.microsoft.com/office/drawing/2010/main" xmlns="">
+              <a14:hiddenFill xmlns="" xmlns:a14="http://schemas.microsoft.com/office/drawing/2010/main">
                 <a:solidFill>
                   <a:schemeClr val="accent1"/>
                 </a:solidFill>
               </a14:hiddenFill>
             </a:ext>
             <a:ext uri="{91240B29-F687-4f45-9708-019B960494DF}">
-              <a14:hiddenLine xmlns:a14="http://schemas.microsoft.com/office/drawing/2010/main" xmlns="" w="9525">
+              <a14:hiddenLine xmlns="" xmlns:a14="http://schemas.microsoft.com/office/drawing/2010/main" w="9525">
                 <a:solidFill>
                   <a:schemeClr val="tx1"/>
                 </a:solidFill>
@@ -30009,14 +29829,14 @@
           </a:ln>
           <a:extLst>
             <a:ext uri="{909E8E84-426E-40dd-AFC4-6F175D3DCCD1}">
-              <a14:hiddenFill xmlns:a14="http://schemas.microsoft.com/office/drawing/2010/main" xmlns="">
+              <a14:hiddenFill xmlns="" xmlns:a14="http://schemas.microsoft.com/office/drawing/2010/main">
                 <a:solidFill>
                   <a:schemeClr val="accent1"/>
                 </a:solidFill>
               </a14:hiddenFill>
             </a:ext>
             <a:ext uri="{91240B29-F687-4f45-9708-019B960494DF}">
-              <a14:hiddenLine xmlns:a14="http://schemas.microsoft.com/office/drawing/2010/main" xmlns="" w="9525">
+              <a14:hiddenLine xmlns="" xmlns:a14="http://schemas.microsoft.com/office/drawing/2010/main" w="9525">
                 <a:solidFill>
                   <a:schemeClr val="tx1"/>
                 </a:solidFill>
@@ -30071,7 +29891,7 @@
           </a:ln>
           <a:extLst>
             <a:ext uri="{909E8E84-426E-40dd-AFC4-6F175D3DCCD1}">
-              <a14:hiddenFill xmlns:a14="http://schemas.microsoft.com/office/drawing/2010/main" xmlns="">
+              <a14:hiddenFill xmlns="" xmlns:a14="http://schemas.microsoft.com/office/drawing/2010/main">
                 <a:solidFill>
                   <a:schemeClr val="accent1"/>
                 </a:solidFill>
@@ -30114,14 +29934,14 @@
           </a:ln>
           <a:extLst>
             <a:ext uri="{909E8E84-426E-40dd-AFC4-6F175D3DCCD1}">
-              <a14:hiddenFill xmlns:a14="http://schemas.microsoft.com/office/drawing/2010/main" xmlns="">
+              <a14:hiddenFill xmlns="" xmlns:a14="http://schemas.microsoft.com/office/drawing/2010/main">
                 <a:solidFill>
                   <a:schemeClr val="accent1"/>
                 </a:solidFill>
               </a14:hiddenFill>
             </a:ext>
             <a:ext uri="{91240B29-F687-4f45-9708-019B960494DF}">
-              <a14:hiddenLine xmlns:a14="http://schemas.microsoft.com/office/drawing/2010/main" xmlns="" w="9525">
+              <a14:hiddenLine xmlns="" xmlns:a14="http://schemas.microsoft.com/office/drawing/2010/main" w="9525">
                 <a:solidFill>
                   <a:schemeClr val="tx1"/>
                 </a:solidFill>
@@ -30176,7 +29996,7 @@
           </a:ln>
           <a:extLst>
             <a:ext uri="{909E8E84-426E-40dd-AFC4-6F175D3DCCD1}">
-              <a14:hiddenFill xmlns:a14="http://schemas.microsoft.com/office/drawing/2010/main" xmlns="">
+              <a14:hiddenFill xmlns="" xmlns:a14="http://schemas.microsoft.com/office/drawing/2010/main">
                 <a:noFill/>
               </a14:hiddenFill>
             </a:ext>
@@ -30205,14 +30025,14 @@
           </a:ln>
           <a:extLst>
             <a:ext uri="{909E8E84-426E-40dd-AFC4-6F175D3DCCD1}">
-              <a14:hiddenFill xmlns:a14="http://schemas.microsoft.com/office/drawing/2010/main" xmlns="">
+              <a14:hiddenFill xmlns="" xmlns:a14="http://schemas.microsoft.com/office/drawing/2010/main">
                 <a:solidFill>
                   <a:schemeClr val="accent1"/>
                 </a:solidFill>
               </a14:hiddenFill>
             </a:ext>
             <a:ext uri="{91240B29-F687-4f45-9708-019B960494DF}">
-              <a14:hiddenLine xmlns:a14="http://schemas.microsoft.com/office/drawing/2010/main" xmlns="" w="9525">
+              <a14:hiddenLine xmlns="" xmlns:a14="http://schemas.microsoft.com/office/drawing/2010/main" w="9525">
                 <a:solidFill>
                   <a:schemeClr val="tx1"/>
                 </a:solidFill>
@@ -30355,7 +30175,7 @@
           </a:ln>
           <a:extLst>
             <a:ext uri="{909E8E84-426E-40dd-AFC4-6F175D3DCCD1}">
-              <a14:hiddenFill xmlns:a14="http://schemas.microsoft.com/office/drawing/2010/main" xmlns="">
+              <a14:hiddenFill xmlns="" xmlns:a14="http://schemas.microsoft.com/office/drawing/2010/main">
                 <a:solidFill>
                   <a:schemeClr val="accent1"/>
                 </a:solidFill>
@@ -30532,14 +30352,14 @@
           </a:ln>
           <a:extLst>
             <a:ext uri="{909E8E84-426E-40dd-AFC4-6F175D3DCCD1}">
-              <a14:hiddenFill xmlns:a14="http://schemas.microsoft.com/office/drawing/2010/main" xmlns="">
+              <a14:hiddenFill xmlns="" xmlns:a14="http://schemas.microsoft.com/office/drawing/2010/main">
                 <a:solidFill>
                   <a:schemeClr val="accent1"/>
                 </a:solidFill>
               </a14:hiddenFill>
             </a:ext>
             <a:ext uri="{91240B29-F687-4f45-9708-019B960494DF}">
-              <a14:hiddenLine xmlns:a14="http://schemas.microsoft.com/office/drawing/2010/main" xmlns="" w="9525">
+              <a14:hiddenLine xmlns="" xmlns:a14="http://schemas.microsoft.com/office/drawing/2010/main" w="9525">
                 <a:solidFill>
                   <a:schemeClr val="tx1"/>
                 </a:solidFill>
@@ -30597,14 +30417,14 @@
           </a:ln>
           <a:extLst>
             <a:ext uri="{909E8E84-426E-40dd-AFC4-6F175D3DCCD1}">
-              <a14:hiddenFill xmlns:a14="http://schemas.microsoft.com/office/drawing/2010/main" xmlns="">
+              <a14:hiddenFill xmlns="" xmlns:a14="http://schemas.microsoft.com/office/drawing/2010/main">
                 <a:solidFill>
                   <a:schemeClr val="accent1"/>
                 </a:solidFill>
               </a14:hiddenFill>
             </a:ext>
             <a:ext uri="{91240B29-F687-4f45-9708-019B960494DF}">
-              <a14:hiddenLine xmlns:a14="http://schemas.microsoft.com/office/drawing/2010/main" xmlns="" w="9525">
+              <a14:hiddenLine xmlns="" xmlns:a14="http://schemas.microsoft.com/office/drawing/2010/main" w="9525">
                 <a:solidFill>
                   <a:schemeClr val="tx1"/>
                 </a:solidFill>
@@ -30678,14 +30498,14 @@
           </a:ln>
           <a:extLst>
             <a:ext uri="{909E8E84-426E-40dd-AFC4-6F175D3DCCD1}">
-              <a14:hiddenFill xmlns:a14="http://schemas.microsoft.com/office/drawing/2010/main" xmlns="">
+              <a14:hiddenFill xmlns="" xmlns:a14="http://schemas.microsoft.com/office/drawing/2010/main">
                 <a:solidFill>
                   <a:schemeClr val="accent1"/>
                 </a:solidFill>
               </a14:hiddenFill>
             </a:ext>
             <a:ext uri="{91240B29-F687-4f45-9708-019B960494DF}">
-              <a14:hiddenLine xmlns:a14="http://schemas.microsoft.com/office/drawing/2010/main" xmlns="" w="9525">
+              <a14:hiddenLine xmlns="" xmlns:a14="http://schemas.microsoft.com/office/drawing/2010/main" w="9525">
                 <a:solidFill>
                   <a:schemeClr val="tx1"/>
                 </a:solidFill>
@@ -30854,884 +30674,6 @@
 </p:sld>
 </file>
 
-<file path=ppt/slides/slide34.xml><?xml version="1.0" encoding="utf-8"?>
-<p:sld xmlns:a="http://schemas.openxmlformats.org/drawingml/2006/main" xmlns:r="http://schemas.openxmlformats.org/officeDocument/2006/relationships" xmlns:p="http://schemas.openxmlformats.org/presentationml/2006/main">
-  <p:cSld>
-    <p:spTree>
-      <p:nvGrpSpPr>
-        <p:cNvPr id="1" name=""/>
-        <p:cNvGrpSpPr/>
-        <p:nvPr/>
-      </p:nvGrpSpPr>
-      <p:grpSpPr>
-        <a:xfrm>
-          <a:off x="0" y="0"/>
-          <a:ext cx="0" cy="0"/>
-          <a:chOff x="0" y="0"/>
-          <a:chExt cx="0" cy="0"/>
-        </a:xfrm>
-      </p:grpSpPr>
-      <p:sp>
-        <p:nvSpPr>
-          <p:cNvPr id="18434" name="Rectangle 2"/>
-          <p:cNvSpPr>
-            <a:spLocks noGrp="1" noChangeArrowheads="1"/>
-          </p:cNvSpPr>
-          <p:nvPr>
-            <p:ph type="title"/>
-          </p:nvPr>
-        </p:nvSpPr>
-        <p:spPr/>
-        <p:txBody>
-          <a:bodyPr/>
-          <a:lstStyle/>
-          <a:p>
-            <a:r>
-              <a:rPr lang="en-US"/>
-              <a:t>Functions and Arrays</a:t>
-            </a:r>
-          </a:p>
-        </p:txBody>
-      </p:sp>
-      <p:sp>
-        <p:nvSpPr>
-          <p:cNvPr id="18435" name="Rectangle 3"/>
-          <p:cNvSpPr>
-            <a:spLocks noGrp="1" noChangeArrowheads="1"/>
-          </p:cNvSpPr>
-          <p:nvPr>
-            <p:ph type="body" idx="1"/>
-          </p:nvPr>
-        </p:nvSpPr>
-        <p:spPr>
-          <a:xfrm>
-            <a:off x="457200" y="1719263"/>
-            <a:ext cx="8229600" cy="719137"/>
-          </a:xfrm>
-        </p:spPr>
-        <p:txBody>
-          <a:bodyPr/>
-          <a:lstStyle/>
-          <a:p>
-            <a:r>
-              <a:rPr lang="en-US"/>
-              <a:t>Quicksort</a:t>
-            </a:r>
-          </a:p>
-        </p:txBody>
-      </p:sp>
-      <p:sp>
-        <p:nvSpPr>
-          <p:cNvPr id="18436" name="Text Box 4"/>
-          <p:cNvSpPr txBox="1">
-            <a:spLocks noChangeArrowheads="1"/>
-          </p:cNvSpPr>
-          <p:nvPr/>
-        </p:nvSpPr>
-        <p:spPr bwMode="auto">
-          <a:xfrm>
-            <a:off x="3889375" y="1803400"/>
-            <a:ext cx="2968625" cy="4826000"/>
-          </a:xfrm>
-          <a:prstGeom prst="rect">
-            <a:avLst/>
-          </a:prstGeom>
-          <a:noFill/>
-          <a:ln w="9525">
-            <a:solidFill>
-              <a:schemeClr val="tx1"/>
-            </a:solidFill>
-            <a:miter lim="800000"/>
-            <a:headEnd/>
-            <a:tailEnd/>
-          </a:ln>
-          <a:extLst>
-            <a:ext uri="{909E8E84-426E-40dd-AFC4-6F175D3DCCD1}">
-              <a14:hiddenFill xmlns:a14="http://schemas.microsoft.com/office/drawing/2010/main" xmlns="">
-                <a:solidFill>
-                  <a:schemeClr val="accent1"/>
-                </a:solidFill>
-              </a14:hiddenFill>
-            </a:ext>
-          </a:extLst>
-        </p:spPr>
-        <p:txBody>
-          <a:bodyPr wrap="none">
-            <a:spAutoFit/>
-          </a:bodyPr>
-          <a:lstStyle/>
-          <a:p>
-            <a:r>
-              <a:rPr lang="en-US" sz="1000" dirty="0" err="1"/>
-              <a:t>int</a:t>
-            </a:r>
-            <a:r>
-              <a:rPr lang="en-US" sz="1000" dirty="0"/>
-              <a:t>[100] </a:t>
-            </a:r>
-            <a:r>
-              <a:rPr lang="en-US" sz="1000" dirty="0" err="1"/>
-              <a:t>qsort</a:t>
-            </a:r>
-            <a:r>
-              <a:rPr lang="en-US" sz="1000" dirty="0"/>
-              <a:t>(</a:t>
-            </a:r>
-            <a:r>
-              <a:rPr lang="en-US" sz="1000" dirty="0" err="1"/>
-              <a:t>int</a:t>
-            </a:r>
-            <a:r>
-              <a:rPr lang="en-US" sz="1000" dirty="0"/>
-              <a:t>[100] a, </a:t>
-            </a:r>
-            <a:r>
-              <a:rPr lang="en-US" sz="1000" dirty="0" err="1"/>
-              <a:t>int</a:t>
-            </a:r>
-            <a:r>
-              <a:rPr lang="en-US" sz="1000" dirty="0"/>
-              <a:t> count) {</a:t>
-            </a:r>
-          </a:p>
-          <a:p>
-            <a:r>
-              <a:rPr lang="en-US" sz="1000" dirty="0"/>
-              <a:t>   </a:t>
-            </a:r>
-            <a:r>
-              <a:rPr lang="en-US" sz="1000" dirty="0" err="1"/>
-              <a:t>int</a:t>
-            </a:r>
-            <a:r>
-              <a:rPr lang="en-US" sz="1000" dirty="0"/>
-              <a:t>[100] less;</a:t>
-            </a:r>
-          </a:p>
-          <a:p>
-            <a:r>
-              <a:rPr lang="en-US" sz="1000" dirty="0"/>
-              <a:t>   </a:t>
-            </a:r>
-            <a:r>
-              <a:rPr lang="en-US" sz="1000" dirty="0" err="1"/>
-              <a:t>int</a:t>
-            </a:r>
-            <a:r>
-              <a:rPr lang="en-US" sz="1000" dirty="0"/>
-              <a:t>[100] more;</a:t>
-            </a:r>
-          </a:p>
-          <a:p>
-            <a:r>
-              <a:rPr lang="en-US" sz="1000" dirty="0"/>
-              <a:t>   </a:t>
-            </a:r>
-            <a:r>
-              <a:rPr lang="en-US" sz="1000" dirty="0" err="1"/>
-              <a:t>int</a:t>
-            </a:r>
-            <a:r>
-              <a:rPr lang="en-US" sz="1000" dirty="0"/>
-              <a:t> </a:t>
-            </a:r>
-            <a:r>
-              <a:rPr lang="en-US" sz="1000" dirty="0" err="1"/>
-              <a:t>lesscount</a:t>
-            </a:r>
-            <a:r>
-              <a:rPr lang="en-US" sz="1000" dirty="0"/>
-              <a:t> = 0;</a:t>
-            </a:r>
-          </a:p>
-          <a:p>
-            <a:r>
-              <a:rPr lang="en-US" sz="1000" dirty="0"/>
-              <a:t>   </a:t>
-            </a:r>
-            <a:r>
-              <a:rPr lang="en-US" sz="1000" dirty="0" err="1"/>
-              <a:t>int</a:t>
-            </a:r>
-            <a:r>
-              <a:rPr lang="en-US" sz="1000" dirty="0"/>
-              <a:t> </a:t>
-            </a:r>
-            <a:r>
-              <a:rPr lang="en-US" sz="1000" dirty="0" err="1"/>
-              <a:t>morecount</a:t>
-            </a:r>
-            <a:r>
-              <a:rPr lang="en-US" sz="1000" dirty="0"/>
-              <a:t> = 0;</a:t>
-            </a:r>
-          </a:p>
-          <a:p>
-            <a:endParaRPr lang="en-US" sz="1000" dirty="0"/>
-          </a:p>
-          <a:p>
-            <a:r>
-              <a:rPr lang="en-US" sz="1000" dirty="0"/>
-              <a:t>   if (count =&lt; 1)</a:t>
-            </a:r>
-          </a:p>
-          <a:p>
-            <a:r>
-              <a:rPr lang="en-US" sz="1000" dirty="0"/>
-              <a:t>      return a;</a:t>
-            </a:r>
-          </a:p>
-          <a:p>
-            <a:endParaRPr lang="en-US" sz="1000" dirty="0"/>
-          </a:p>
-          <a:p>
-            <a:r>
-              <a:rPr lang="en-US" sz="1000" dirty="0"/>
-              <a:t>   </a:t>
-            </a:r>
-            <a:r>
-              <a:rPr lang="en-US" sz="1000" dirty="0" err="1"/>
-              <a:t>int</a:t>
-            </a:r>
-            <a:r>
-              <a:rPr lang="en-US" sz="1000" dirty="0"/>
-              <a:t> </a:t>
-            </a:r>
-            <a:r>
-              <a:rPr lang="en-US" sz="1000" dirty="0" err="1"/>
-              <a:t>i</a:t>
-            </a:r>
-            <a:r>
-              <a:rPr lang="en-US" sz="1000" dirty="0"/>
-              <a:t> = 1;</a:t>
-            </a:r>
-          </a:p>
-          <a:p>
-            <a:r>
-              <a:rPr lang="en-US" sz="1000" dirty="0"/>
-              <a:t>   </a:t>
-            </a:r>
-            <a:r>
-              <a:rPr lang="en-US" sz="1000" dirty="0" err="1"/>
-              <a:t>int</a:t>
-            </a:r>
-            <a:r>
-              <a:rPr lang="en-US" sz="1000" dirty="0"/>
-              <a:t> pivot = a[0]; </a:t>
-            </a:r>
-          </a:p>
-          <a:p>
-            <a:r>
-              <a:rPr lang="en-US" sz="1000" dirty="0"/>
-              <a:t>   </a:t>
-            </a:r>
-          </a:p>
-          <a:p>
-            <a:r>
-              <a:rPr lang="en-US" sz="1000" dirty="0"/>
-              <a:t>   while (</a:t>
-            </a:r>
-            <a:r>
-              <a:rPr lang="en-US" sz="1000" dirty="0" err="1"/>
-              <a:t>i</a:t>
-            </a:r>
-            <a:r>
-              <a:rPr lang="en-US" sz="1000" dirty="0"/>
-              <a:t> =&lt; count-1) {</a:t>
-            </a:r>
-          </a:p>
-          <a:p>
-            <a:r>
-              <a:rPr lang="en-US" sz="1000" dirty="0"/>
-              <a:t>      if (a[</a:t>
-            </a:r>
-            <a:r>
-              <a:rPr lang="en-US" sz="1000" dirty="0" err="1"/>
-              <a:t>i</a:t>
-            </a:r>
-            <a:r>
-              <a:rPr lang="en-US" sz="1000" dirty="0"/>
-              <a:t>] =&lt; pivot) {</a:t>
-            </a:r>
-          </a:p>
-          <a:p>
-            <a:r>
-              <a:rPr lang="en-US" sz="1000" dirty="0"/>
-              <a:t>         less[</a:t>
-            </a:r>
-            <a:r>
-              <a:rPr lang="en-US" sz="1000" dirty="0" err="1"/>
-              <a:t>lesscount</a:t>
-            </a:r>
-            <a:r>
-              <a:rPr lang="en-US" sz="1000" dirty="0"/>
-              <a:t>] = a[</a:t>
-            </a:r>
-            <a:r>
-              <a:rPr lang="en-US" sz="1000" dirty="0" err="1"/>
-              <a:t>i</a:t>
-            </a:r>
-            <a:r>
-              <a:rPr lang="en-US" sz="1000" dirty="0"/>
-              <a:t>];</a:t>
-            </a:r>
-          </a:p>
-          <a:p>
-            <a:r>
-              <a:rPr lang="en-US" sz="1000" dirty="0"/>
-              <a:t>         </a:t>
-            </a:r>
-            <a:r>
-              <a:rPr lang="en-US" sz="1000" dirty="0" err="1"/>
-              <a:t>lesscount</a:t>
-            </a:r>
-            <a:r>
-              <a:rPr lang="en-US" sz="1000" dirty="0"/>
-              <a:t> = lesscount+1;</a:t>
-            </a:r>
-          </a:p>
-          <a:p>
-            <a:r>
-              <a:rPr lang="en-US" sz="1000" dirty="0"/>
-              <a:t>      }</a:t>
-            </a:r>
-          </a:p>
-          <a:p>
-            <a:r>
-              <a:rPr lang="en-US" sz="1000" dirty="0"/>
-              <a:t>      else {</a:t>
-            </a:r>
-          </a:p>
-          <a:p>
-            <a:r>
-              <a:rPr lang="en-US" sz="1000" dirty="0"/>
-              <a:t>         more[</a:t>
-            </a:r>
-            <a:r>
-              <a:rPr lang="en-US" sz="1000" dirty="0" err="1"/>
-              <a:t>morecount</a:t>
-            </a:r>
-            <a:r>
-              <a:rPr lang="en-US" sz="1000" dirty="0"/>
-              <a:t>] = a[</a:t>
-            </a:r>
-            <a:r>
-              <a:rPr lang="en-US" sz="1000" dirty="0" err="1"/>
-              <a:t>i</a:t>
-            </a:r>
-            <a:r>
-              <a:rPr lang="en-US" sz="1000" dirty="0"/>
-              <a:t>];</a:t>
-            </a:r>
-          </a:p>
-          <a:p>
-            <a:r>
-              <a:rPr lang="en-US" sz="1000" dirty="0"/>
-              <a:t>         </a:t>
-            </a:r>
-            <a:r>
-              <a:rPr lang="en-US" sz="1000" dirty="0" err="1"/>
-              <a:t>morecount</a:t>
-            </a:r>
-            <a:r>
-              <a:rPr lang="en-US" sz="1000" dirty="0"/>
-              <a:t> = morecount+1;</a:t>
-            </a:r>
-          </a:p>
-          <a:p>
-            <a:r>
-              <a:rPr lang="en-US" sz="1000" dirty="0"/>
-              <a:t>      }</a:t>
-            </a:r>
-          </a:p>
-          <a:p>
-            <a:r>
-              <a:rPr lang="en-US" sz="1000" dirty="0"/>
-              <a:t>   }</a:t>
-            </a:r>
-          </a:p>
-          <a:p>
-            <a:endParaRPr lang="en-US" sz="1000" dirty="0"/>
-          </a:p>
-          <a:p>
-            <a:r>
-              <a:rPr lang="en-US" sz="1000" dirty="0"/>
-              <a:t>   less[</a:t>
-            </a:r>
-            <a:r>
-              <a:rPr lang="en-US" sz="1000" dirty="0" err="1"/>
-              <a:t>lesscount</a:t>
-            </a:r>
-            <a:r>
-              <a:rPr lang="en-US" sz="1000" dirty="0"/>
-              <a:t>] = pivot;</a:t>
-            </a:r>
-          </a:p>
-          <a:p>
-            <a:r>
-              <a:rPr lang="en-US" sz="1000" dirty="0"/>
-              <a:t>   </a:t>
-            </a:r>
-            <a:r>
-              <a:rPr lang="en-US" sz="1000" dirty="0" err="1"/>
-              <a:t>lesscount</a:t>
-            </a:r>
-            <a:r>
-              <a:rPr lang="en-US" sz="1000" dirty="0"/>
-              <a:t> = lesscount+1;</a:t>
-            </a:r>
-          </a:p>
-          <a:p>
-            <a:endParaRPr lang="en-US" sz="1000" dirty="0"/>
-          </a:p>
-          <a:p>
-            <a:r>
-              <a:rPr lang="en-US" sz="1000" dirty="0"/>
-              <a:t>   less = </a:t>
-            </a:r>
-            <a:r>
-              <a:rPr lang="en-US" sz="1000" dirty="0" err="1"/>
-              <a:t>qsort</a:t>
-            </a:r>
-            <a:r>
-              <a:rPr lang="en-US" sz="1000" dirty="0"/>
-              <a:t>(</a:t>
-            </a:r>
-            <a:r>
-              <a:rPr lang="en-US" sz="1000" dirty="0" err="1"/>
-              <a:t>less,lesscount</a:t>
-            </a:r>
-            <a:r>
-              <a:rPr lang="en-US" sz="1000" dirty="0"/>
-              <a:t>);</a:t>
-            </a:r>
-          </a:p>
-          <a:p>
-            <a:r>
-              <a:rPr lang="en-US" sz="1000" dirty="0"/>
-              <a:t>   more = </a:t>
-            </a:r>
-            <a:r>
-              <a:rPr lang="en-US" sz="1000" dirty="0" err="1"/>
-              <a:t>qsort</a:t>
-            </a:r>
-            <a:r>
-              <a:rPr lang="en-US" sz="1000" dirty="0"/>
-              <a:t>(</a:t>
-            </a:r>
-            <a:r>
-              <a:rPr lang="en-US" sz="1000" dirty="0" err="1"/>
-              <a:t>more,morecount</a:t>
-            </a:r>
-            <a:r>
-              <a:rPr lang="en-US" sz="1000" dirty="0"/>
-              <a:t>);</a:t>
-            </a:r>
-          </a:p>
-          <a:p>
-            <a:endParaRPr lang="en-US" sz="1000" dirty="0"/>
-          </a:p>
-          <a:p>
-            <a:r>
-              <a:rPr lang="en-US" sz="1000" dirty="0"/>
-              <a:t>   return append(</a:t>
-            </a:r>
-            <a:r>
-              <a:rPr lang="en-US" sz="1000" dirty="0" err="1"/>
-              <a:t>less,lesscount,more,morecount</a:t>
-            </a:r>
-            <a:r>
-              <a:rPr lang="en-US" sz="1000" dirty="0"/>
-              <a:t>);</a:t>
-            </a:r>
-          </a:p>
-          <a:p>
-            <a:r>
-              <a:rPr lang="en-US" sz="1000" dirty="0"/>
-              <a:t>} </a:t>
-            </a:r>
-          </a:p>
-        </p:txBody>
-      </p:sp>
-    </p:spTree>
-  </p:cSld>
-  <p:clrMapOvr>
-    <a:masterClrMapping/>
-  </p:clrMapOvr>
-</p:sld>
-</file>
-
-<file path=ppt/slides/slide35.xml><?xml version="1.0" encoding="utf-8"?>
-<p:sld xmlns:a="http://schemas.openxmlformats.org/drawingml/2006/main" xmlns:r="http://schemas.openxmlformats.org/officeDocument/2006/relationships" xmlns:p="http://schemas.openxmlformats.org/presentationml/2006/main">
-  <p:cSld>
-    <p:spTree>
-      <p:nvGrpSpPr>
-        <p:cNvPr id="1" name=""/>
-        <p:cNvGrpSpPr/>
-        <p:nvPr/>
-      </p:nvGrpSpPr>
-      <p:grpSpPr>
-        <a:xfrm>
-          <a:off x="0" y="0"/>
-          <a:ext cx="0" cy="0"/>
-          <a:chOff x="0" y="0"/>
-          <a:chExt cx="0" cy="0"/>
-        </a:xfrm>
-      </p:grpSpPr>
-      <p:sp>
-        <p:nvSpPr>
-          <p:cNvPr id="19458" name="Rectangle 2"/>
-          <p:cNvSpPr>
-            <a:spLocks noGrp="1" noChangeArrowheads="1"/>
-          </p:cNvSpPr>
-          <p:nvPr>
-            <p:ph type="title"/>
-          </p:nvPr>
-        </p:nvSpPr>
-        <p:spPr/>
-        <p:txBody>
-          <a:bodyPr/>
-          <a:lstStyle/>
-          <a:p>
-            <a:r>
-              <a:rPr lang="en-US"/>
-              <a:t>Functions and Arrays</a:t>
-            </a:r>
-          </a:p>
-        </p:txBody>
-      </p:sp>
-      <p:sp>
-        <p:nvSpPr>
-          <p:cNvPr id="19459" name="Rectangle 3"/>
-          <p:cNvSpPr>
-            <a:spLocks noGrp="1" noChangeArrowheads="1"/>
-          </p:cNvSpPr>
-          <p:nvPr>
-            <p:ph type="body" idx="1"/>
-          </p:nvPr>
-        </p:nvSpPr>
-        <p:spPr>
-          <a:xfrm>
-            <a:off x="457200" y="1719263"/>
-            <a:ext cx="8229600" cy="719137"/>
-          </a:xfrm>
-        </p:spPr>
-        <p:txBody>
-          <a:bodyPr/>
-          <a:lstStyle/>
-          <a:p>
-            <a:r>
-              <a:rPr lang="en-US"/>
-              <a:t>Append</a:t>
-            </a:r>
-          </a:p>
-        </p:txBody>
-      </p:sp>
-      <p:sp>
-        <p:nvSpPr>
-          <p:cNvPr id="19460" name="Text Box 4"/>
-          <p:cNvSpPr txBox="1">
-            <a:spLocks noChangeArrowheads="1"/>
-          </p:cNvSpPr>
-          <p:nvPr/>
-        </p:nvSpPr>
-        <p:spPr bwMode="auto">
-          <a:xfrm>
-            <a:off x="3889375" y="2220913"/>
-            <a:ext cx="4416425" cy="3387725"/>
-          </a:xfrm>
-          <a:prstGeom prst="rect">
-            <a:avLst/>
-          </a:prstGeom>
-          <a:noFill/>
-          <a:ln w="9525">
-            <a:solidFill>
-              <a:schemeClr val="tx1"/>
-            </a:solidFill>
-            <a:miter lim="800000"/>
-            <a:headEnd/>
-            <a:tailEnd/>
-          </a:ln>
-          <a:extLst>
-            <a:ext uri="{909E8E84-426E-40dd-AFC4-6F175D3DCCD1}">
-              <a14:hiddenFill xmlns:a14="http://schemas.microsoft.com/office/drawing/2010/main" xmlns="">
-                <a:solidFill>
-                  <a:schemeClr val="accent1"/>
-                </a:solidFill>
-              </a14:hiddenFill>
-            </a:ext>
-          </a:extLst>
-        </p:spPr>
-        <p:txBody>
-          <a:bodyPr>
-            <a:spAutoFit/>
-          </a:bodyPr>
-          <a:lstStyle/>
-          <a:p>
-            <a:r>
-              <a:rPr lang="en-US" sz="1200" dirty="0" err="1"/>
-              <a:t>int</a:t>
-            </a:r>
-            <a:r>
-              <a:rPr lang="en-US" sz="1200" dirty="0"/>
-              <a:t>[100] append(</a:t>
-            </a:r>
-            <a:r>
-              <a:rPr lang="en-US" sz="1200" dirty="0" err="1"/>
-              <a:t>int</a:t>
-            </a:r>
-            <a:r>
-              <a:rPr lang="en-US" sz="1200" dirty="0"/>
-              <a:t>[100] a, </a:t>
-            </a:r>
-            <a:r>
-              <a:rPr lang="en-US" sz="1200" dirty="0" err="1"/>
-              <a:t>int</a:t>
-            </a:r>
-            <a:r>
-              <a:rPr lang="en-US" sz="1200" dirty="0"/>
-              <a:t> </a:t>
-            </a:r>
-            <a:r>
-              <a:rPr lang="en-US" sz="1200" dirty="0" err="1"/>
-              <a:t>acount</a:t>
-            </a:r>
-            <a:r>
-              <a:rPr lang="en-US" sz="1200" dirty="0"/>
-              <a:t>, </a:t>
-            </a:r>
-            <a:r>
-              <a:rPr lang="en-US" sz="1200" dirty="0" err="1"/>
-              <a:t>int</a:t>
-            </a:r>
-            <a:r>
-              <a:rPr lang="en-US" sz="1200" dirty="0"/>
-              <a:t>[100] b, </a:t>
-            </a:r>
-            <a:r>
-              <a:rPr lang="en-US" sz="1200" dirty="0" err="1"/>
-              <a:t>bcount</a:t>
-            </a:r>
-            <a:r>
-              <a:rPr lang="en-US" sz="1200" dirty="0"/>
-              <a:t>) {</a:t>
-            </a:r>
-          </a:p>
-          <a:p>
-            <a:r>
-              <a:rPr lang="en-US" sz="1200" dirty="0"/>
-              <a:t>   </a:t>
-            </a:r>
-            <a:r>
-              <a:rPr lang="en-US" sz="1200" dirty="0" err="1"/>
-              <a:t>int</a:t>
-            </a:r>
-            <a:r>
-              <a:rPr lang="en-US" sz="1200" dirty="0"/>
-              <a:t>[100] result;</a:t>
-            </a:r>
-          </a:p>
-          <a:p>
-            <a:r>
-              <a:rPr lang="en-US" sz="1200" dirty="0"/>
-              <a:t>   </a:t>
-            </a:r>
-            <a:r>
-              <a:rPr lang="en-US" sz="1200" dirty="0" err="1"/>
-              <a:t>int</a:t>
-            </a:r>
-            <a:r>
-              <a:rPr lang="en-US" sz="1200" dirty="0"/>
-              <a:t> </a:t>
-            </a:r>
-            <a:r>
-              <a:rPr lang="en-US" sz="1200" dirty="0" err="1"/>
-              <a:t>rcount</a:t>
-            </a:r>
-            <a:r>
-              <a:rPr lang="en-US" sz="1200" dirty="0"/>
-              <a:t> = 0;</a:t>
-            </a:r>
-          </a:p>
-          <a:p>
-            <a:r>
-              <a:rPr lang="en-US" sz="1200" dirty="0"/>
-              <a:t>   </a:t>
-            </a:r>
-            <a:r>
-              <a:rPr lang="en-US" sz="1200" dirty="0" err="1"/>
-              <a:t>int</a:t>
-            </a:r>
-            <a:r>
-              <a:rPr lang="en-US" sz="1200" dirty="0"/>
-              <a:t> </a:t>
-            </a:r>
-            <a:r>
-              <a:rPr lang="en-US" sz="1200" dirty="0" err="1"/>
-              <a:t>i</a:t>
-            </a:r>
-            <a:r>
-              <a:rPr lang="en-US" sz="1200" dirty="0"/>
-              <a:t> = 0;</a:t>
-            </a:r>
-          </a:p>
-          <a:p>
-            <a:endParaRPr lang="en-US" sz="1200" dirty="0"/>
-          </a:p>
-          <a:p>
-            <a:r>
-              <a:rPr lang="en-US" sz="1200" dirty="0"/>
-              <a:t>   while (</a:t>
-            </a:r>
-            <a:r>
-              <a:rPr lang="en-US" sz="1200" dirty="0" err="1"/>
-              <a:t>i</a:t>
-            </a:r>
-            <a:r>
-              <a:rPr lang="en-US" sz="1200" dirty="0"/>
-              <a:t> =&lt; acount-1) {</a:t>
-            </a:r>
-          </a:p>
-          <a:p>
-            <a:r>
-              <a:rPr lang="en-US" sz="1200" dirty="0"/>
-              <a:t>      result[</a:t>
-            </a:r>
-            <a:r>
-              <a:rPr lang="en-US" sz="1200" dirty="0" err="1"/>
-              <a:t>rcount</a:t>
-            </a:r>
-            <a:r>
-              <a:rPr lang="en-US" sz="1200" dirty="0"/>
-              <a:t>] = a[</a:t>
-            </a:r>
-            <a:r>
-              <a:rPr lang="en-US" sz="1200" dirty="0" err="1"/>
-              <a:t>i</a:t>
-            </a:r>
-            <a:r>
-              <a:rPr lang="en-US" sz="1200" dirty="0"/>
-              <a:t>];</a:t>
-            </a:r>
-          </a:p>
-          <a:p>
-            <a:r>
-              <a:rPr lang="en-US" sz="1200" dirty="0"/>
-              <a:t>      </a:t>
-            </a:r>
-            <a:r>
-              <a:rPr lang="en-US" sz="1200" dirty="0" err="1"/>
-              <a:t>rcount</a:t>
-            </a:r>
-            <a:r>
-              <a:rPr lang="en-US" sz="1200" dirty="0"/>
-              <a:t> = rcount+1;</a:t>
-            </a:r>
-          </a:p>
-          <a:p>
-            <a:r>
-              <a:rPr lang="en-US" sz="1200" dirty="0"/>
-              <a:t>   }</a:t>
-            </a:r>
-          </a:p>
-          <a:p>
-            <a:endParaRPr lang="en-US" sz="1200" dirty="0"/>
-          </a:p>
-          <a:p>
-            <a:r>
-              <a:rPr lang="en-US" sz="1200" dirty="0"/>
-              <a:t>   </a:t>
-            </a:r>
-            <a:r>
-              <a:rPr lang="en-US" sz="1200" dirty="0" err="1"/>
-              <a:t>i</a:t>
-            </a:r>
-            <a:r>
-              <a:rPr lang="en-US" sz="1200" dirty="0"/>
-              <a:t> = 0;</a:t>
-            </a:r>
-          </a:p>
-          <a:p>
-            <a:r>
-              <a:rPr lang="en-US" sz="1200" dirty="0"/>
-              <a:t>   while (</a:t>
-            </a:r>
-            <a:r>
-              <a:rPr lang="en-US" sz="1200" dirty="0" err="1"/>
-              <a:t>i</a:t>
-            </a:r>
-            <a:r>
-              <a:rPr lang="en-US" sz="1200" dirty="0"/>
-              <a:t> =&lt; bcount-1) {</a:t>
-            </a:r>
-          </a:p>
-          <a:p>
-            <a:r>
-              <a:rPr lang="en-US" sz="1200" dirty="0"/>
-              <a:t>      result[</a:t>
-            </a:r>
-            <a:r>
-              <a:rPr lang="en-US" sz="1200" dirty="0" err="1"/>
-              <a:t>rcount</a:t>
-            </a:r>
-            <a:r>
-              <a:rPr lang="en-US" sz="1200" dirty="0"/>
-              <a:t>] = b[</a:t>
-            </a:r>
-            <a:r>
-              <a:rPr lang="en-US" sz="1200" dirty="0" err="1"/>
-              <a:t>i</a:t>
-            </a:r>
-            <a:r>
-              <a:rPr lang="en-US" sz="1200" dirty="0"/>
-              <a:t>];</a:t>
-            </a:r>
-          </a:p>
-          <a:p>
-            <a:r>
-              <a:rPr lang="en-US" sz="1200" dirty="0"/>
-              <a:t>      </a:t>
-            </a:r>
-            <a:r>
-              <a:rPr lang="en-US" sz="1200" dirty="0" err="1"/>
-              <a:t>rcount</a:t>
-            </a:r>
-            <a:r>
-              <a:rPr lang="en-US" sz="1200" dirty="0"/>
-              <a:t> = rcount+1;</a:t>
-            </a:r>
-          </a:p>
-          <a:p>
-            <a:r>
-              <a:rPr lang="en-US" sz="1200" dirty="0"/>
-              <a:t>   }</a:t>
-            </a:r>
-          </a:p>
-          <a:p>
-            <a:endParaRPr lang="en-US" sz="1200" dirty="0"/>
-          </a:p>
-          <a:p>
-            <a:r>
-              <a:rPr lang="en-US" sz="1200" dirty="0"/>
-              <a:t>   return result;</a:t>
-            </a:r>
-          </a:p>
-          <a:p>
-            <a:r>
-              <a:rPr lang="en-US" sz="1200" dirty="0"/>
-              <a:t>} </a:t>
-            </a:r>
-          </a:p>
-        </p:txBody>
-      </p:sp>
-    </p:spTree>
-  </p:cSld>
-  <p:clrMapOvr>
-    <a:masterClrMapping/>
-  </p:clrMapOvr>
-</p:sld>
-</file>
-
 <file path=ppt/slides/slide4.xml><?xml version="1.0" encoding="utf-8"?>
 <p:sld xmlns:a="http://schemas.openxmlformats.org/drawingml/2006/main" xmlns:r="http://schemas.openxmlformats.org/officeDocument/2006/relationships" xmlns:p="http://schemas.openxmlformats.org/presentationml/2006/main">
   <p:cSld>
@@ -31776,7 +30718,7 @@
           </a:ln>
           <a:extLst>
             <a:ext uri="{909E8E84-426E-40dd-AFC4-6F175D3DCCD1}">
-              <a14:hiddenFill xmlns:a14="http://schemas.microsoft.com/office/drawing/2010/main" xmlns="">
+              <a14:hiddenFill xmlns="" xmlns:a14="http://schemas.microsoft.com/office/drawing/2010/main">
                 <a:solidFill>
                   <a:schemeClr val="accent1"/>
                 </a:solidFill>
@@ -31841,7 +30783,7 @@
           </a:ln>
           <a:extLst>
             <a:ext uri="{909E8E84-426E-40dd-AFC4-6F175D3DCCD1}">
-              <a14:hiddenFill xmlns:a14="http://schemas.microsoft.com/office/drawing/2010/main" xmlns="">
+              <a14:hiddenFill xmlns="" xmlns:a14="http://schemas.microsoft.com/office/drawing/2010/main">
                 <a:solidFill>
                   <a:schemeClr val="accent1"/>
                 </a:solidFill>
@@ -31879,14 +30821,14 @@
           </a:ln>
           <a:extLst>
             <a:ext uri="{909E8E84-426E-40dd-AFC4-6F175D3DCCD1}">
-              <a14:hiddenFill xmlns:a14="http://schemas.microsoft.com/office/drawing/2010/main" xmlns="">
+              <a14:hiddenFill xmlns="" xmlns:a14="http://schemas.microsoft.com/office/drawing/2010/main">
                 <a:solidFill>
                   <a:schemeClr val="accent1"/>
                 </a:solidFill>
               </a14:hiddenFill>
             </a:ext>
             <a:ext uri="{91240B29-F687-4f45-9708-019B960494DF}">
-              <a14:hiddenLine xmlns:a14="http://schemas.microsoft.com/office/drawing/2010/main" xmlns="" w="9525">
+              <a14:hiddenLine xmlns="" xmlns:a14="http://schemas.microsoft.com/office/drawing/2010/main" w="9525">
                 <a:solidFill>
                   <a:schemeClr val="tx1"/>
                 </a:solidFill>
@@ -31937,7 +30879,7 @@
           </a:ln>
           <a:extLst>
             <a:ext uri="{909E8E84-426E-40dd-AFC4-6F175D3DCCD1}">
-              <a14:hiddenFill xmlns:a14="http://schemas.microsoft.com/office/drawing/2010/main" xmlns="">
+              <a14:hiddenFill xmlns="" xmlns:a14="http://schemas.microsoft.com/office/drawing/2010/main">
                 <a:solidFill>
                   <a:schemeClr val="accent1"/>
                 </a:solidFill>
@@ -31980,14 +30922,14 @@
           </a:ln>
           <a:extLst>
             <a:ext uri="{909E8E84-426E-40dd-AFC4-6F175D3DCCD1}">
-              <a14:hiddenFill xmlns:a14="http://schemas.microsoft.com/office/drawing/2010/main" xmlns="">
+              <a14:hiddenFill xmlns="" xmlns:a14="http://schemas.microsoft.com/office/drawing/2010/main">
                 <a:solidFill>
                   <a:schemeClr val="accent1"/>
                 </a:solidFill>
               </a14:hiddenFill>
             </a:ext>
             <a:ext uri="{91240B29-F687-4f45-9708-019B960494DF}">
-              <a14:hiddenLine xmlns:a14="http://schemas.microsoft.com/office/drawing/2010/main" xmlns="" w="9525">
+              <a14:hiddenLine xmlns="" xmlns:a14="http://schemas.microsoft.com/office/drawing/2010/main" w="9525">
                 <a:solidFill>
                   <a:schemeClr val="tx1"/>
                 </a:solidFill>
@@ -32042,7 +30984,7 @@
           </a:ln>
           <a:extLst>
             <a:ext uri="{909E8E84-426E-40dd-AFC4-6F175D3DCCD1}">
-              <a14:hiddenFill xmlns:a14="http://schemas.microsoft.com/office/drawing/2010/main" xmlns="">
+              <a14:hiddenFill xmlns="" xmlns:a14="http://schemas.microsoft.com/office/drawing/2010/main">
                 <a:noFill/>
               </a14:hiddenFill>
             </a:ext>
@@ -32076,7 +31018,7 @@
           </a:ln>
           <a:extLst>
             <a:ext uri="{909E8E84-426E-40dd-AFC4-6F175D3DCCD1}">
-              <a14:hiddenFill xmlns:a14="http://schemas.microsoft.com/office/drawing/2010/main" xmlns="">
+              <a14:hiddenFill xmlns="" xmlns:a14="http://schemas.microsoft.com/office/drawing/2010/main">
                 <a:solidFill>
                   <a:schemeClr val="accent1"/>
                 </a:solidFill>
@@ -32201,7 +31143,7 @@
           </a:ln>
           <a:extLst>
             <a:ext uri="{909E8E84-426E-40dd-AFC4-6F175D3DCCD1}">
-              <a14:hiddenFill xmlns:a14="http://schemas.microsoft.com/office/drawing/2010/main" xmlns="">
+              <a14:hiddenFill xmlns="" xmlns:a14="http://schemas.microsoft.com/office/drawing/2010/main">
                 <a:solidFill>
                   <a:schemeClr val="accent1"/>
                 </a:solidFill>
@@ -32266,7 +31208,7 @@
           </a:ln>
           <a:extLst>
             <a:ext uri="{909E8E84-426E-40dd-AFC4-6F175D3DCCD1}">
-              <a14:hiddenFill xmlns:a14="http://schemas.microsoft.com/office/drawing/2010/main" xmlns="">
+              <a14:hiddenFill xmlns="" xmlns:a14="http://schemas.microsoft.com/office/drawing/2010/main">
                 <a:solidFill>
                   <a:schemeClr val="accent1"/>
                 </a:solidFill>
@@ -32304,14 +31246,14 @@
           </a:ln>
           <a:extLst>
             <a:ext uri="{909E8E84-426E-40dd-AFC4-6F175D3DCCD1}">
-              <a14:hiddenFill xmlns:a14="http://schemas.microsoft.com/office/drawing/2010/main" xmlns="">
+              <a14:hiddenFill xmlns="" xmlns:a14="http://schemas.microsoft.com/office/drawing/2010/main">
                 <a:solidFill>
                   <a:schemeClr val="accent1"/>
                 </a:solidFill>
               </a14:hiddenFill>
             </a:ext>
             <a:ext uri="{91240B29-F687-4f45-9708-019B960494DF}">
-              <a14:hiddenLine xmlns:a14="http://schemas.microsoft.com/office/drawing/2010/main" xmlns="" w="9525">
+              <a14:hiddenLine xmlns="" xmlns:a14="http://schemas.microsoft.com/office/drawing/2010/main" w="9525">
                 <a:solidFill>
                   <a:schemeClr val="tx1"/>
                 </a:solidFill>
@@ -32362,7 +31304,7 @@
           </a:ln>
           <a:extLst>
             <a:ext uri="{909E8E84-426E-40dd-AFC4-6F175D3DCCD1}">
-              <a14:hiddenFill xmlns:a14="http://schemas.microsoft.com/office/drawing/2010/main" xmlns="">
+              <a14:hiddenFill xmlns="" xmlns:a14="http://schemas.microsoft.com/office/drawing/2010/main">
                 <a:solidFill>
                   <a:schemeClr val="accent1"/>
                 </a:solidFill>
@@ -32405,14 +31347,14 @@
           </a:ln>
           <a:extLst>
             <a:ext uri="{909E8E84-426E-40dd-AFC4-6F175D3DCCD1}">
-              <a14:hiddenFill xmlns:a14="http://schemas.microsoft.com/office/drawing/2010/main" xmlns="">
+              <a14:hiddenFill xmlns="" xmlns:a14="http://schemas.microsoft.com/office/drawing/2010/main">
                 <a:solidFill>
                   <a:schemeClr val="accent1"/>
                 </a:solidFill>
               </a14:hiddenFill>
             </a:ext>
             <a:ext uri="{91240B29-F687-4f45-9708-019B960494DF}">
-              <a14:hiddenLine xmlns:a14="http://schemas.microsoft.com/office/drawing/2010/main" xmlns="" w="9525">
+              <a14:hiddenLine xmlns="" xmlns:a14="http://schemas.microsoft.com/office/drawing/2010/main" w="9525">
                 <a:solidFill>
                   <a:schemeClr val="tx1"/>
                 </a:solidFill>
@@ -32467,7 +31409,7 @@
           </a:ln>
           <a:extLst>
             <a:ext uri="{909E8E84-426E-40dd-AFC4-6F175D3DCCD1}">
-              <a14:hiddenFill xmlns:a14="http://schemas.microsoft.com/office/drawing/2010/main" xmlns="">
+              <a14:hiddenFill xmlns="" xmlns:a14="http://schemas.microsoft.com/office/drawing/2010/main">
                 <a:noFill/>
               </a14:hiddenFill>
             </a:ext>
@@ -32501,7 +31443,7 @@
           </a:ln>
           <a:extLst>
             <a:ext uri="{909E8E84-426E-40dd-AFC4-6F175D3DCCD1}">
-              <a14:hiddenFill xmlns:a14="http://schemas.microsoft.com/office/drawing/2010/main" xmlns="">
+              <a14:hiddenFill xmlns="" xmlns:a14="http://schemas.microsoft.com/office/drawing/2010/main">
                 <a:solidFill>
                   <a:schemeClr val="accent1"/>
                 </a:solidFill>
@@ -32635,14 +31577,14 @@
           </a:ln>
           <a:extLst>
             <a:ext uri="{909E8E84-426E-40dd-AFC4-6F175D3DCCD1}">
-              <a14:hiddenFill xmlns:a14="http://schemas.microsoft.com/office/drawing/2010/main" xmlns="">
+              <a14:hiddenFill xmlns="" xmlns:a14="http://schemas.microsoft.com/office/drawing/2010/main">
                 <a:solidFill>
                   <a:schemeClr val="accent1"/>
                 </a:solidFill>
               </a14:hiddenFill>
             </a:ext>
             <a:ext uri="{91240B29-F687-4f45-9708-019B960494DF}">
-              <a14:hiddenLine xmlns:a14="http://schemas.microsoft.com/office/drawing/2010/main" xmlns="" w="9525">
+              <a14:hiddenLine xmlns="" xmlns:a14="http://schemas.microsoft.com/office/drawing/2010/main" w="9525">
                 <a:solidFill>
                   <a:schemeClr val="tx1"/>
                 </a:solidFill>
@@ -32724,7 +31666,7 @@
           </a:ln>
           <a:extLst>
             <a:ext uri="{909E8E84-426E-40dd-AFC4-6F175D3DCCD1}">
-              <a14:hiddenFill xmlns:a14="http://schemas.microsoft.com/office/drawing/2010/main" xmlns="">
+              <a14:hiddenFill xmlns="" xmlns:a14="http://schemas.microsoft.com/office/drawing/2010/main">
                 <a:solidFill>
                   <a:schemeClr val="accent1"/>
                 </a:solidFill>
@@ -32789,7 +31731,7 @@
           </a:ln>
           <a:extLst>
             <a:ext uri="{909E8E84-426E-40dd-AFC4-6F175D3DCCD1}">
-              <a14:hiddenFill xmlns:a14="http://schemas.microsoft.com/office/drawing/2010/main" xmlns="">
+              <a14:hiddenFill xmlns="" xmlns:a14="http://schemas.microsoft.com/office/drawing/2010/main">
                 <a:solidFill>
                   <a:schemeClr val="accent1"/>
                 </a:solidFill>
@@ -32827,14 +31769,14 @@
           </a:ln>
           <a:extLst>
             <a:ext uri="{909E8E84-426E-40dd-AFC4-6F175D3DCCD1}">
-              <a14:hiddenFill xmlns:a14="http://schemas.microsoft.com/office/drawing/2010/main" xmlns="">
+              <a14:hiddenFill xmlns="" xmlns:a14="http://schemas.microsoft.com/office/drawing/2010/main">
                 <a:solidFill>
                   <a:schemeClr val="accent1"/>
                 </a:solidFill>
               </a14:hiddenFill>
             </a:ext>
             <a:ext uri="{91240B29-F687-4f45-9708-019B960494DF}">
-              <a14:hiddenLine xmlns:a14="http://schemas.microsoft.com/office/drawing/2010/main" xmlns="" w="9525">
+              <a14:hiddenLine xmlns="" xmlns:a14="http://schemas.microsoft.com/office/drawing/2010/main" w="9525">
                 <a:solidFill>
                   <a:schemeClr val="tx1"/>
                 </a:solidFill>
@@ -32885,7 +31827,7 @@
           </a:ln>
           <a:extLst>
             <a:ext uri="{909E8E84-426E-40dd-AFC4-6F175D3DCCD1}">
-              <a14:hiddenFill xmlns:a14="http://schemas.microsoft.com/office/drawing/2010/main" xmlns="">
+              <a14:hiddenFill xmlns="" xmlns:a14="http://schemas.microsoft.com/office/drawing/2010/main">
                 <a:solidFill>
                   <a:schemeClr val="accent1"/>
                 </a:solidFill>
@@ -32928,14 +31870,14 @@
           </a:ln>
           <a:extLst>
             <a:ext uri="{909E8E84-426E-40dd-AFC4-6F175D3DCCD1}">
-              <a14:hiddenFill xmlns:a14="http://schemas.microsoft.com/office/drawing/2010/main" xmlns="">
+              <a14:hiddenFill xmlns="" xmlns:a14="http://schemas.microsoft.com/office/drawing/2010/main">
                 <a:solidFill>
                   <a:schemeClr val="accent1"/>
                 </a:solidFill>
               </a14:hiddenFill>
             </a:ext>
             <a:ext uri="{91240B29-F687-4f45-9708-019B960494DF}">
-              <a14:hiddenLine xmlns:a14="http://schemas.microsoft.com/office/drawing/2010/main" xmlns="" w="9525">
+              <a14:hiddenLine xmlns="" xmlns:a14="http://schemas.microsoft.com/office/drawing/2010/main" w="9525">
                 <a:solidFill>
                   <a:schemeClr val="tx1"/>
                 </a:solidFill>
@@ -32990,7 +31932,7 @@
           </a:ln>
           <a:extLst>
             <a:ext uri="{909E8E84-426E-40dd-AFC4-6F175D3DCCD1}">
-              <a14:hiddenFill xmlns:a14="http://schemas.microsoft.com/office/drawing/2010/main" xmlns="">
+              <a14:hiddenFill xmlns="" xmlns:a14="http://schemas.microsoft.com/office/drawing/2010/main">
                 <a:noFill/>
               </a14:hiddenFill>
             </a:ext>
@@ -33024,7 +31966,7 @@
           </a:ln>
           <a:extLst>
             <a:ext uri="{909E8E84-426E-40dd-AFC4-6F175D3DCCD1}">
-              <a14:hiddenFill xmlns:a14="http://schemas.microsoft.com/office/drawing/2010/main" xmlns="">
+              <a14:hiddenFill xmlns="" xmlns:a14="http://schemas.microsoft.com/office/drawing/2010/main">
                 <a:solidFill>
                   <a:schemeClr val="accent1"/>
                 </a:solidFill>
@@ -33160,14 +32102,14 @@
           </a:ln>
           <a:extLst>
             <a:ext uri="{909E8E84-426E-40dd-AFC4-6F175D3DCCD1}">
-              <a14:hiddenFill xmlns:a14="http://schemas.microsoft.com/office/drawing/2010/main" xmlns="">
+              <a14:hiddenFill xmlns="" xmlns:a14="http://schemas.microsoft.com/office/drawing/2010/main">
                 <a:solidFill>
                   <a:schemeClr val="accent1"/>
                 </a:solidFill>
               </a14:hiddenFill>
             </a:ext>
             <a:ext uri="{91240B29-F687-4f45-9708-019B960494DF}">
-              <a14:hiddenLine xmlns:a14="http://schemas.microsoft.com/office/drawing/2010/main" xmlns="" w="9525">
+              <a14:hiddenLine xmlns="" xmlns:a14="http://schemas.microsoft.com/office/drawing/2010/main" w="9525">
                 <a:solidFill>
                   <a:schemeClr val="tx1"/>
                 </a:solidFill>
@@ -33219,14 +32161,14 @@
           </a:ln>
           <a:extLst>
             <a:ext uri="{909E8E84-426E-40dd-AFC4-6F175D3DCCD1}">
-              <a14:hiddenFill xmlns:a14="http://schemas.microsoft.com/office/drawing/2010/main" xmlns="">
+              <a14:hiddenFill xmlns="" xmlns:a14="http://schemas.microsoft.com/office/drawing/2010/main">
                 <a:solidFill>
                   <a:schemeClr val="accent1"/>
                 </a:solidFill>
               </a14:hiddenFill>
             </a:ext>
             <a:ext uri="{91240B29-F687-4f45-9708-019B960494DF}">
-              <a14:hiddenLine xmlns:a14="http://schemas.microsoft.com/office/drawing/2010/main" xmlns="" w="9525">
+              <a14:hiddenLine xmlns="" xmlns:a14="http://schemas.microsoft.com/office/drawing/2010/main" w="9525">
                 <a:solidFill>
                   <a:schemeClr val="tx1"/>
                 </a:solidFill>
@@ -33308,7 +32250,7 @@
           </a:ln>
           <a:extLst>
             <a:ext uri="{909E8E84-426E-40dd-AFC4-6F175D3DCCD1}">
-              <a14:hiddenFill xmlns="" xmlns:a14="http://schemas.microsoft.com/office/drawing/2010/main">
+              <a14:hiddenFill xmlns:a14="http://schemas.microsoft.com/office/drawing/2010/main" xmlns="">
                 <a:solidFill>
                   <a:schemeClr val="accent1"/>
                 </a:solidFill>
@@ -33373,7 +32315,7 @@
           </a:ln>
           <a:extLst>
             <a:ext uri="{909E8E84-426E-40dd-AFC4-6F175D3DCCD1}">
-              <a14:hiddenFill xmlns="" xmlns:a14="http://schemas.microsoft.com/office/drawing/2010/main">
+              <a14:hiddenFill xmlns:a14="http://schemas.microsoft.com/office/drawing/2010/main" xmlns="">
                 <a:solidFill>
                   <a:schemeClr val="accent1"/>
                 </a:solidFill>
@@ -33411,14 +32353,14 @@
           </a:ln>
           <a:extLst>
             <a:ext uri="{909E8E84-426E-40dd-AFC4-6F175D3DCCD1}">
-              <a14:hiddenFill xmlns="" xmlns:a14="http://schemas.microsoft.com/office/drawing/2010/main">
+              <a14:hiddenFill xmlns:a14="http://schemas.microsoft.com/office/drawing/2010/main" xmlns="">
                 <a:solidFill>
                   <a:schemeClr val="accent1"/>
                 </a:solidFill>
               </a14:hiddenFill>
             </a:ext>
             <a:ext uri="{91240B29-F687-4f45-9708-019B960494DF}">
-              <a14:hiddenLine xmlns="" xmlns:a14="http://schemas.microsoft.com/office/drawing/2010/main" w="9525">
+              <a14:hiddenLine xmlns:a14="http://schemas.microsoft.com/office/drawing/2010/main" xmlns="" w="9525">
                 <a:solidFill>
                   <a:schemeClr val="tx1"/>
                 </a:solidFill>
@@ -33469,7 +32411,7 @@
           </a:ln>
           <a:extLst>
             <a:ext uri="{909E8E84-426E-40dd-AFC4-6F175D3DCCD1}">
-              <a14:hiddenFill xmlns="" xmlns:a14="http://schemas.microsoft.com/office/drawing/2010/main">
+              <a14:hiddenFill xmlns:a14="http://schemas.microsoft.com/office/drawing/2010/main" xmlns="">
                 <a:solidFill>
                   <a:schemeClr val="accent1"/>
                 </a:solidFill>
@@ -33512,14 +32454,14 @@
           </a:ln>
           <a:extLst>
             <a:ext uri="{909E8E84-426E-40dd-AFC4-6F175D3DCCD1}">
-              <a14:hiddenFill xmlns="" xmlns:a14="http://schemas.microsoft.com/office/drawing/2010/main">
+              <a14:hiddenFill xmlns:a14="http://schemas.microsoft.com/office/drawing/2010/main" xmlns="">
                 <a:solidFill>
                   <a:schemeClr val="accent1"/>
                 </a:solidFill>
               </a14:hiddenFill>
             </a:ext>
             <a:ext uri="{91240B29-F687-4f45-9708-019B960494DF}">
-              <a14:hiddenLine xmlns="" xmlns:a14="http://schemas.microsoft.com/office/drawing/2010/main" w="9525">
+              <a14:hiddenLine xmlns:a14="http://schemas.microsoft.com/office/drawing/2010/main" xmlns="" w="9525">
                 <a:solidFill>
                   <a:schemeClr val="tx1"/>
                 </a:solidFill>
@@ -33574,7 +32516,7 @@
           </a:ln>
           <a:extLst>
             <a:ext uri="{909E8E84-426E-40dd-AFC4-6F175D3DCCD1}">
-              <a14:hiddenFill xmlns="" xmlns:a14="http://schemas.microsoft.com/office/drawing/2010/main">
+              <a14:hiddenFill xmlns:a14="http://schemas.microsoft.com/office/drawing/2010/main" xmlns="">
                 <a:noFill/>
               </a14:hiddenFill>
             </a:ext>
@@ -33608,7 +32550,7 @@
           </a:ln>
           <a:extLst>
             <a:ext uri="{909E8E84-426E-40dd-AFC4-6F175D3DCCD1}">
-              <a14:hiddenFill xmlns="" xmlns:a14="http://schemas.microsoft.com/office/drawing/2010/main">
+              <a14:hiddenFill xmlns:a14="http://schemas.microsoft.com/office/drawing/2010/main" xmlns="">
                 <a:solidFill>
                   <a:schemeClr val="accent1"/>
                 </a:solidFill>
@@ -33744,14 +32686,14 @@
           </a:ln>
           <a:extLst>
             <a:ext uri="{909E8E84-426E-40dd-AFC4-6F175D3DCCD1}">
-              <a14:hiddenFill xmlns="" xmlns:a14="http://schemas.microsoft.com/office/drawing/2010/main">
+              <a14:hiddenFill xmlns:a14="http://schemas.microsoft.com/office/drawing/2010/main" xmlns="">
                 <a:solidFill>
                   <a:schemeClr val="accent1"/>
                 </a:solidFill>
               </a14:hiddenFill>
             </a:ext>
             <a:ext uri="{91240B29-F687-4f45-9708-019B960494DF}">
-              <a14:hiddenLine xmlns="" xmlns:a14="http://schemas.microsoft.com/office/drawing/2010/main" w="9525">
+              <a14:hiddenLine xmlns:a14="http://schemas.microsoft.com/office/drawing/2010/main" xmlns="" w="9525">
                 <a:solidFill>
                   <a:schemeClr val="tx1"/>
                 </a:solidFill>
@@ -33803,14 +32745,14 @@
           </a:ln>
           <a:extLst>
             <a:ext uri="{909E8E84-426E-40dd-AFC4-6F175D3DCCD1}">
-              <a14:hiddenFill xmlns="" xmlns:a14="http://schemas.microsoft.com/office/drawing/2010/main">
+              <a14:hiddenFill xmlns:a14="http://schemas.microsoft.com/office/drawing/2010/main" xmlns="">
                 <a:solidFill>
                   <a:schemeClr val="accent1"/>
                 </a:solidFill>
               </a14:hiddenFill>
             </a:ext>
             <a:ext uri="{91240B29-F687-4f45-9708-019B960494DF}">
-              <a14:hiddenLine xmlns="" xmlns:a14="http://schemas.microsoft.com/office/drawing/2010/main" w="9525">
+              <a14:hiddenLine xmlns:a14="http://schemas.microsoft.com/office/drawing/2010/main" xmlns="" w="9525">
                 <a:solidFill>
                   <a:schemeClr val="tx1"/>
                 </a:solidFill>
@@ -34049,7 +32991,7 @@
           </a:ln>
           <a:extLst>
             <a:ext uri="{909E8E84-426E-40dd-AFC4-6F175D3DCCD1}">
-              <a14:hiddenFill xmlns:a14="http://schemas.microsoft.com/office/drawing/2010/main" xmlns="">
+              <a14:hiddenFill xmlns="" xmlns:a14="http://schemas.microsoft.com/office/drawing/2010/main">
                 <a:solidFill>
                   <a:schemeClr val="accent1"/>
                 </a:solidFill>
@@ -34436,7 +33378,7 @@
         <a:effectLst/>
         <a:extLst>
           <a:ext uri="{AF507438-7753-43e0-B8FC-AC1667EBCBE1}">
-            <a14:hiddenEffects xmlns:a14="http://schemas.microsoft.com/office/drawing/2010/main" xmlns="">
+            <a14:hiddenEffects xmlns="" xmlns:a14="http://schemas.microsoft.com/office/drawing/2010/main">
               <a:effectLst>
                 <a:outerShdw blurRad="63500" dist="38099" dir="2700000" algn="ctr" rotWithShape="0">
                   <a:schemeClr val="bg2">
@@ -34513,7 +33455,7 @@
         <a:effectLst/>
         <a:extLst>
           <a:ext uri="{AF507438-7753-43e0-B8FC-AC1667EBCBE1}">
-            <a14:hiddenEffects xmlns:a14="http://schemas.microsoft.com/office/drawing/2010/main" xmlns="">
+            <a14:hiddenEffects xmlns="" xmlns:a14="http://schemas.microsoft.com/office/drawing/2010/main">
               <a:effectLst>
                 <a:outerShdw blurRad="63500" dist="38099" dir="2700000" algn="ctr" rotWithShape="0">
                   <a:schemeClr val="bg2">
